--- a/slides/cbse-06.pptx
+++ b/slides/cbse-06.pptx
@@ -3,25 +3,25 @@
 <p:presentation xmlns:a="http://schemas.openxmlformats.org/drawingml/2006/main" xmlns:r="http://schemas.openxmlformats.org/officeDocument/2006/relationships" xmlns:p="http://schemas.openxmlformats.org/presentationml/2006/main" showSpecialPlsOnTitleSld="0" saveSubsetFonts="1">
   <p:sldMasterIdLst>
     <p:sldMasterId id="2147485699" r:id="rId1"/>
+    <p:sldMasterId id="2147485712" r:id="rId2"/>
   </p:sldMasterIdLst>
   <p:notesMasterIdLst>
     <p:notesMasterId r:id="rId16"/>
   </p:notesMasterIdLst>
   <p:sldIdLst>
-    <p:sldId id="256" r:id="rId2"/>
-    <p:sldId id="257" r:id="rId3"/>
-    <p:sldId id="263" r:id="rId4"/>
-    <p:sldId id="268" r:id="rId5"/>
-    <p:sldId id="269" r:id="rId6"/>
-    <p:sldId id="270" r:id="rId7"/>
-    <p:sldId id="264" r:id="rId8"/>
-    <p:sldId id="265" r:id="rId9"/>
-    <p:sldId id="271" r:id="rId10"/>
-    <p:sldId id="266" r:id="rId11"/>
-    <p:sldId id="267" r:id="rId12"/>
-    <p:sldId id="261" r:id="rId13"/>
-    <p:sldId id="262" r:id="rId14"/>
-    <p:sldId id="272" r:id="rId15"/>
+    <p:sldId id="308" r:id="rId3"/>
+    <p:sldId id="257" r:id="rId4"/>
+    <p:sldId id="263" r:id="rId5"/>
+    <p:sldId id="268" r:id="rId6"/>
+    <p:sldId id="269" r:id="rId7"/>
+    <p:sldId id="270" r:id="rId8"/>
+    <p:sldId id="264" r:id="rId9"/>
+    <p:sldId id="265" r:id="rId10"/>
+    <p:sldId id="271" r:id="rId11"/>
+    <p:sldId id="266" r:id="rId12"/>
+    <p:sldId id="267" r:id="rId13"/>
+    <p:sldId id="261" r:id="rId14"/>
+    <p:sldId id="262" r:id="rId15"/>
   </p:sldIdLst>
   <p:sldSz cx="9144000" cy="6858000" type="screen4x3"/>
   <p:notesSz cx="6858000" cy="9144000"/>
@@ -222,7 +222,7 @@
             <a:fld id="{3FA3F666-68BF-4350-B966-D67724C03F49}" type="datetimeFigureOut">
               <a:rPr lang="fr-FR" smtClean="0"/>
               <a:pPr/>
-              <a:t>25/03/2021</a:t>
+              <a:t>13/11/2024</a:t>
             </a:fld>
             <a:endParaRPr lang="fr-FR"/>
           </a:p>
@@ -4618,7 +4618,7 @@
             <a:fld id="{B3D8F18F-6817-4679-8A6B-D00CC26D0D0D}" type="datetime1">
               <a:rPr lang="fr-FR" smtClean="0"/>
               <a:pPr/>
-              <a:t>25/03/2021</a:t>
+              <a:t>13/11/2024</a:t>
             </a:fld>
             <a:endParaRPr lang="en-US"/>
           </a:p>
@@ -12657,7 +12657,7 @@
             <a:fld id="{B7481C9B-792C-4D75-91D1-A656F88413FB}" type="datetime1">
               <a:rPr lang="fr-FR" smtClean="0"/>
               <a:pPr/>
-              <a:t>25/03/2021</a:t>
+              <a:t>13/11/2024</a:t>
             </a:fld>
             <a:endParaRPr lang="fr-FR"/>
           </a:p>
@@ -12835,7 +12835,7 @@
             <a:fld id="{D04A7E5A-A05C-4FAC-9682-CCDDA30EB4D6}" type="datetime1">
               <a:rPr lang="fr-FR" smtClean="0"/>
               <a:pPr/>
-              <a:t>25/03/2021</a:t>
+              <a:t>13/11/2024</a:t>
             </a:fld>
             <a:endParaRPr lang="fr-FR"/>
           </a:p>
@@ -12892,6 +12892,1777 @@
   <p:transition>
     <p:fade/>
   </p:transition>
+</p:sldLayout>
+</file>
+
+<file path=ppt/slideLayouts/slideLayout12.xml><?xml version="1.0" encoding="utf-8"?>
+<p:sldLayout xmlns:a="http://schemas.openxmlformats.org/drawingml/2006/main" xmlns:r="http://schemas.openxmlformats.org/officeDocument/2006/relationships" xmlns:p="http://schemas.openxmlformats.org/presentationml/2006/main" userDrawn="1">
+  <p:cSld name="2_First Slide">
+    <p:bg>
+      <p:bgRef idx="1001">
+        <a:schemeClr val="bg1"/>
+      </p:bgRef>
+    </p:bg>
+    <p:spTree>
+      <p:nvGrpSpPr>
+        <p:cNvPr id="1" name=""/>
+        <p:cNvGrpSpPr/>
+        <p:nvPr/>
+      </p:nvGrpSpPr>
+      <p:grpSpPr>
+        <a:xfrm>
+          <a:off x="0" y="0"/>
+          <a:ext cx="0" cy="0"/>
+          <a:chOff x="0" y="0"/>
+          <a:chExt cx="0" cy="0"/>
+        </a:xfrm>
+      </p:grpSpPr>
+    </p:spTree>
+    <p:extLst>
+      <p:ext uri="{BB962C8B-B14F-4D97-AF65-F5344CB8AC3E}">
+        <p14:creationId xmlns:p14="http://schemas.microsoft.com/office/powerpoint/2010/main" val="1803312938"/>
+      </p:ext>
+    </p:extLst>
+  </p:cSld>
+  <p:clrMapOvr>
+    <a:overrideClrMapping bg1="lt1" tx1="dk1" bg2="lt2" tx2="dk2" accent1="accent1" accent2="accent2" accent3="accent3" accent4="accent4" accent5="accent5" accent6="accent6" hlink="hlink" folHlink="folHlink"/>
+  </p:clrMapOvr>
+  <p:extLst>
+    <p:ext uri="{DCECCB84-F9BA-43D5-87BE-67443E8EF086}">
+      <p15:sldGuideLst xmlns:p15="http://schemas.microsoft.com/office/powerpoint/2012/main">
+        <p15:guide id="1" orient="horz" pos="3702">
+          <p15:clr>
+            <a:srgbClr val="FBAE40"/>
+          </p15:clr>
+        </p15:guide>
+        <p15:guide id="2" pos="1096">
+          <p15:clr>
+            <a:srgbClr val="FBAE40"/>
+          </p15:clr>
+        </p15:guide>
+        <p15:guide id="3" pos="4384">
+          <p15:clr>
+            <a:srgbClr val="FBAE40"/>
+          </p15:clr>
+        </p15:guide>
+        <p15:guide id="4" pos="2184">
+          <p15:clr>
+            <a:srgbClr val="FBAE40"/>
+          </p15:clr>
+        </p15:guide>
+        <p15:guide id="5" pos="3296">
+          <p15:clr>
+            <a:srgbClr val="FBAE40"/>
+          </p15:clr>
+        </p15:guide>
+        <p15:guide id="6" pos="5473">
+          <p15:clr>
+            <a:srgbClr val="FBAE40"/>
+          </p15:clr>
+        </p15:guide>
+        <p15:guide id="8" pos="6584">
+          <p15:clr>
+            <a:srgbClr val="FBAE40"/>
+          </p15:clr>
+        </p15:guide>
+        <p15:guide id="9" pos="6040">
+          <p15:clr>
+            <a:srgbClr val="FBAE40"/>
+          </p15:clr>
+        </p15:guide>
+        <p15:guide id="10" orient="horz" pos="3090">
+          <p15:clr>
+            <a:srgbClr val="FBAE40"/>
+          </p15:clr>
+        </p15:guide>
+        <p15:guide id="11" orient="horz" pos="1842">
+          <p15:clr>
+            <a:srgbClr val="FBAE40"/>
+          </p15:clr>
+        </p15:guide>
+        <p15:guide id="12" orient="horz" pos="1230">
+          <p15:clr>
+            <a:srgbClr val="FBAE40"/>
+          </p15:clr>
+        </p15:guide>
+        <p15:guide id="13" orient="horz" pos="913">
+          <p15:clr>
+            <a:srgbClr val="FBAE40"/>
+          </p15:clr>
+        </p15:guide>
+        <p15:guide id="14" orient="horz" pos="618">
+          <p15:clr>
+            <a:srgbClr val="FBAE40"/>
+          </p15:clr>
+        </p15:guide>
+        <p15:guide id="15" orient="horz" pos="2478">
+          <p15:clr>
+            <a:srgbClr val="FBAE40"/>
+          </p15:clr>
+        </p15:guide>
+        <p15:guide id="16" pos="393">
+          <p15:clr>
+            <a:srgbClr val="FBAE40"/>
+          </p15:clr>
+        </p15:guide>
+        <p15:guide id="17" orient="horz" pos="3929">
+          <p15:clr>
+            <a:srgbClr val="FBAE40"/>
+          </p15:clr>
+        </p15:guide>
+        <p15:guide id="18" orient="horz" pos="368">
+          <p15:clr>
+            <a:srgbClr val="FBAE40"/>
+          </p15:clr>
+        </p15:guide>
+      </p15:sldGuideLst>
+    </p:ext>
+  </p:extLst>
+</p:sldLayout>
+</file>
+
+<file path=ppt/slideLayouts/slideLayout13.xml><?xml version="1.0" encoding="utf-8"?>
+<p:sldLayout xmlns:a="http://schemas.openxmlformats.org/drawingml/2006/main" xmlns:r="http://schemas.openxmlformats.org/officeDocument/2006/relationships" xmlns:p="http://schemas.openxmlformats.org/presentationml/2006/main" type="title" preserve="1">
+  <p:cSld name="Diapositive de titre">
+    <p:spTree>
+      <p:nvGrpSpPr>
+        <p:cNvPr id="1" name=""/>
+        <p:cNvGrpSpPr/>
+        <p:nvPr/>
+      </p:nvGrpSpPr>
+      <p:grpSpPr>
+        <a:xfrm>
+          <a:off x="0" y="0"/>
+          <a:ext cx="0" cy="0"/>
+          <a:chOff x="0" y="0"/>
+          <a:chExt cx="0" cy="0"/>
+        </a:xfrm>
+      </p:grpSpPr>
+      <p:sp>
+        <p:nvSpPr>
+          <p:cNvPr id="2" name="Titre 1">
+            <a:extLst>
+              <a:ext uri="{FF2B5EF4-FFF2-40B4-BE49-F238E27FC236}">
+                <a16:creationId xmlns:a16="http://schemas.microsoft.com/office/drawing/2014/main" id="{4343075F-83C8-E2B2-3564-25BDA09DC39D}"/>
+              </a:ext>
+            </a:extLst>
+          </p:cNvPr>
+          <p:cNvSpPr>
+            <a:spLocks noGrp="1"/>
+          </p:cNvSpPr>
+          <p:nvPr>
+            <p:ph type="ctrTitle"/>
+          </p:nvPr>
+        </p:nvSpPr>
+        <p:spPr>
+          <a:xfrm>
+            <a:off x="1143000" y="1122363"/>
+            <a:ext cx="6858000" cy="2387600"/>
+          </a:xfrm>
+        </p:spPr>
+        <p:txBody>
+          <a:bodyPr anchor="b"/>
+          <a:lstStyle>
+            <a:lvl1pPr algn="ctr">
+              <a:defRPr sz="4500"/>
+            </a:lvl1pPr>
+          </a:lstStyle>
+          <a:p>
+            <a:r>
+              <a:rPr lang="fr-FR"/>
+              <a:t>Modifiez le style du titre</a:t>
+            </a:r>
+          </a:p>
+        </p:txBody>
+      </p:sp>
+      <p:sp>
+        <p:nvSpPr>
+          <p:cNvPr id="3" name="Sous-titre 2">
+            <a:extLst>
+              <a:ext uri="{FF2B5EF4-FFF2-40B4-BE49-F238E27FC236}">
+                <a16:creationId xmlns:a16="http://schemas.microsoft.com/office/drawing/2014/main" id="{9B62776A-A1E7-1807-8E72-684DBEB1B4EA}"/>
+              </a:ext>
+            </a:extLst>
+          </p:cNvPr>
+          <p:cNvSpPr>
+            <a:spLocks noGrp="1"/>
+          </p:cNvSpPr>
+          <p:nvPr>
+            <p:ph type="subTitle" idx="1"/>
+          </p:nvPr>
+        </p:nvSpPr>
+        <p:spPr>
+          <a:xfrm>
+            <a:off x="1143000" y="3602038"/>
+            <a:ext cx="6858000" cy="1655762"/>
+          </a:xfrm>
+        </p:spPr>
+        <p:txBody>
+          <a:bodyPr/>
+          <a:lstStyle>
+            <a:lvl1pPr marL="0" indent="0" algn="ctr">
+              <a:buNone/>
+              <a:defRPr sz="1800"/>
+            </a:lvl1pPr>
+            <a:lvl2pPr marL="342900" indent="0" algn="ctr">
+              <a:buNone/>
+              <a:defRPr sz="1500"/>
+            </a:lvl2pPr>
+            <a:lvl3pPr marL="685800" indent="0" algn="ctr">
+              <a:buNone/>
+              <a:defRPr sz="1350"/>
+            </a:lvl3pPr>
+            <a:lvl4pPr marL="1028700" indent="0" algn="ctr">
+              <a:buNone/>
+              <a:defRPr sz="1200"/>
+            </a:lvl4pPr>
+            <a:lvl5pPr marL="1371600" indent="0" algn="ctr">
+              <a:buNone/>
+              <a:defRPr sz="1200"/>
+            </a:lvl5pPr>
+            <a:lvl6pPr marL="1714500" indent="0" algn="ctr">
+              <a:buNone/>
+              <a:defRPr sz="1200"/>
+            </a:lvl6pPr>
+            <a:lvl7pPr marL="2057400" indent="0" algn="ctr">
+              <a:buNone/>
+              <a:defRPr sz="1200"/>
+            </a:lvl7pPr>
+            <a:lvl8pPr marL="2400300" indent="0" algn="ctr">
+              <a:buNone/>
+              <a:defRPr sz="1200"/>
+            </a:lvl8pPr>
+            <a:lvl9pPr marL="2743200" indent="0" algn="ctr">
+              <a:buNone/>
+              <a:defRPr sz="1200"/>
+            </a:lvl9pPr>
+          </a:lstStyle>
+          <a:p>
+            <a:r>
+              <a:rPr lang="fr-FR"/>
+              <a:t>Modifiez le style des sous-titres du masque</a:t>
+            </a:r>
+          </a:p>
+        </p:txBody>
+      </p:sp>
+      <p:sp>
+        <p:nvSpPr>
+          <p:cNvPr id="4" name="Espace réservé de la date 3">
+            <a:extLst>
+              <a:ext uri="{FF2B5EF4-FFF2-40B4-BE49-F238E27FC236}">
+                <a16:creationId xmlns:a16="http://schemas.microsoft.com/office/drawing/2014/main" id="{B0BDF42A-CECA-FCF0-5206-2EADCA36D4CF}"/>
+              </a:ext>
+            </a:extLst>
+          </p:cNvPr>
+          <p:cNvSpPr>
+            <a:spLocks noGrp="1"/>
+          </p:cNvSpPr>
+          <p:nvPr>
+            <p:ph type="dt" sz="half" idx="10"/>
+          </p:nvPr>
+        </p:nvSpPr>
+        <p:spPr/>
+        <p:txBody>
+          <a:bodyPr/>
+          <a:lstStyle/>
+          <a:p>
+            <a:fld id="{715FFEA2-8EE2-4E3B-A523-DF67F5ED41E6}" type="datetime1">
+              <a:rPr lang="fr-FR" smtClean="0"/>
+              <a:pPr/>
+              <a:t>13/11/2024</a:t>
+            </a:fld>
+            <a:endParaRPr lang="fr-FR"/>
+          </a:p>
+        </p:txBody>
+      </p:sp>
+      <p:sp>
+        <p:nvSpPr>
+          <p:cNvPr id="5" name="Espace réservé du pied de page 4">
+            <a:extLst>
+              <a:ext uri="{FF2B5EF4-FFF2-40B4-BE49-F238E27FC236}">
+                <a16:creationId xmlns:a16="http://schemas.microsoft.com/office/drawing/2014/main" id="{F444AE12-BE21-88F0-EA5C-513AA6DD8A6C}"/>
+              </a:ext>
+            </a:extLst>
+          </p:cNvPr>
+          <p:cNvSpPr>
+            <a:spLocks noGrp="1"/>
+          </p:cNvSpPr>
+          <p:nvPr>
+            <p:ph type="ftr" sz="quarter" idx="11"/>
+          </p:nvPr>
+        </p:nvSpPr>
+        <p:spPr/>
+        <p:txBody>
+          <a:bodyPr/>
+          <a:lstStyle/>
+          <a:p>
+            <a:endParaRPr lang="fr-FR"/>
+          </a:p>
+        </p:txBody>
+      </p:sp>
+      <p:sp>
+        <p:nvSpPr>
+          <p:cNvPr id="6" name="Espace réservé du numéro de diapositive 5">
+            <a:extLst>
+              <a:ext uri="{FF2B5EF4-FFF2-40B4-BE49-F238E27FC236}">
+                <a16:creationId xmlns:a16="http://schemas.microsoft.com/office/drawing/2014/main" id="{39E81556-F703-A573-ECBC-CC05406C57AA}"/>
+              </a:ext>
+            </a:extLst>
+          </p:cNvPr>
+          <p:cNvSpPr>
+            <a:spLocks noGrp="1"/>
+          </p:cNvSpPr>
+          <p:nvPr>
+            <p:ph type="sldNum" sz="quarter" idx="12"/>
+          </p:nvPr>
+        </p:nvSpPr>
+        <p:spPr/>
+        <p:txBody>
+          <a:bodyPr/>
+          <a:lstStyle/>
+          <a:p>
+            <a:fld id="{05140462-0667-4258-8DD6-DC1FD194F4F6}" type="slidenum">
+              <a:rPr lang="fr-FR" smtClean="0"/>
+              <a:pPr/>
+              <a:t>‹N°›</a:t>
+            </a:fld>
+            <a:endParaRPr lang="fr-FR"/>
+          </a:p>
+        </p:txBody>
+      </p:sp>
+    </p:spTree>
+    <p:extLst>
+      <p:ext uri="{BB962C8B-B14F-4D97-AF65-F5344CB8AC3E}">
+        <p14:creationId xmlns:p14="http://schemas.microsoft.com/office/powerpoint/2010/main" val="175132486"/>
+      </p:ext>
+    </p:extLst>
+  </p:cSld>
+  <p:clrMapOvr>
+    <a:masterClrMapping/>
+  </p:clrMapOvr>
+  <p:hf hdr="0" ftr="0" dt="0"/>
+</p:sldLayout>
+</file>
+
+<file path=ppt/slideLayouts/slideLayout14.xml><?xml version="1.0" encoding="utf-8"?>
+<p:sldLayout xmlns:a="http://schemas.openxmlformats.org/drawingml/2006/main" xmlns:r="http://schemas.openxmlformats.org/officeDocument/2006/relationships" xmlns:p="http://schemas.openxmlformats.org/presentationml/2006/main" type="obj" preserve="1">
+  <p:cSld name="Titre et contenu">
+    <p:spTree>
+      <p:nvGrpSpPr>
+        <p:cNvPr id="1" name=""/>
+        <p:cNvGrpSpPr/>
+        <p:nvPr/>
+      </p:nvGrpSpPr>
+      <p:grpSpPr>
+        <a:xfrm>
+          <a:off x="0" y="0"/>
+          <a:ext cx="0" cy="0"/>
+          <a:chOff x="0" y="0"/>
+          <a:chExt cx="0" cy="0"/>
+        </a:xfrm>
+      </p:grpSpPr>
+      <p:sp>
+        <p:nvSpPr>
+          <p:cNvPr id="2" name="Titre 1">
+            <a:extLst>
+              <a:ext uri="{FF2B5EF4-FFF2-40B4-BE49-F238E27FC236}">
+                <a16:creationId xmlns:a16="http://schemas.microsoft.com/office/drawing/2014/main" id="{EB04F5B4-3FCA-4E02-840E-ECC8E9831621}"/>
+              </a:ext>
+            </a:extLst>
+          </p:cNvPr>
+          <p:cNvSpPr>
+            <a:spLocks noGrp="1"/>
+          </p:cNvSpPr>
+          <p:nvPr>
+            <p:ph type="title"/>
+          </p:nvPr>
+        </p:nvSpPr>
+        <p:spPr/>
+        <p:txBody>
+          <a:bodyPr/>
+          <a:lstStyle/>
+          <a:p>
+            <a:r>
+              <a:rPr lang="fr-FR"/>
+              <a:t>Modifiez le style du titre</a:t>
+            </a:r>
+          </a:p>
+        </p:txBody>
+      </p:sp>
+      <p:sp>
+        <p:nvSpPr>
+          <p:cNvPr id="3" name="Espace réservé du contenu 2">
+            <a:extLst>
+              <a:ext uri="{FF2B5EF4-FFF2-40B4-BE49-F238E27FC236}">
+                <a16:creationId xmlns:a16="http://schemas.microsoft.com/office/drawing/2014/main" id="{F60774CC-5F72-11AB-508F-F53DA3E22C18}"/>
+              </a:ext>
+            </a:extLst>
+          </p:cNvPr>
+          <p:cNvSpPr>
+            <a:spLocks noGrp="1"/>
+          </p:cNvSpPr>
+          <p:nvPr>
+            <p:ph idx="1"/>
+          </p:nvPr>
+        </p:nvSpPr>
+        <p:spPr/>
+        <p:txBody>
+          <a:bodyPr/>
+          <a:lstStyle/>
+          <a:p>
+            <a:pPr lvl="0"/>
+            <a:r>
+              <a:rPr lang="fr-FR"/>
+              <a:t>Cliquez pour modifier les styles du texte du masque</a:t>
+            </a:r>
+          </a:p>
+          <a:p>
+            <a:pPr lvl="1"/>
+            <a:r>
+              <a:rPr lang="fr-FR"/>
+              <a:t>Deuxième niveau</a:t>
+            </a:r>
+          </a:p>
+          <a:p>
+            <a:pPr lvl="2"/>
+            <a:r>
+              <a:rPr lang="fr-FR"/>
+              <a:t>Troisième niveau</a:t>
+            </a:r>
+          </a:p>
+          <a:p>
+            <a:pPr lvl="3"/>
+            <a:r>
+              <a:rPr lang="fr-FR"/>
+              <a:t>Quatrième niveau</a:t>
+            </a:r>
+          </a:p>
+          <a:p>
+            <a:pPr lvl="4"/>
+            <a:r>
+              <a:rPr lang="fr-FR"/>
+              <a:t>Cinquième niveau</a:t>
+            </a:r>
+          </a:p>
+        </p:txBody>
+      </p:sp>
+      <p:sp>
+        <p:nvSpPr>
+          <p:cNvPr id="4" name="Espace réservé de la date 3">
+            <a:extLst>
+              <a:ext uri="{FF2B5EF4-FFF2-40B4-BE49-F238E27FC236}">
+                <a16:creationId xmlns:a16="http://schemas.microsoft.com/office/drawing/2014/main" id="{2C0FD7F6-8490-8A0A-1B0C-392B6E6965BC}"/>
+              </a:ext>
+            </a:extLst>
+          </p:cNvPr>
+          <p:cNvSpPr>
+            <a:spLocks noGrp="1"/>
+          </p:cNvSpPr>
+          <p:nvPr>
+            <p:ph type="dt" sz="half" idx="10"/>
+          </p:nvPr>
+        </p:nvSpPr>
+        <p:spPr/>
+        <p:txBody>
+          <a:bodyPr/>
+          <a:lstStyle/>
+          <a:p>
+            <a:fld id="{715FFEA2-8EE2-4E3B-A523-DF67F5ED41E6}" type="datetime1">
+              <a:rPr lang="fr-FR" smtClean="0"/>
+              <a:pPr/>
+              <a:t>13/11/2024</a:t>
+            </a:fld>
+            <a:endParaRPr lang="fr-FR"/>
+          </a:p>
+        </p:txBody>
+      </p:sp>
+      <p:sp>
+        <p:nvSpPr>
+          <p:cNvPr id="5" name="Espace réservé du pied de page 4">
+            <a:extLst>
+              <a:ext uri="{FF2B5EF4-FFF2-40B4-BE49-F238E27FC236}">
+                <a16:creationId xmlns:a16="http://schemas.microsoft.com/office/drawing/2014/main" id="{5E32E617-0B5C-F85D-1108-BA81EC5EE12D}"/>
+              </a:ext>
+            </a:extLst>
+          </p:cNvPr>
+          <p:cNvSpPr>
+            <a:spLocks noGrp="1"/>
+          </p:cNvSpPr>
+          <p:nvPr>
+            <p:ph type="ftr" sz="quarter" idx="11"/>
+          </p:nvPr>
+        </p:nvSpPr>
+        <p:spPr/>
+        <p:txBody>
+          <a:bodyPr/>
+          <a:lstStyle/>
+          <a:p>
+            <a:endParaRPr lang="fr-FR"/>
+          </a:p>
+        </p:txBody>
+      </p:sp>
+      <p:sp>
+        <p:nvSpPr>
+          <p:cNvPr id="6" name="Espace réservé du numéro de diapositive 5">
+            <a:extLst>
+              <a:ext uri="{FF2B5EF4-FFF2-40B4-BE49-F238E27FC236}">
+                <a16:creationId xmlns:a16="http://schemas.microsoft.com/office/drawing/2014/main" id="{6FD58028-D1F8-F364-C0AC-FEAECB1E9648}"/>
+              </a:ext>
+            </a:extLst>
+          </p:cNvPr>
+          <p:cNvSpPr>
+            <a:spLocks noGrp="1"/>
+          </p:cNvSpPr>
+          <p:nvPr>
+            <p:ph type="sldNum" sz="quarter" idx="12"/>
+          </p:nvPr>
+        </p:nvSpPr>
+        <p:spPr/>
+        <p:txBody>
+          <a:bodyPr/>
+          <a:lstStyle/>
+          <a:p>
+            <a:fld id="{05140462-0667-4258-8DD6-DC1FD194F4F6}" type="slidenum">
+              <a:rPr lang="fr-FR" smtClean="0"/>
+              <a:pPr/>
+              <a:t>‹N°›</a:t>
+            </a:fld>
+            <a:endParaRPr lang="fr-FR"/>
+          </a:p>
+        </p:txBody>
+      </p:sp>
+    </p:spTree>
+    <p:extLst>
+      <p:ext uri="{BB962C8B-B14F-4D97-AF65-F5344CB8AC3E}">
+        <p14:creationId xmlns:p14="http://schemas.microsoft.com/office/powerpoint/2010/main" val="519356895"/>
+      </p:ext>
+    </p:extLst>
+  </p:cSld>
+  <p:clrMapOvr>
+    <a:masterClrMapping/>
+  </p:clrMapOvr>
+  <p:hf hdr="0" ftr="0" dt="0"/>
+</p:sldLayout>
+</file>
+
+<file path=ppt/slideLayouts/slideLayout15.xml><?xml version="1.0" encoding="utf-8"?>
+<p:sldLayout xmlns:a="http://schemas.openxmlformats.org/drawingml/2006/main" xmlns:r="http://schemas.openxmlformats.org/officeDocument/2006/relationships" xmlns:p="http://schemas.openxmlformats.org/presentationml/2006/main" type="secHead" preserve="1">
+  <p:cSld name="Titre de section">
+    <p:spTree>
+      <p:nvGrpSpPr>
+        <p:cNvPr id="1" name=""/>
+        <p:cNvGrpSpPr/>
+        <p:nvPr/>
+      </p:nvGrpSpPr>
+      <p:grpSpPr>
+        <a:xfrm>
+          <a:off x="0" y="0"/>
+          <a:ext cx="0" cy="0"/>
+          <a:chOff x="0" y="0"/>
+          <a:chExt cx="0" cy="0"/>
+        </a:xfrm>
+      </p:grpSpPr>
+      <p:sp>
+        <p:nvSpPr>
+          <p:cNvPr id="2" name="Titre 1">
+            <a:extLst>
+              <a:ext uri="{FF2B5EF4-FFF2-40B4-BE49-F238E27FC236}">
+                <a16:creationId xmlns:a16="http://schemas.microsoft.com/office/drawing/2014/main" id="{4F6A4B99-E8B7-1637-ECE2-711F3B9E0A05}"/>
+              </a:ext>
+            </a:extLst>
+          </p:cNvPr>
+          <p:cNvSpPr>
+            <a:spLocks noGrp="1"/>
+          </p:cNvSpPr>
+          <p:nvPr>
+            <p:ph type="title"/>
+          </p:nvPr>
+        </p:nvSpPr>
+        <p:spPr>
+          <a:xfrm>
+            <a:off x="623888" y="1709739"/>
+            <a:ext cx="7886700" cy="2852737"/>
+          </a:xfrm>
+        </p:spPr>
+        <p:txBody>
+          <a:bodyPr anchor="b"/>
+          <a:lstStyle>
+            <a:lvl1pPr>
+              <a:defRPr sz="4500"/>
+            </a:lvl1pPr>
+          </a:lstStyle>
+          <a:p>
+            <a:r>
+              <a:rPr lang="fr-FR"/>
+              <a:t>Modifiez le style du titre</a:t>
+            </a:r>
+          </a:p>
+        </p:txBody>
+      </p:sp>
+      <p:sp>
+        <p:nvSpPr>
+          <p:cNvPr id="3" name="Espace réservé du texte 2">
+            <a:extLst>
+              <a:ext uri="{FF2B5EF4-FFF2-40B4-BE49-F238E27FC236}">
+                <a16:creationId xmlns:a16="http://schemas.microsoft.com/office/drawing/2014/main" id="{D6903118-AC33-4D1C-BE1F-6B7C6AD8219A}"/>
+              </a:ext>
+            </a:extLst>
+          </p:cNvPr>
+          <p:cNvSpPr>
+            <a:spLocks noGrp="1"/>
+          </p:cNvSpPr>
+          <p:nvPr>
+            <p:ph type="body" idx="1"/>
+          </p:nvPr>
+        </p:nvSpPr>
+        <p:spPr>
+          <a:xfrm>
+            <a:off x="623888" y="4589464"/>
+            <a:ext cx="7886700" cy="1500187"/>
+          </a:xfrm>
+        </p:spPr>
+        <p:txBody>
+          <a:bodyPr/>
+          <a:lstStyle>
+            <a:lvl1pPr marL="0" indent="0">
+              <a:buNone/>
+              <a:defRPr sz="1800">
+                <a:solidFill>
+                  <a:schemeClr val="tx1">
+                    <a:tint val="82000"/>
+                  </a:schemeClr>
+                </a:solidFill>
+              </a:defRPr>
+            </a:lvl1pPr>
+            <a:lvl2pPr marL="342900" indent="0">
+              <a:buNone/>
+              <a:defRPr sz="1500">
+                <a:solidFill>
+                  <a:schemeClr val="tx1">
+                    <a:tint val="82000"/>
+                  </a:schemeClr>
+                </a:solidFill>
+              </a:defRPr>
+            </a:lvl2pPr>
+            <a:lvl3pPr marL="685800" indent="0">
+              <a:buNone/>
+              <a:defRPr sz="1350">
+                <a:solidFill>
+                  <a:schemeClr val="tx1">
+                    <a:tint val="82000"/>
+                  </a:schemeClr>
+                </a:solidFill>
+              </a:defRPr>
+            </a:lvl3pPr>
+            <a:lvl4pPr marL="1028700" indent="0">
+              <a:buNone/>
+              <a:defRPr sz="1200">
+                <a:solidFill>
+                  <a:schemeClr val="tx1">
+                    <a:tint val="82000"/>
+                  </a:schemeClr>
+                </a:solidFill>
+              </a:defRPr>
+            </a:lvl4pPr>
+            <a:lvl5pPr marL="1371600" indent="0">
+              <a:buNone/>
+              <a:defRPr sz="1200">
+                <a:solidFill>
+                  <a:schemeClr val="tx1">
+                    <a:tint val="82000"/>
+                  </a:schemeClr>
+                </a:solidFill>
+              </a:defRPr>
+            </a:lvl5pPr>
+            <a:lvl6pPr marL="1714500" indent="0">
+              <a:buNone/>
+              <a:defRPr sz="1200">
+                <a:solidFill>
+                  <a:schemeClr val="tx1">
+                    <a:tint val="82000"/>
+                  </a:schemeClr>
+                </a:solidFill>
+              </a:defRPr>
+            </a:lvl6pPr>
+            <a:lvl7pPr marL="2057400" indent="0">
+              <a:buNone/>
+              <a:defRPr sz="1200">
+                <a:solidFill>
+                  <a:schemeClr val="tx1">
+                    <a:tint val="82000"/>
+                  </a:schemeClr>
+                </a:solidFill>
+              </a:defRPr>
+            </a:lvl7pPr>
+            <a:lvl8pPr marL="2400300" indent="0">
+              <a:buNone/>
+              <a:defRPr sz="1200">
+                <a:solidFill>
+                  <a:schemeClr val="tx1">
+                    <a:tint val="82000"/>
+                  </a:schemeClr>
+                </a:solidFill>
+              </a:defRPr>
+            </a:lvl8pPr>
+            <a:lvl9pPr marL="2743200" indent="0">
+              <a:buNone/>
+              <a:defRPr sz="1200">
+                <a:solidFill>
+                  <a:schemeClr val="tx1">
+                    <a:tint val="82000"/>
+                  </a:schemeClr>
+                </a:solidFill>
+              </a:defRPr>
+            </a:lvl9pPr>
+          </a:lstStyle>
+          <a:p>
+            <a:pPr lvl="0"/>
+            <a:r>
+              <a:rPr lang="fr-FR"/>
+              <a:t>Cliquez pour modifier les styles du texte du masque</a:t>
+            </a:r>
+          </a:p>
+        </p:txBody>
+      </p:sp>
+      <p:sp>
+        <p:nvSpPr>
+          <p:cNvPr id="4" name="Espace réservé de la date 3">
+            <a:extLst>
+              <a:ext uri="{FF2B5EF4-FFF2-40B4-BE49-F238E27FC236}">
+                <a16:creationId xmlns:a16="http://schemas.microsoft.com/office/drawing/2014/main" id="{839E65A6-5177-8D0F-BD7B-F5439081270A}"/>
+              </a:ext>
+            </a:extLst>
+          </p:cNvPr>
+          <p:cNvSpPr>
+            <a:spLocks noGrp="1"/>
+          </p:cNvSpPr>
+          <p:nvPr>
+            <p:ph type="dt" sz="half" idx="10"/>
+          </p:nvPr>
+        </p:nvSpPr>
+        <p:spPr/>
+        <p:txBody>
+          <a:bodyPr/>
+          <a:lstStyle/>
+          <a:p>
+            <a:fld id="{715FFEA2-8EE2-4E3B-A523-DF67F5ED41E6}" type="datetime1">
+              <a:rPr lang="fr-FR" smtClean="0"/>
+              <a:pPr/>
+              <a:t>13/11/2024</a:t>
+            </a:fld>
+            <a:endParaRPr lang="fr-FR"/>
+          </a:p>
+        </p:txBody>
+      </p:sp>
+      <p:sp>
+        <p:nvSpPr>
+          <p:cNvPr id="5" name="Espace réservé du pied de page 4">
+            <a:extLst>
+              <a:ext uri="{FF2B5EF4-FFF2-40B4-BE49-F238E27FC236}">
+                <a16:creationId xmlns:a16="http://schemas.microsoft.com/office/drawing/2014/main" id="{7B336444-7701-B4CB-6FB1-352B7F8374B6}"/>
+              </a:ext>
+            </a:extLst>
+          </p:cNvPr>
+          <p:cNvSpPr>
+            <a:spLocks noGrp="1"/>
+          </p:cNvSpPr>
+          <p:nvPr>
+            <p:ph type="ftr" sz="quarter" idx="11"/>
+          </p:nvPr>
+        </p:nvSpPr>
+        <p:spPr/>
+        <p:txBody>
+          <a:bodyPr/>
+          <a:lstStyle/>
+          <a:p>
+            <a:endParaRPr lang="fr-FR"/>
+          </a:p>
+        </p:txBody>
+      </p:sp>
+      <p:sp>
+        <p:nvSpPr>
+          <p:cNvPr id="6" name="Espace réservé du numéro de diapositive 5">
+            <a:extLst>
+              <a:ext uri="{FF2B5EF4-FFF2-40B4-BE49-F238E27FC236}">
+                <a16:creationId xmlns:a16="http://schemas.microsoft.com/office/drawing/2014/main" id="{CEEBC024-815B-F0FA-3755-6FEF08CF4697}"/>
+              </a:ext>
+            </a:extLst>
+          </p:cNvPr>
+          <p:cNvSpPr>
+            <a:spLocks noGrp="1"/>
+          </p:cNvSpPr>
+          <p:nvPr>
+            <p:ph type="sldNum" sz="quarter" idx="12"/>
+          </p:nvPr>
+        </p:nvSpPr>
+        <p:spPr/>
+        <p:txBody>
+          <a:bodyPr/>
+          <a:lstStyle/>
+          <a:p>
+            <a:fld id="{05140462-0667-4258-8DD6-DC1FD194F4F6}" type="slidenum">
+              <a:rPr lang="fr-FR" smtClean="0"/>
+              <a:pPr/>
+              <a:t>‹N°›</a:t>
+            </a:fld>
+            <a:endParaRPr lang="fr-FR"/>
+          </a:p>
+        </p:txBody>
+      </p:sp>
+    </p:spTree>
+    <p:extLst>
+      <p:ext uri="{BB962C8B-B14F-4D97-AF65-F5344CB8AC3E}">
+        <p14:creationId xmlns:p14="http://schemas.microsoft.com/office/powerpoint/2010/main" val="2718078285"/>
+      </p:ext>
+    </p:extLst>
+  </p:cSld>
+  <p:clrMapOvr>
+    <a:masterClrMapping/>
+  </p:clrMapOvr>
+  <p:hf hdr="0" ftr="0" dt="0"/>
+</p:sldLayout>
+</file>
+
+<file path=ppt/slideLayouts/slideLayout16.xml><?xml version="1.0" encoding="utf-8"?>
+<p:sldLayout xmlns:a="http://schemas.openxmlformats.org/drawingml/2006/main" xmlns:r="http://schemas.openxmlformats.org/officeDocument/2006/relationships" xmlns:p="http://schemas.openxmlformats.org/presentationml/2006/main" type="twoObj" preserve="1">
+  <p:cSld name="Deux contenus">
+    <p:spTree>
+      <p:nvGrpSpPr>
+        <p:cNvPr id="1" name=""/>
+        <p:cNvGrpSpPr/>
+        <p:nvPr/>
+      </p:nvGrpSpPr>
+      <p:grpSpPr>
+        <a:xfrm>
+          <a:off x="0" y="0"/>
+          <a:ext cx="0" cy="0"/>
+          <a:chOff x="0" y="0"/>
+          <a:chExt cx="0" cy="0"/>
+        </a:xfrm>
+      </p:grpSpPr>
+      <p:sp>
+        <p:nvSpPr>
+          <p:cNvPr id="2" name="Titre 1">
+            <a:extLst>
+              <a:ext uri="{FF2B5EF4-FFF2-40B4-BE49-F238E27FC236}">
+                <a16:creationId xmlns:a16="http://schemas.microsoft.com/office/drawing/2014/main" id="{B21331CC-BB2C-7B7A-EB31-3CAE7C4333C1}"/>
+              </a:ext>
+            </a:extLst>
+          </p:cNvPr>
+          <p:cNvSpPr>
+            <a:spLocks noGrp="1"/>
+          </p:cNvSpPr>
+          <p:nvPr>
+            <p:ph type="title"/>
+          </p:nvPr>
+        </p:nvSpPr>
+        <p:spPr/>
+        <p:txBody>
+          <a:bodyPr/>
+          <a:lstStyle/>
+          <a:p>
+            <a:r>
+              <a:rPr lang="fr-FR"/>
+              <a:t>Modifiez le style du titre</a:t>
+            </a:r>
+          </a:p>
+        </p:txBody>
+      </p:sp>
+      <p:sp>
+        <p:nvSpPr>
+          <p:cNvPr id="3" name="Espace réservé du contenu 2">
+            <a:extLst>
+              <a:ext uri="{FF2B5EF4-FFF2-40B4-BE49-F238E27FC236}">
+                <a16:creationId xmlns:a16="http://schemas.microsoft.com/office/drawing/2014/main" id="{0ADCC425-A782-EE7C-292B-9603E735862E}"/>
+              </a:ext>
+            </a:extLst>
+          </p:cNvPr>
+          <p:cNvSpPr>
+            <a:spLocks noGrp="1"/>
+          </p:cNvSpPr>
+          <p:nvPr>
+            <p:ph sz="half" idx="1"/>
+          </p:nvPr>
+        </p:nvSpPr>
+        <p:spPr>
+          <a:xfrm>
+            <a:off x="628650" y="1825625"/>
+            <a:ext cx="3886200" cy="4351338"/>
+          </a:xfrm>
+        </p:spPr>
+        <p:txBody>
+          <a:bodyPr/>
+          <a:lstStyle/>
+          <a:p>
+            <a:pPr lvl="0"/>
+            <a:r>
+              <a:rPr lang="fr-FR"/>
+              <a:t>Cliquez pour modifier les styles du texte du masque</a:t>
+            </a:r>
+          </a:p>
+          <a:p>
+            <a:pPr lvl="1"/>
+            <a:r>
+              <a:rPr lang="fr-FR"/>
+              <a:t>Deuxième niveau</a:t>
+            </a:r>
+          </a:p>
+          <a:p>
+            <a:pPr lvl="2"/>
+            <a:r>
+              <a:rPr lang="fr-FR"/>
+              <a:t>Troisième niveau</a:t>
+            </a:r>
+          </a:p>
+          <a:p>
+            <a:pPr lvl="3"/>
+            <a:r>
+              <a:rPr lang="fr-FR"/>
+              <a:t>Quatrième niveau</a:t>
+            </a:r>
+          </a:p>
+          <a:p>
+            <a:pPr lvl="4"/>
+            <a:r>
+              <a:rPr lang="fr-FR"/>
+              <a:t>Cinquième niveau</a:t>
+            </a:r>
+          </a:p>
+        </p:txBody>
+      </p:sp>
+      <p:sp>
+        <p:nvSpPr>
+          <p:cNvPr id="4" name="Espace réservé du contenu 3">
+            <a:extLst>
+              <a:ext uri="{FF2B5EF4-FFF2-40B4-BE49-F238E27FC236}">
+                <a16:creationId xmlns:a16="http://schemas.microsoft.com/office/drawing/2014/main" id="{71C62C18-FEA7-2B07-4CA6-73F6D739822A}"/>
+              </a:ext>
+            </a:extLst>
+          </p:cNvPr>
+          <p:cNvSpPr>
+            <a:spLocks noGrp="1"/>
+          </p:cNvSpPr>
+          <p:nvPr>
+            <p:ph sz="half" idx="2"/>
+          </p:nvPr>
+        </p:nvSpPr>
+        <p:spPr>
+          <a:xfrm>
+            <a:off x="4629150" y="1825625"/>
+            <a:ext cx="3886200" cy="4351338"/>
+          </a:xfrm>
+        </p:spPr>
+        <p:txBody>
+          <a:bodyPr/>
+          <a:lstStyle/>
+          <a:p>
+            <a:pPr lvl="0"/>
+            <a:r>
+              <a:rPr lang="fr-FR"/>
+              <a:t>Cliquez pour modifier les styles du texte du masque</a:t>
+            </a:r>
+          </a:p>
+          <a:p>
+            <a:pPr lvl="1"/>
+            <a:r>
+              <a:rPr lang="fr-FR"/>
+              <a:t>Deuxième niveau</a:t>
+            </a:r>
+          </a:p>
+          <a:p>
+            <a:pPr lvl="2"/>
+            <a:r>
+              <a:rPr lang="fr-FR"/>
+              <a:t>Troisième niveau</a:t>
+            </a:r>
+          </a:p>
+          <a:p>
+            <a:pPr lvl="3"/>
+            <a:r>
+              <a:rPr lang="fr-FR"/>
+              <a:t>Quatrième niveau</a:t>
+            </a:r>
+          </a:p>
+          <a:p>
+            <a:pPr lvl="4"/>
+            <a:r>
+              <a:rPr lang="fr-FR"/>
+              <a:t>Cinquième niveau</a:t>
+            </a:r>
+          </a:p>
+        </p:txBody>
+      </p:sp>
+      <p:sp>
+        <p:nvSpPr>
+          <p:cNvPr id="5" name="Espace réservé de la date 4">
+            <a:extLst>
+              <a:ext uri="{FF2B5EF4-FFF2-40B4-BE49-F238E27FC236}">
+                <a16:creationId xmlns:a16="http://schemas.microsoft.com/office/drawing/2014/main" id="{ED28DEAF-1B51-93EE-6C1F-C0D39A0299CB}"/>
+              </a:ext>
+            </a:extLst>
+          </p:cNvPr>
+          <p:cNvSpPr>
+            <a:spLocks noGrp="1"/>
+          </p:cNvSpPr>
+          <p:nvPr>
+            <p:ph type="dt" sz="half" idx="10"/>
+          </p:nvPr>
+        </p:nvSpPr>
+        <p:spPr/>
+        <p:txBody>
+          <a:bodyPr/>
+          <a:lstStyle/>
+          <a:p>
+            <a:fld id="{715FFEA2-8EE2-4E3B-A523-DF67F5ED41E6}" type="datetime1">
+              <a:rPr lang="fr-FR" smtClean="0"/>
+              <a:pPr/>
+              <a:t>13/11/2024</a:t>
+            </a:fld>
+            <a:endParaRPr lang="fr-FR"/>
+          </a:p>
+        </p:txBody>
+      </p:sp>
+      <p:sp>
+        <p:nvSpPr>
+          <p:cNvPr id="6" name="Espace réservé du pied de page 5">
+            <a:extLst>
+              <a:ext uri="{FF2B5EF4-FFF2-40B4-BE49-F238E27FC236}">
+                <a16:creationId xmlns:a16="http://schemas.microsoft.com/office/drawing/2014/main" id="{483F43C0-1F82-61A7-CA23-F752463CECD6}"/>
+              </a:ext>
+            </a:extLst>
+          </p:cNvPr>
+          <p:cNvSpPr>
+            <a:spLocks noGrp="1"/>
+          </p:cNvSpPr>
+          <p:nvPr>
+            <p:ph type="ftr" sz="quarter" idx="11"/>
+          </p:nvPr>
+        </p:nvSpPr>
+        <p:spPr/>
+        <p:txBody>
+          <a:bodyPr/>
+          <a:lstStyle/>
+          <a:p>
+            <a:endParaRPr lang="fr-FR"/>
+          </a:p>
+        </p:txBody>
+      </p:sp>
+      <p:sp>
+        <p:nvSpPr>
+          <p:cNvPr id="7" name="Espace réservé du numéro de diapositive 6">
+            <a:extLst>
+              <a:ext uri="{FF2B5EF4-FFF2-40B4-BE49-F238E27FC236}">
+                <a16:creationId xmlns:a16="http://schemas.microsoft.com/office/drawing/2014/main" id="{A53F8B14-7826-283C-C0DF-639A80788895}"/>
+              </a:ext>
+            </a:extLst>
+          </p:cNvPr>
+          <p:cNvSpPr>
+            <a:spLocks noGrp="1"/>
+          </p:cNvSpPr>
+          <p:nvPr>
+            <p:ph type="sldNum" sz="quarter" idx="12"/>
+          </p:nvPr>
+        </p:nvSpPr>
+        <p:spPr/>
+        <p:txBody>
+          <a:bodyPr/>
+          <a:lstStyle/>
+          <a:p>
+            <a:fld id="{05140462-0667-4258-8DD6-DC1FD194F4F6}" type="slidenum">
+              <a:rPr lang="fr-FR" smtClean="0"/>
+              <a:pPr/>
+              <a:t>‹N°›</a:t>
+            </a:fld>
+            <a:endParaRPr lang="fr-FR"/>
+          </a:p>
+        </p:txBody>
+      </p:sp>
+    </p:spTree>
+    <p:extLst>
+      <p:ext uri="{BB962C8B-B14F-4D97-AF65-F5344CB8AC3E}">
+        <p14:creationId xmlns:p14="http://schemas.microsoft.com/office/powerpoint/2010/main" val="4236421281"/>
+      </p:ext>
+    </p:extLst>
+  </p:cSld>
+  <p:clrMapOvr>
+    <a:masterClrMapping/>
+  </p:clrMapOvr>
+  <p:hf hdr="0" ftr="0" dt="0"/>
+</p:sldLayout>
+</file>
+
+<file path=ppt/slideLayouts/slideLayout17.xml><?xml version="1.0" encoding="utf-8"?>
+<p:sldLayout xmlns:a="http://schemas.openxmlformats.org/drawingml/2006/main" xmlns:r="http://schemas.openxmlformats.org/officeDocument/2006/relationships" xmlns:p="http://schemas.openxmlformats.org/presentationml/2006/main" type="twoTxTwoObj" preserve="1">
+  <p:cSld name="Comparaison">
+    <p:spTree>
+      <p:nvGrpSpPr>
+        <p:cNvPr id="1" name=""/>
+        <p:cNvGrpSpPr/>
+        <p:nvPr/>
+      </p:nvGrpSpPr>
+      <p:grpSpPr>
+        <a:xfrm>
+          <a:off x="0" y="0"/>
+          <a:ext cx="0" cy="0"/>
+          <a:chOff x="0" y="0"/>
+          <a:chExt cx="0" cy="0"/>
+        </a:xfrm>
+      </p:grpSpPr>
+      <p:sp>
+        <p:nvSpPr>
+          <p:cNvPr id="2" name="Titre 1">
+            <a:extLst>
+              <a:ext uri="{FF2B5EF4-FFF2-40B4-BE49-F238E27FC236}">
+                <a16:creationId xmlns:a16="http://schemas.microsoft.com/office/drawing/2014/main" id="{1157CD25-77BB-B0F5-B224-17D5131F0CE1}"/>
+              </a:ext>
+            </a:extLst>
+          </p:cNvPr>
+          <p:cNvSpPr>
+            <a:spLocks noGrp="1"/>
+          </p:cNvSpPr>
+          <p:nvPr>
+            <p:ph type="title"/>
+          </p:nvPr>
+        </p:nvSpPr>
+        <p:spPr>
+          <a:xfrm>
+            <a:off x="629841" y="365126"/>
+            <a:ext cx="7886700" cy="1325563"/>
+          </a:xfrm>
+        </p:spPr>
+        <p:txBody>
+          <a:bodyPr/>
+          <a:lstStyle/>
+          <a:p>
+            <a:r>
+              <a:rPr lang="fr-FR"/>
+              <a:t>Modifiez le style du titre</a:t>
+            </a:r>
+          </a:p>
+        </p:txBody>
+      </p:sp>
+      <p:sp>
+        <p:nvSpPr>
+          <p:cNvPr id="3" name="Espace réservé du texte 2">
+            <a:extLst>
+              <a:ext uri="{FF2B5EF4-FFF2-40B4-BE49-F238E27FC236}">
+                <a16:creationId xmlns:a16="http://schemas.microsoft.com/office/drawing/2014/main" id="{215196D2-F607-5FE3-9E61-E414CFA960C9}"/>
+              </a:ext>
+            </a:extLst>
+          </p:cNvPr>
+          <p:cNvSpPr>
+            <a:spLocks noGrp="1"/>
+          </p:cNvSpPr>
+          <p:nvPr>
+            <p:ph type="body" idx="1"/>
+          </p:nvPr>
+        </p:nvSpPr>
+        <p:spPr>
+          <a:xfrm>
+            <a:off x="629842" y="1681163"/>
+            <a:ext cx="3868340" cy="823912"/>
+          </a:xfrm>
+        </p:spPr>
+        <p:txBody>
+          <a:bodyPr anchor="b"/>
+          <a:lstStyle>
+            <a:lvl1pPr marL="0" indent="0">
+              <a:buNone/>
+              <a:defRPr sz="1800" b="1"/>
+            </a:lvl1pPr>
+            <a:lvl2pPr marL="342900" indent="0">
+              <a:buNone/>
+              <a:defRPr sz="1500" b="1"/>
+            </a:lvl2pPr>
+            <a:lvl3pPr marL="685800" indent="0">
+              <a:buNone/>
+              <a:defRPr sz="1350" b="1"/>
+            </a:lvl3pPr>
+            <a:lvl4pPr marL="1028700" indent="0">
+              <a:buNone/>
+              <a:defRPr sz="1200" b="1"/>
+            </a:lvl4pPr>
+            <a:lvl5pPr marL="1371600" indent="0">
+              <a:buNone/>
+              <a:defRPr sz="1200" b="1"/>
+            </a:lvl5pPr>
+            <a:lvl6pPr marL="1714500" indent="0">
+              <a:buNone/>
+              <a:defRPr sz="1200" b="1"/>
+            </a:lvl6pPr>
+            <a:lvl7pPr marL="2057400" indent="0">
+              <a:buNone/>
+              <a:defRPr sz="1200" b="1"/>
+            </a:lvl7pPr>
+            <a:lvl8pPr marL="2400300" indent="0">
+              <a:buNone/>
+              <a:defRPr sz="1200" b="1"/>
+            </a:lvl8pPr>
+            <a:lvl9pPr marL="2743200" indent="0">
+              <a:buNone/>
+              <a:defRPr sz="1200" b="1"/>
+            </a:lvl9pPr>
+          </a:lstStyle>
+          <a:p>
+            <a:pPr lvl="0"/>
+            <a:r>
+              <a:rPr lang="fr-FR"/>
+              <a:t>Cliquez pour modifier les styles du texte du masque</a:t>
+            </a:r>
+          </a:p>
+        </p:txBody>
+      </p:sp>
+      <p:sp>
+        <p:nvSpPr>
+          <p:cNvPr id="4" name="Espace réservé du contenu 3">
+            <a:extLst>
+              <a:ext uri="{FF2B5EF4-FFF2-40B4-BE49-F238E27FC236}">
+                <a16:creationId xmlns:a16="http://schemas.microsoft.com/office/drawing/2014/main" id="{26083990-273D-67E9-9483-E61A3C7A8EAE}"/>
+              </a:ext>
+            </a:extLst>
+          </p:cNvPr>
+          <p:cNvSpPr>
+            <a:spLocks noGrp="1"/>
+          </p:cNvSpPr>
+          <p:nvPr>
+            <p:ph sz="half" idx="2"/>
+          </p:nvPr>
+        </p:nvSpPr>
+        <p:spPr>
+          <a:xfrm>
+            <a:off x="629842" y="2505075"/>
+            <a:ext cx="3868340" cy="3684588"/>
+          </a:xfrm>
+        </p:spPr>
+        <p:txBody>
+          <a:bodyPr/>
+          <a:lstStyle/>
+          <a:p>
+            <a:pPr lvl="0"/>
+            <a:r>
+              <a:rPr lang="fr-FR"/>
+              <a:t>Cliquez pour modifier les styles du texte du masque</a:t>
+            </a:r>
+          </a:p>
+          <a:p>
+            <a:pPr lvl="1"/>
+            <a:r>
+              <a:rPr lang="fr-FR"/>
+              <a:t>Deuxième niveau</a:t>
+            </a:r>
+          </a:p>
+          <a:p>
+            <a:pPr lvl="2"/>
+            <a:r>
+              <a:rPr lang="fr-FR"/>
+              <a:t>Troisième niveau</a:t>
+            </a:r>
+          </a:p>
+          <a:p>
+            <a:pPr lvl="3"/>
+            <a:r>
+              <a:rPr lang="fr-FR"/>
+              <a:t>Quatrième niveau</a:t>
+            </a:r>
+          </a:p>
+          <a:p>
+            <a:pPr lvl="4"/>
+            <a:r>
+              <a:rPr lang="fr-FR"/>
+              <a:t>Cinquième niveau</a:t>
+            </a:r>
+          </a:p>
+        </p:txBody>
+      </p:sp>
+      <p:sp>
+        <p:nvSpPr>
+          <p:cNvPr id="5" name="Espace réservé du texte 4">
+            <a:extLst>
+              <a:ext uri="{FF2B5EF4-FFF2-40B4-BE49-F238E27FC236}">
+                <a16:creationId xmlns:a16="http://schemas.microsoft.com/office/drawing/2014/main" id="{D127F7CA-C949-29F1-AED9-3FE44C099405}"/>
+              </a:ext>
+            </a:extLst>
+          </p:cNvPr>
+          <p:cNvSpPr>
+            <a:spLocks noGrp="1"/>
+          </p:cNvSpPr>
+          <p:nvPr>
+            <p:ph type="body" sz="quarter" idx="3"/>
+          </p:nvPr>
+        </p:nvSpPr>
+        <p:spPr>
+          <a:xfrm>
+            <a:off x="4629150" y="1681163"/>
+            <a:ext cx="3887391" cy="823912"/>
+          </a:xfrm>
+        </p:spPr>
+        <p:txBody>
+          <a:bodyPr anchor="b"/>
+          <a:lstStyle>
+            <a:lvl1pPr marL="0" indent="0">
+              <a:buNone/>
+              <a:defRPr sz="1800" b="1"/>
+            </a:lvl1pPr>
+            <a:lvl2pPr marL="342900" indent="0">
+              <a:buNone/>
+              <a:defRPr sz="1500" b="1"/>
+            </a:lvl2pPr>
+            <a:lvl3pPr marL="685800" indent="0">
+              <a:buNone/>
+              <a:defRPr sz="1350" b="1"/>
+            </a:lvl3pPr>
+            <a:lvl4pPr marL="1028700" indent="0">
+              <a:buNone/>
+              <a:defRPr sz="1200" b="1"/>
+            </a:lvl4pPr>
+            <a:lvl5pPr marL="1371600" indent="0">
+              <a:buNone/>
+              <a:defRPr sz="1200" b="1"/>
+            </a:lvl5pPr>
+            <a:lvl6pPr marL="1714500" indent="0">
+              <a:buNone/>
+              <a:defRPr sz="1200" b="1"/>
+            </a:lvl6pPr>
+            <a:lvl7pPr marL="2057400" indent="0">
+              <a:buNone/>
+              <a:defRPr sz="1200" b="1"/>
+            </a:lvl7pPr>
+            <a:lvl8pPr marL="2400300" indent="0">
+              <a:buNone/>
+              <a:defRPr sz="1200" b="1"/>
+            </a:lvl8pPr>
+            <a:lvl9pPr marL="2743200" indent="0">
+              <a:buNone/>
+              <a:defRPr sz="1200" b="1"/>
+            </a:lvl9pPr>
+          </a:lstStyle>
+          <a:p>
+            <a:pPr lvl="0"/>
+            <a:r>
+              <a:rPr lang="fr-FR"/>
+              <a:t>Cliquez pour modifier les styles du texte du masque</a:t>
+            </a:r>
+          </a:p>
+        </p:txBody>
+      </p:sp>
+      <p:sp>
+        <p:nvSpPr>
+          <p:cNvPr id="6" name="Espace réservé du contenu 5">
+            <a:extLst>
+              <a:ext uri="{FF2B5EF4-FFF2-40B4-BE49-F238E27FC236}">
+                <a16:creationId xmlns:a16="http://schemas.microsoft.com/office/drawing/2014/main" id="{597D883E-3D0D-0C22-EAA3-A97CC3F522C9}"/>
+              </a:ext>
+            </a:extLst>
+          </p:cNvPr>
+          <p:cNvSpPr>
+            <a:spLocks noGrp="1"/>
+          </p:cNvSpPr>
+          <p:nvPr>
+            <p:ph sz="quarter" idx="4"/>
+          </p:nvPr>
+        </p:nvSpPr>
+        <p:spPr>
+          <a:xfrm>
+            <a:off x="4629150" y="2505075"/>
+            <a:ext cx="3887391" cy="3684588"/>
+          </a:xfrm>
+        </p:spPr>
+        <p:txBody>
+          <a:bodyPr/>
+          <a:lstStyle/>
+          <a:p>
+            <a:pPr lvl="0"/>
+            <a:r>
+              <a:rPr lang="fr-FR"/>
+              <a:t>Cliquez pour modifier les styles du texte du masque</a:t>
+            </a:r>
+          </a:p>
+          <a:p>
+            <a:pPr lvl="1"/>
+            <a:r>
+              <a:rPr lang="fr-FR"/>
+              <a:t>Deuxième niveau</a:t>
+            </a:r>
+          </a:p>
+          <a:p>
+            <a:pPr lvl="2"/>
+            <a:r>
+              <a:rPr lang="fr-FR"/>
+              <a:t>Troisième niveau</a:t>
+            </a:r>
+          </a:p>
+          <a:p>
+            <a:pPr lvl="3"/>
+            <a:r>
+              <a:rPr lang="fr-FR"/>
+              <a:t>Quatrième niveau</a:t>
+            </a:r>
+          </a:p>
+          <a:p>
+            <a:pPr lvl="4"/>
+            <a:r>
+              <a:rPr lang="fr-FR"/>
+              <a:t>Cinquième niveau</a:t>
+            </a:r>
+          </a:p>
+        </p:txBody>
+      </p:sp>
+      <p:sp>
+        <p:nvSpPr>
+          <p:cNvPr id="7" name="Espace réservé de la date 6">
+            <a:extLst>
+              <a:ext uri="{FF2B5EF4-FFF2-40B4-BE49-F238E27FC236}">
+                <a16:creationId xmlns:a16="http://schemas.microsoft.com/office/drawing/2014/main" id="{6CADAEC4-20F7-EA8C-0C33-3B7744A56B85}"/>
+              </a:ext>
+            </a:extLst>
+          </p:cNvPr>
+          <p:cNvSpPr>
+            <a:spLocks noGrp="1"/>
+          </p:cNvSpPr>
+          <p:nvPr>
+            <p:ph type="dt" sz="half" idx="10"/>
+          </p:nvPr>
+        </p:nvSpPr>
+        <p:spPr/>
+        <p:txBody>
+          <a:bodyPr/>
+          <a:lstStyle/>
+          <a:p>
+            <a:fld id="{715FFEA2-8EE2-4E3B-A523-DF67F5ED41E6}" type="datetime1">
+              <a:rPr lang="fr-FR" smtClean="0"/>
+              <a:pPr/>
+              <a:t>13/11/2024</a:t>
+            </a:fld>
+            <a:endParaRPr lang="fr-FR"/>
+          </a:p>
+        </p:txBody>
+      </p:sp>
+      <p:sp>
+        <p:nvSpPr>
+          <p:cNvPr id="8" name="Espace réservé du pied de page 7">
+            <a:extLst>
+              <a:ext uri="{FF2B5EF4-FFF2-40B4-BE49-F238E27FC236}">
+                <a16:creationId xmlns:a16="http://schemas.microsoft.com/office/drawing/2014/main" id="{8ADC8518-C95B-A1AB-37C7-A2D63817DB11}"/>
+              </a:ext>
+            </a:extLst>
+          </p:cNvPr>
+          <p:cNvSpPr>
+            <a:spLocks noGrp="1"/>
+          </p:cNvSpPr>
+          <p:nvPr>
+            <p:ph type="ftr" sz="quarter" idx="11"/>
+          </p:nvPr>
+        </p:nvSpPr>
+        <p:spPr/>
+        <p:txBody>
+          <a:bodyPr/>
+          <a:lstStyle/>
+          <a:p>
+            <a:endParaRPr lang="fr-FR"/>
+          </a:p>
+        </p:txBody>
+      </p:sp>
+      <p:sp>
+        <p:nvSpPr>
+          <p:cNvPr id="9" name="Espace réservé du numéro de diapositive 8">
+            <a:extLst>
+              <a:ext uri="{FF2B5EF4-FFF2-40B4-BE49-F238E27FC236}">
+                <a16:creationId xmlns:a16="http://schemas.microsoft.com/office/drawing/2014/main" id="{FC6941E8-1548-A7E2-B078-BCD368D6A14C}"/>
+              </a:ext>
+            </a:extLst>
+          </p:cNvPr>
+          <p:cNvSpPr>
+            <a:spLocks noGrp="1"/>
+          </p:cNvSpPr>
+          <p:nvPr>
+            <p:ph type="sldNum" sz="quarter" idx="12"/>
+          </p:nvPr>
+        </p:nvSpPr>
+        <p:spPr/>
+        <p:txBody>
+          <a:bodyPr/>
+          <a:lstStyle/>
+          <a:p>
+            <a:fld id="{05140462-0667-4258-8DD6-DC1FD194F4F6}" type="slidenum">
+              <a:rPr lang="fr-FR" smtClean="0"/>
+              <a:pPr/>
+              <a:t>‹N°›</a:t>
+            </a:fld>
+            <a:endParaRPr lang="fr-FR"/>
+          </a:p>
+        </p:txBody>
+      </p:sp>
+    </p:spTree>
+    <p:extLst>
+      <p:ext uri="{BB962C8B-B14F-4D97-AF65-F5344CB8AC3E}">
+        <p14:creationId xmlns:p14="http://schemas.microsoft.com/office/powerpoint/2010/main" val="35382591"/>
+      </p:ext>
+    </p:extLst>
+  </p:cSld>
+  <p:clrMapOvr>
+    <a:masterClrMapping/>
+  </p:clrMapOvr>
+  <p:hf hdr="0" ftr="0" dt="0"/>
+</p:sldLayout>
+</file>
+
+<file path=ppt/slideLayouts/slideLayout18.xml><?xml version="1.0" encoding="utf-8"?>
+<p:sldLayout xmlns:a="http://schemas.openxmlformats.org/drawingml/2006/main" xmlns:r="http://schemas.openxmlformats.org/officeDocument/2006/relationships" xmlns:p="http://schemas.openxmlformats.org/presentationml/2006/main" type="titleOnly" preserve="1">
+  <p:cSld name="Titre seul">
+    <p:spTree>
+      <p:nvGrpSpPr>
+        <p:cNvPr id="1" name=""/>
+        <p:cNvGrpSpPr/>
+        <p:nvPr/>
+      </p:nvGrpSpPr>
+      <p:grpSpPr>
+        <a:xfrm>
+          <a:off x="0" y="0"/>
+          <a:ext cx="0" cy="0"/>
+          <a:chOff x="0" y="0"/>
+          <a:chExt cx="0" cy="0"/>
+        </a:xfrm>
+      </p:grpSpPr>
+      <p:sp>
+        <p:nvSpPr>
+          <p:cNvPr id="2" name="Titre 1">
+            <a:extLst>
+              <a:ext uri="{FF2B5EF4-FFF2-40B4-BE49-F238E27FC236}">
+                <a16:creationId xmlns:a16="http://schemas.microsoft.com/office/drawing/2014/main" id="{F8459F11-5829-6962-7676-CC2C5E3E8B95}"/>
+              </a:ext>
+            </a:extLst>
+          </p:cNvPr>
+          <p:cNvSpPr>
+            <a:spLocks noGrp="1"/>
+          </p:cNvSpPr>
+          <p:nvPr>
+            <p:ph type="title"/>
+          </p:nvPr>
+        </p:nvSpPr>
+        <p:spPr/>
+        <p:txBody>
+          <a:bodyPr/>
+          <a:lstStyle/>
+          <a:p>
+            <a:r>
+              <a:rPr lang="fr-FR"/>
+              <a:t>Modifiez le style du titre</a:t>
+            </a:r>
+          </a:p>
+        </p:txBody>
+      </p:sp>
+      <p:sp>
+        <p:nvSpPr>
+          <p:cNvPr id="3" name="Espace réservé de la date 2">
+            <a:extLst>
+              <a:ext uri="{FF2B5EF4-FFF2-40B4-BE49-F238E27FC236}">
+                <a16:creationId xmlns:a16="http://schemas.microsoft.com/office/drawing/2014/main" id="{DDC38184-3F9D-2755-7F34-89B0C1878F4C}"/>
+              </a:ext>
+            </a:extLst>
+          </p:cNvPr>
+          <p:cNvSpPr>
+            <a:spLocks noGrp="1"/>
+          </p:cNvSpPr>
+          <p:nvPr>
+            <p:ph type="dt" sz="half" idx="10"/>
+          </p:nvPr>
+        </p:nvSpPr>
+        <p:spPr/>
+        <p:txBody>
+          <a:bodyPr/>
+          <a:lstStyle/>
+          <a:p>
+            <a:fld id="{715FFEA2-8EE2-4E3B-A523-DF67F5ED41E6}" type="datetime1">
+              <a:rPr lang="fr-FR" smtClean="0"/>
+              <a:pPr/>
+              <a:t>13/11/2024</a:t>
+            </a:fld>
+            <a:endParaRPr lang="fr-FR"/>
+          </a:p>
+        </p:txBody>
+      </p:sp>
+      <p:sp>
+        <p:nvSpPr>
+          <p:cNvPr id="4" name="Espace réservé du pied de page 3">
+            <a:extLst>
+              <a:ext uri="{FF2B5EF4-FFF2-40B4-BE49-F238E27FC236}">
+                <a16:creationId xmlns:a16="http://schemas.microsoft.com/office/drawing/2014/main" id="{2F2E0ADF-8CB9-A0DB-5B64-1E50C1B22360}"/>
+              </a:ext>
+            </a:extLst>
+          </p:cNvPr>
+          <p:cNvSpPr>
+            <a:spLocks noGrp="1"/>
+          </p:cNvSpPr>
+          <p:nvPr>
+            <p:ph type="ftr" sz="quarter" idx="11"/>
+          </p:nvPr>
+        </p:nvSpPr>
+        <p:spPr/>
+        <p:txBody>
+          <a:bodyPr/>
+          <a:lstStyle/>
+          <a:p>
+            <a:endParaRPr lang="fr-FR"/>
+          </a:p>
+        </p:txBody>
+      </p:sp>
+      <p:sp>
+        <p:nvSpPr>
+          <p:cNvPr id="5" name="Espace réservé du numéro de diapositive 4">
+            <a:extLst>
+              <a:ext uri="{FF2B5EF4-FFF2-40B4-BE49-F238E27FC236}">
+                <a16:creationId xmlns:a16="http://schemas.microsoft.com/office/drawing/2014/main" id="{66465585-33E4-76A8-22D9-99B8BD73F638}"/>
+              </a:ext>
+            </a:extLst>
+          </p:cNvPr>
+          <p:cNvSpPr>
+            <a:spLocks noGrp="1"/>
+          </p:cNvSpPr>
+          <p:nvPr>
+            <p:ph type="sldNum" sz="quarter" idx="12"/>
+          </p:nvPr>
+        </p:nvSpPr>
+        <p:spPr/>
+        <p:txBody>
+          <a:bodyPr/>
+          <a:lstStyle/>
+          <a:p>
+            <a:fld id="{05140462-0667-4258-8DD6-DC1FD194F4F6}" type="slidenum">
+              <a:rPr lang="fr-FR" smtClean="0"/>
+              <a:pPr/>
+              <a:t>‹N°›</a:t>
+            </a:fld>
+            <a:endParaRPr lang="fr-FR"/>
+          </a:p>
+        </p:txBody>
+      </p:sp>
+    </p:spTree>
+    <p:extLst>
+      <p:ext uri="{BB962C8B-B14F-4D97-AF65-F5344CB8AC3E}">
+        <p14:creationId xmlns:p14="http://schemas.microsoft.com/office/powerpoint/2010/main" val="3020937098"/>
+      </p:ext>
+    </p:extLst>
+  </p:cSld>
+  <p:clrMapOvr>
+    <a:masterClrMapping/>
+  </p:clrMapOvr>
+  <p:hf hdr="0" ftr="0" dt="0"/>
+</p:sldLayout>
+</file>
+
+<file path=ppt/slideLayouts/slideLayout19.xml><?xml version="1.0" encoding="utf-8"?>
+<p:sldLayout xmlns:a="http://schemas.openxmlformats.org/drawingml/2006/main" xmlns:r="http://schemas.openxmlformats.org/officeDocument/2006/relationships" xmlns:p="http://schemas.openxmlformats.org/presentationml/2006/main" type="blank" preserve="1">
+  <p:cSld name="Vide">
+    <p:spTree>
+      <p:nvGrpSpPr>
+        <p:cNvPr id="1" name=""/>
+        <p:cNvGrpSpPr/>
+        <p:nvPr/>
+      </p:nvGrpSpPr>
+      <p:grpSpPr>
+        <a:xfrm>
+          <a:off x="0" y="0"/>
+          <a:ext cx="0" cy="0"/>
+          <a:chOff x="0" y="0"/>
+          <a:chExt cx="0" cy="0"/>
+        </a:xfrm>
+      </p:grpSpPr>
+      <p:sp>
+        <p:nvSpPr>
+          <p:cNvPr id="2" name="Espace réservé de la date 1">
+            <a:extLst>
+              <a:ext uri="{FF2B5EF4-FFF2-40B4-BE49-F238E27FC236}">
+                <a16:creationId xmlns:a16="http://schemas.microsoft.com/office/drawing/2014/main" id="{29F0DD3A-D79E-BD30-28C9-469CE49BBC8C}"/>
+              </a:ext>
+            </a:extLst>
+          </p:cNvPr>
+          <p:cNvSpPr>
+            <a:spLocks noGrp="1"/>
+          </p:cNvSpPr>
+          <p:nvPr>
+            <p:ph type="dt" sz="half" idx="10"/>
+          </p:nvPr>
+        </p:nvSpPr>
+        <p:spPr/>
+        <p:txBody>
+          <a:bodyPr/>
+          <a:lstStyle/>
+          <a:p>
+            <a:fld id="{715FFEA2-8EE2-4E3B-A523-DF67F5ED41E6}" type="datetime1">
+              <a:rPr lang="fr-FR" smtClean="0"/>
+              <a:pPr/>
+              <a:t>13/11/2024</a:t>
+            </a:fld>
+            <a:endParaRPr lang="fr-FR"/>
+          </a:p>
+        </p:txBody>
+      </p:sp>
+      <p:sp>
+        <p:nvSpPr>
+          <p:cNvPr id="3" name="Espace réservé du pied de page 2">
+            <a:extLst>
+              <a:ext uri="{FF2B5EF4-FFF2-40B4-BE49-F238E27FC236}">
+                <a16:creationId xmlns:a16="http://schemas.microsoft.com/office/drawing/2014/main" id="{E4396901-B724-6CE8-8197-3B90356C3E80}"/>
+              </a:ext>
+            </a:extLst>
+          </p:cNvPr>
+          <p:cNvSpPr>
+            <a:spLocks noGrp="1"/>
+          </p:cNvSpPr>
+          <p:nvPr>
+            <p:ph type="ftr" sz="quarter" idx="11"/>
+          </p:nvPr>
+        </p:nvSpPr>
+        <p:spPr/>
+        <p:txBody>
+          <a:bodyPr/>
+          <a:lstStyle/>
+          <a:p>
+            <a:endParaRPr lang="fr-FR"/>
+          </a:p>
+        </p:txBody>
+      </p:sp>
+      <p:sp>
+        <p:nvSpPr>
+          <p:cNvPr id="4" name="Espace réservé du numéro de diapositive 3">
+            <a:extLst>
+              <a:ext uri="{FF2B5EF4-FFF2-40B4-BE49-F238E27FC236}">
+                <a16:creationId xmlns:a16="http://schemas.microsoft.com/office/drawing/2014/main" id="{592933A1-4966-387D-1E05-931BC5E8179D}"/>
+              </a:ext>
+            </a:extLst>
+          </p:cNvPr>
+          <p:cNvSpPr>
+            <a:spLocks noGrp="1"/>
+          </p:cNvSpPr>
+          <p:nvPr>
+            <p:ph type="sldNum" sz="quarter" idx="12"/>
+          </p:nvPr>
+        </p:nvSpPr>
+        <p:spPr/>
+        <p:txBody>
+          <a:bodyPr/>
+          <a:lstStyle/>
+          <a:p>
+            <a:fld id="{05140462-0667-4258-8DD6-DC1FD194F4F6}" type="slidenum">
+              <a:rPr lang="fr-FR" smtClean="0"/>
+              <a:pPr/>
+              <a:t>‹N°›</a:t>
+            </a:fld>
+            <a:endParaRPr lang="fr-FR"/>
+          </a:p>
+        </p:txBody>
+      </p:sp>
+    </p:spTree>
+    <p:extLst>
+      <p:ext uri="{BB962C8B-B14F-4D97-AF65-F5344CB8AC3E}">
+        <p14:creationId xmlns:p14="http://schemas.microsoft.com/office/powerpoint/2010/main" val="3382530928"/>
+      </p:ext>
+    </p:extLst>
+  </p:cSld>
+  <p:clrMapOvr>
+    <a:masterClrMapping/>
+  </p:clrMapOvr>
+  <p:hf hdr="0" ftr="0" dt="0"/>
 </p:sldLayout>
 </file>
 
@@ -16846,7 +18617,7 @@
             <a:fld id="{91D58CCC-5FFF-41FA-81A9-0B78ACA198CF}" type="datetime1">
               <a:rPr lang="fr-FR" smtClean="0"/>
               <a:pPr/>
-              <a:t>25/03/2021</a:t>
+              <a:t>13/11/2024</a:t>
             </a:fld>
             <a:endParaRPr lang="fr-FR"/>
           </a:p>
@@ -16985,6 +18756,1212 @@
         </p:txBody>
       </p:sp>
     </p:spTree>
+  </p:cSld>
+  <p:clrMapOvr>
+    <a:masterClrMapping/>
+  </p:clrMapOvr>
+  <p:transition>
+    <p:fade/>
+  </p:transition>
+</p:sldLayout>
+</file>
+
+<file path=ppt/slideLayouts/slideLayout20.xml><?xml version="1.0" encoding="utf-8"?>
+<p:sldLayout xmlns:a="http://schemas.openxmlformats.org/drawingml/2006/main" xmlns:r="http://schemas.openxmlformats.org/officeDocument/2006/relationships" xmlns:p="http://schemas.openxmlformats.org/presentationml/2006/main" type="objTx" preserve="1">
+  <p:cSld name="Contenu avec légende">
+    <p:spTree>
+      <p:nvGrpSpPr>
+        <p:cNvPr id="1" name=""/>
+        <p:cNvGrpSpPr/>
+        <p:nvPr/>
+      </p:nvGrpSpPr>
+      <p:grpSpPr>
+        <a:xfrm>
+          <a:off x="0" y="0"/>
+          <a:ext cx="0" cy="0"/>
+          <a:chOff x="0" y="0"/>
+          <a:chExt cx="0" cy="0"/>
+        </a:xfrm>
+      </p:grpSpPr>
+      <p:sp>
+        <p:nvSpPr>
+          <p:cNvPr id="2" name="Titre 1">
+            <a:extLst>
+              <a:ext uri="{FF2B5EF4-FFF2-40B4-BE49-F238E27FC236}">
+                <a16:creationId xmlns:a16="http://schemas.microsoft.com/office/drawing/2014/main" id="{D1DEB716-73F1-063F-A35F-D0276146846D}"/>
+              </a:ext>
+            </a:extLst>
+          </p:cNvPr>
+          <p:cNvSpPr>
+            <a:spLocks noGrp="1"/>
+          </p:cNvSpPr>
+          <p:nvPr>
+            <p:ph type="title"/>
+          </p:nvPr>
+        </p:nvSpPr>
+        <p:spPr>
+          <a:xfrm>
+            <a:off x="629841" y="457200"/>
+            <a:ext cx="2949178" cy="1600200"/>
+          </a:xfrm>
+        </p:spPr>
+        <p:txBody>
+          <a:bodyPr anchor="b"/>
+          <a:lstStyle>
+            <a:lvl1pPr>
+              <a:defRPr sz="2400"/>
+            </a:lvl1pPr>
+          </a:lstStyle>
+          <a:p>
+            <a:r>
+              <a:rPr lang="fr-FR"/>
+              <a:t>Modifiez le style du titre</a:t>
+            </a:r>
+          </a:p>
+        </p:txBody>
+      </p:sp>
+      <p:sp>
+        <p:nvSpPr>
+          <p:cNvPr id="3" name="Espace réservé du contenu 2">
+            <a:extLst>
+              <a:ext uri="{FF2B5EF4-FFF2-40B4-BE49-F238E27FC236}">
+                <a16:creationId xmlns:a16="http://schemas.microsoft.com/office/drawing/2014/main" id="{AA0B0249-7D89-F551-9F2B-2A39DA134E56}"/>
+              </a:ext>
+            </a:extLst>
+          </p:cNvPr>
+          <p:cNvSpPr>
+            <a:spLocks noGrp="1"/>
+          </p:cNvSpPr>
+          <p:nvPr>
+            <p:ph idx="1"/>
+          </p:nvPr>
+        </p:nvSpPr>
+        <p:spPr>
+          <a:xfrm>
+            <a:off x="3887391" y="987426"/>
+            <a:ext cx="4629150" cy="4873625"/>
+          </a:xfrm>
+        </p:spPr>
+        <p:txBody>
+          <a:bodyPr/>
+          <a:lstStyle>
+            <a:lvl1pPr>
+              <a:defRPr sz="2400"/>
+            </a:lvl1pPr>
+            <a:lvl2pPr>
+              <a:defRPr sz="2100"/>
+            </a:lvl2pPr>
+            <a:lvl3pPr>
+              <a:defRPr sz="1800"/>
+            </a:lvl3pPr>
+            <a:lvl4pPr>
+              <a:defRPr sz="1500"/>
+            </a:lvl4pPr>
+            <a:lvl5pPr>
+              <a:defRPr sz="1500"/>
+            </a:lvl5pPr>
+            <a:lvl6pPr>
+              <a:defRPr sz="1500"/>
+            </a:lvl6pPr>
+            <a:lvl7pPr>
+              <a:defRPr sz="1500"/>
+            </a:lvl7pPr>
+            <a:lvl8pPr>
+              <a:defRPr sz="1500"/>
+            </a:lvl8pPr>
+            <a:lvl9pPr>
+              <a:defRPr sz="1500"/>
+            </a:lvl9pPr>
+          </a:lstStyle>
+          <a:p>
+            <a:pPr lvl="0"/>
+            <a:r>
+              <a:rPr lang="fr-FR"/>
+              <a:t>Cliquez pour modifier les styles du texte du masque</a:t>
+            </a:r>
+          </a:p>
+          <a:p>
+            <a:pPr lvl="1"/>
+            <a:r>
+              <a:rPr lang="fr-FR"/>
+              <a:t>Deuxième niveau</a:t>
+            </a:r>
+          </a:p>
+          <a:p>
+            <a:pPr lvl="2"/>
+            <a:r>
+              <a:rPr lang="fr-FR"/>
+              <a:t>Troisième niveau</a:t>
+            </a:r>
+          </a:p>
+          <a:p>
+            <a:pPr lvl="3"/>
+            <a:r>
+              <a:rPr lang="fr-FR"/>
+              <a:t>Quatrième niveau</a:t>
+            </a:r>
+          </a:p>
+          <a:p>
+            <a:pPr lvl="4"/>
+            <a:r>
+              <a:rPr lang="fr-FR"/>
+              <a:t>Cinquième niveau</a:t>
+            </a:r>
+          </a:p>
+        </p:txBody>
+      </p:sp>
+      <p:sp>
+        <p:nvSpPr>
+          <p:cNvPr id="4" name="Espace réservé du texte 3">
+            <a:extLst>
+              <a:ext uri="{FF2B5EF4-FFF2-40B4-BE49-F238E27FC236}">
+                <a16:creationId xmlns:a16="http://schemas.microsoft.com/office/drawing/2014/main" id="{8D900550-F0B6-3617-679A-51D2DAB2A07D}"/>
+              </a:ext>
+            </a:extLst>
+          </p:cNvPr>
+          <p:cNvSpPr>
+            <a:spLocks noGrp="1"/>
+          </p:cNvSpPr>
+          <p:nvPr>
+            <p:ph type="body" sz="half" idx="2"/>
+          </p:nvPr>
+        </p:nvSpPr>
+        <p:spPr>
+          <a:xfrm>
+            <a:off x="629841" y="2057400"/>
+            <a:ext cx="2949178" cy="3811588"/>
+          </a:xfrm>
+        </p:spPr>
+        <p:txBody>
+          <a:bodyPr/>
+          <a:lstStyle>
+            <a:lvl1pPr marL="0" indent="0">
+              <a:buNone/>
+              <a:defRPr sz="1200"/>
+            </a:lvl1pPr>
+            <a:lvl2pPr marL="342900" indent="0">
+              <a:buNone/>
+              <a:defRPr sz="1050"/>
+            </a:lvl2pPr>
+            <a:lvl3pPr marL="685800" indent="0">
+              <a:buNone/>
+              <a:defRPr sz="900"/>
+            </a:lvl3pPr>
+            <a:lvl4pPr marL="1028700" indent="0">
+              <a:buNone/>
+              <a:defRPr sz="750"/>
+            </a:lvl4pPr>
+            <a:lvl5pPr marL="1371600" indent="0">
+              <a:buNone/>
+              <a:defRPr sz="750"/>
+            </a:lvl5pPr>
+            <a:lvl6pPr marL="1714500" indent="0">
+              <a:buNone/>
+              <a:defRPr sz="750"/>
+            </a:lvl6pPr>
+            <a:lvl7pPr marL="2057400" indent="0">
+              <a:buNone/>
+              <a:defRPr sz="750"/>
+            </a:lvl7pPr>
+            <a:lvl8pPr marL="2400300" indent="0">
+              <a:buNone/>
+              <a:defRPr sz="750"/>
+            </a:lvl8pPr>
+            <a:lvl9pPr marL="2743200" indent="0">
+              <a:buNone/>
+              <a:defRPr sz="750"/>
+            </a:lvl9pPr>
+          </a:lstStyle>
+          <a:p>
+            <a:pPr lvl="0"/>
+            <a:r>
+              <a:rPr lang="fr-FR"/>
+              <a:t>Cliquez pour modifier les styles du texte du masque</a:t>
+            </a:r>
+          </a:p>
+        </p:txBody>
+      </p:sp>
+      <p:sp>
+        <p:nvSpPr>
+          <p:cNvPr id="5" name="Espace réservé de la date 4">
+            <a:extLst>
+              <a:ext uri="{FF2B5EF4-FFF2-40B4-BE49-F238E27FC236}">
+                <a16:creationId xmlns:a16="http://schemas.microsoft.com/office/drawing/2014/main" id="{EC8B397F-CAA5-F0A3-90E8-3F728F2253BE}"/>
+              </a:ext>
+            </a:extLst>
+          </p:cNvPr>
+          <p:cNvSpPr>
+            <a:spLocks noGrp="1"/>
+          </p:cNvSpPr>
+          <p:nvPr>
+            <p:ph type="dt" sz="half" idx="10"/>
+          </p:nvPr>
+        </p:nvSpPr>
+        <p:spPr/>
+        <p:txBody>
+          <a:bodyPr/>
+          <a:lstStyle/>
+          <a:p>
+            <a:fld id="{715FFEA2-8EE2-4E3B-A523-DF67F5ED41E6}" type="datetime1">
+              <a:rPr lang="fr-FR" smtClean="0"/>
+              <a:pPr/>
+              <a:t>13/11/2024</a:t>
+            </a:fld>
+            <a:endParaRPr lang="fr-FR"/>
+          </a:p>
+        </p:txBody>
+      </p:sp>
+      <p:sp>
+        <p:nvSpPr>
+          <p:cNvPr id="6" name="Espace réservé du pied de page 5">
+            <a:extLst>
+              <a:ext uri="{FF2B5EF4-FFF2-40B4-BE49-F238E27FC236}">
+                <a16:creationId xmlns:a16="http://schemas.microsoft.com/office/drawing/2014/main" id="{452D4E7B-53D6-6746-BAC9-D64EFBCDA1D2}"/>
+              </a:ext>
+            </a:extLst>
+          </p:cNvPr>
+          <p:cNvSpPr>
+            <a:spLocks noGrp="1"/>
+          </p:cNvSpPr>
+          <p:nvPr>
+            <p:ph type="ftr" sz="quarter" idx="11"/>
+          </p:nvPr>
+        </p:nvSpPr>
+        <p:spPr/>
+        <p:txBody>
+          <a:bodyPr/>
+          <a:lstStyle/>
+          <a:p>
+            <a:endParaRPr lang="fr-FR"/>
+          </a:p>
+        </p:txBody>
+      </p:sp>
+      <p:sp>
+        <p:nvSpPr>
+          <p:cNvPr id="7" name="Espace réservé du numéro de diapositive 6">
+            <a:extLst>
+              <a:ext uri="{FF2B5EF4-FFF2-40B4-BE49-F238E27FC236}">
+                <a16:creationId xmlns:a16="http://schemas.microsoft.com/office/drawing/2014/main" id="{5F45F9B9-98EA-F94A-A925-A71FAC8160E1}"/>
+              </a:ext>
+            </a:extLst>
+          </p:cNvPr>
+          <p:cNvSpPr>
+            <a:spLocks noGrp="1"/>
+          </p:cNvSpPr>
+          <p:nvPr>
+            <p:ph type="sldNum" sz="quarter" idx="12"/>
+          </p:nvPr>
+        </p:nvSpPr>
+        <p:spPr/>
+        <p:txBody>
+          <a:bodyPr/>
+          <a:lstStyle/>
+          <a:p>
+            <a:fld id="{05140462-0667-4258-8DD6-DC1FD194F4F6}" type="slidenum">
+              <a:rPr lang="fr-FR" smtClean="0"/>
+              <a:pPr/>
+              <a:t>‹N°›</a:t>
+            </a:fld>
+            <a:endParaRPr lang="fr-FR"/>
+          </a:p>
+        </p:txBody>
+      </p:sp>
+    </p:spTree>
+    <p:extLst>
+      <p:ext uri="{BB962C8B-B14F-4D97-AF65-F5344CB8AC3E}">
+        <p14:creationId xmlns:p14="http://schemas.microsoft.com/office/powerpoint/2010/main" val="1773766307"/>
+      </p:ext>
+    </p:extLst>
+  </p:cSld>
+  <p:clrMapOvr>
+    <a:masterClrMapping/>
+  </p:clrMapOvr>
+  <p:hf hdr="0" ftr="0" dt="0"/>
+</p:sldLayout>
+</file>
+
+<file path=ppt/slideLayouts/slideLayout21.xml><?xml version="1.0" encoding="utf-8"?>
+<p:sldLayout xmlns:a="http://schemas.openxmlformats.org/drawingml/2006/main" xmlns:r="http://schemas.openxmlformats.org/officeDocument/2006/relationships" xmlns:p="http://schemas.openxmlformats.org/presentationml/2006/main" type="picTx" preserve="1">
+  <p:cSld name="Image avec légende">
+    <p:spTree>
+      <p:nvGrpSpPr>
+        <p:cNvPr id="1" name=""/>
+        <p:cNvGrpSpPr/>
+        <p:nvPr/>
+      </p:nvGrpSpPr>
+      <p:grpSpPr>
+        <a:xfrm>
+          <a:off x="0" y="0"/>
+          <a:ext cx="0" cy="0"/>
+          <a:chOff x="0" y="0"/>
+          <a:chExt cx="0" cy="0"/>
+        </a:xfrm>
+      </p:grpSpPr>
+      <p:sp>
+        <p:nvSpPr>
+          <p:cNvPr id="2" name="Titre 1">
+            <a:extLst>
+              <a:ext uri="{FF2B5EF4-FFF2-40B4-BE49-F238E27FC236}">
+                <a16:creationId xmlns:a16="http://schemas.microsoft.com/office/drawing/2014/main" id="{75D94121-7E94-86BF-7BE8-8EB9CC3A0EC2}"/>
+              </a:ext>
+            </a:extLst>
+          </p:cNvPr>
+          <p:cNvSpPr>
+            <a:spLocks noGrp="1"/>
+          </p:cNvSpPr>
+          <p:nvPr>
+            <p:ph type="title"/>
+          </p:nvPr>
+        </p:nvSpPr>
+        <p:spPr>
+          <a:xfrm>
+            <a:off x="629841" y="457200"/>
+            <a:ext cx="2949178" cy="1600200"/>
+          </a:xfrm>
+        </p:spPr>
+        <p:txBody>
+          <a:bodyPr anchor="b"/>
+          <a:lstStyle>
+            <a:lvl1pPr>
+              <a:defRPr sz="2400"/>
+            </a:lvl1pPr>
+          </a:lstStyle>
+          <a:p>
+            <a:r>
+              <a:rPr lang="fr-FR"/>
+              <a:t>Modifiez le style du titre</a:t>
+            </a:r>
+          </a:p>
+        </p:txBody>
+      </p:sp>
+      <p:sp>
+        <p:nvSpPr>
+          <p:cNvPr id="3" name="Espace réservé pour une image  2">
+            <a:extLst>
+              <a:ext uri="{FF2B5EF4-FFF2-40B4-BE49-F238E27FC236}">
+                <a16:creationId xmlns:a16="http://schemas.microsoft.com/office/drawing/2014/main" id="{9DD98015-D9AC-402D-4BB6-C95AA91601BE}"/>
+              </a:ext>
+            </a:extLst>
+          </p:cNvPr>
+          <p:cNvSpPr>
+            <a:spLocks noGrp="1"/>
+          </p:cNvSpPr>
+          <p:nvPr>
+            <p:ph type="pic" idx="1"/>
+          </p:nvPr>
+        </p:nvSpPr>
+        <p:spPr>
+          <a:xfrm>
+            <a:off x="3887391" y="987426"/>
+            <a:ext cx="4629150" cy="4873625"/>
+          </a:xfrm>
+        </p:spPr>
+        <p:txBody>
+          <a:bodyPr/>
+          <a:lstStyle>
+            <a:lvl1pPr marL="0" indent="0">
+              <a:buNone/>
+              <a:defRPr sz="2400"/>
+            </a:lvl1pPr>
+            <a:lvl2pPr marL="342900" indent="0">
+              <a:buNone/>
+              <a:defRPr sz="2100"/>
+            </a:lvl2pPr>
+            <a:lvl3pPr marL="685800" indent="0">
+              <a:buNone/>
+              <a:defRPr sz="1800"/>
+            </a:lvl3pPr>
+            <a:lvl4pPr marL="1028700" indent="0">
+              <a:buNone/>
+              <a:defRPr sz="1500"/>
+            </a:lvl4pPr>
+            <a:lvl5pPr marL="1371600" indent="0">
+              <a:buNone/>
+              <a:defRPr sz="1500"/>
+            </a:lvl5pPr>
+            <a:lvl6pPr marL="1714500" indent="0">
+              <a:buNone/>
+              <a:defRPr sz="1500"/>
+            </a:lvl6pPr>
+            <a:lvl7pPr marL="2057400" indent="0">
+              <a:buNone/>
+              <a:defRPr sz="1500"/>
+            </a:lvl7pPr>
+            <a:lvl8pPr marL="2400300" indent="0">
+              <a:buNone/>
+              <a:defRPr sz="1500"/>
+            </a:lvl8pPr>
+            <a:lvl9pPr marL="2743200" indent="0">
+              <a:buNone/>
+              <a:defRPr sz="1500"/>
+            </a:lvl9pPr>
+          </a:lstStyle>
+          <a:p>
+            <a:endParaRPr lang="fr-FR"/>
+          </a:p>
+        </p:txBody>
+      </p:sp>
+      <p:sp>
+        <p:nvSpPr>
+          <p:cNvPr id="4" name="Espace réservé du texte 3">
+            <a:extLst>
+              <a:ext uri="{FF2B5EF4-FFF2-40B4-BE49-F238E27FC236}">
+                <a16:creationId xmlns:a16="http://schemas.microsoft.com/office/drawing/2014/main" id="{CB4A97B6-3A26-17CB-C176-5A6974DA1714}"/>
+              </a:ext>
+            </a:extLst>
+          </p:cNvPr>
+          <p:cNvSpPr>
+            <a:spLocks noGrp="1"/>
+          </p:cNvSpPr>
+          <p:nvPr>
+            <p:ph type="body" sz="half" idx="2"/>
+          </p:nvPr>
+        </p:nvSpPr>
+        <p:spPr>
+          <a:xfrm>
+            <a:off x="629841" y="2057400"/>
+            <a:ext cx="2949178" cy="3811588"/>
+          </a:xfrm>
+        </p:spPr>
+        <p:txBody>
+          <a:bodyPr/>
+          <a:lstStyle>
+            <a:lvl1pPr marL="0" indent="0">
+              <a:buNone/>
+              <a:defRPr sz="1200"/>
+            </a:lvl1pPr>
+            <a:lvl2pPr marL="342900" indent="0">
+              <a:buNone/>
+              <a:defRPr sz="1050"/>
+            </a:lvl2pPr>
+            <a:lvl3pPr marL="685800" indent="0">
+              <a:buNone/>
+              <a:defRPr sz="900"/>
+            </a:lvl3pPr>
+            <a:lvl4pPr marL="1028700" indent="0">
+              <a:buNone/>
+              <a:defRPr sz="750"/>
+            </a:lvl4pPr>
+            <a:lvl5pPr marL="1371600" indent="0">
+              <a:buNone/>
+              <a:defRPr sz="750"/>
+            </a:lvl5pPr>
+            <a:lvl6pPr marL="1714500" indent="0">
+              <a:buNone/>
+              <a:defRPr sz="750"/>
+            </a:lvl6pPr>
+            <a:lvl7pPr marL="2057400" indent="0">
+              <a:buNone/>
+              <a:defRPr sz="750"/>
+            </a:lvl7pPr>
+            <a:lvl8pPr marL="2400300" indent="0">
+              <a:buNone/>
+              <a:defRPr sz="750"/>
+            </a:lvl8pPr>
+            <a:lvl9pPr marL="2743200" indent="0">
+              <a:buNone/>
+              <a:defRPr sz="750"/>
+            </a:lvl9pPr>
+          </a:lstStyle>
+          <a:p>
+            <a:pPr lvl="0"/>
+            <a:r>
+              <a:rPr lang="fr-FR"/>
+              <a:t>Cliquez pour modifier les styles du texte du masque</a:t>
+            </a:r>
+          </a:p>
+        </p:txBody>
+      </p:sp>
+      <p:sp>
+        <p:nvSpPr>
+          <p:cNvPr id="5" name="Espace réservé de la date 4">
+            <a:extLst>
+              <a:ext uri="{FF2B5EF4-FFF2-40B4-BE49-F238E27FC236}">
+                <a16:creationId xmlns:a16="http://schemas.microsoft.com/office/drawing/2014/main" id="{FD1A6CC8-C994-6426-FF70-CCBDEC24BC0F}"/>
+              </a:ext>
+            </a:extLst>
+          </p:cNvPr>
+          <p:cNvSpPr>
+            <a:spLocks noGrp="1"/>
+          </p:cNvSpPr>
+          <p:nvPr>
+            <p:ph type="dt" sz="half" idx="10"/>
+          </p:nvPr>
+        </p:nvSpPr>
+        <p:spPr/>
+        <p:txBody>
+          <a:bodyPr/>
+          <a:lstStyle/>
+          <a:p>
+            <a:fld id="{715FFEA2-8EE2-4E3B-A523-DF67F5ED41E6}" type="datetime1">
+              <a:rPr lang="fr-FR" smtClean="0"/>
+              <a:pPr/>
+              <a:t>13/11/2024</a:t>
+            </a:fld>
+            <a:endParaRPr lang="fr-FR"/>
+          </a:p>
+        </p:txBody>
+      </p:sp>
+      <p:sp>
+        <p:nvSpPr>
+          <p:cNvPr id="6" name="Espace réservé du pied de page 5">
+            <a:extLst>
+              <a:ext uri="{FF2B5EF4-FFF2-40B4-BE49-F238E27FC236}">
+                <a16:creationId xmlns:a16="http://schemas.microsoft.com/office/drawing/2014/main" id="{BC284CEC-078F-A6D5-83D6-74440E0EBE1B}"/>
+              </a:ext>
+            </a:extLst>
+          </p:cNvPr>
+          <p:cNvSpPr>
+            <a:spLocks noGrp="1"/>
+          </p:cNvSpPr>
+          <p:nvPr>
+            <p:ph type="ftr" sz="quarter" idx="11"/>
+          </p:nvPr>
+        </p:nvSpPr>
+        <p:spPr/>
+        <p:txBody>
+          <a:bodyPr/>
+          <a:lstStyle/>
+          <a:p>
+            <a:endParaRPr lang="fr-FR"/>
+          </a:p>
+        </p:txBody>
+      </p:sp>
+      <p:sp>
+        <p:nvSpPr>
+          <p:cNvPr id="7" name="Espace réservé du numéro de diapositive 6">
+            <a:extLst>
+              <a:ext uri="{FF2B5EF4-FFF2-40B4-BE49-F238E27FC236}">
+                <a16:creationId xmlns:a16="http://schemas.microsoft.com/office/drawing/2014/main" id="{9AFAFD5A-C4C9-8D75-5270-C7DB4989FC2F}"/>
+              </a:ext>
+            </a:extLst>
+          </p:cNvPr>
+          <p:cNvSpPr>
+            <a:spLocks noGrp="1"/>
+          </p:cNvSpPr>
+          <p:nvPr>
+            <p:ph type="sldNum" sz="quarter" idx="12"/>
+          </p:nvPr>
+        </p:nvSpPr>
+        <p:spPr/>
+        <p:txBody>
+          <a:bodyPr/>
+          <a:lstStyle/>
+          <a:p>
+            <a:fld id="{05140462-0667-4258-8DD6-DC1FD194F4F6}" type="slidenum">
+              <a:rPr lang="fr-FR" smtClean="0"/>
+              <a:pPr/>
+              <a:t>‹N°›</a:t>
+            </a:fld>
+            <a:endParaRPr lang="fr-FR"/>
+          </a:p>
+        </p:txBody>
+      </p:sp>
+    </p:spTree>
+    <p:extLst>
+      <p:ext uri="{BB962C8B-B14F-4D97-AF65-F5344CB8AC3E}">
+        <p14:creationId xmlns:p14="http://schemas.microsoft.com/office/powerpoint/2010/main" val="3701011758"/>
+      </p:ext>
+    </p:extLst>
+  </p:cSld>
+  <p:clrMapOvr>
+    <a:masterClrMapping/>
+  </p:clrMapOvr>
+  <p:hf hdr="0" ftr="0" dt="0"/>
+</p:sldLayout>
+</file>
+
+<file path=ppt/slideLayouts/slideLayout22.xml><?xml version="1.0" encoding="utf-8"?>
+<p:sldLayout xmlns:a="http://schemas.openxmlformats.org/drawingml/2006/main" xmlns:r="http://schemas.openxmlformats.org/officeDocument/2006/relationships" xmlns:p="http://schemas.openxmlformats.org/presentationml/2006/main" type="vertTx" preserve="1">
+  <p:cSld name="Titre et texte vertical">
+    <p:spTree>
+      <p:nvGrpSpPr>
+        <p:cNvPr id="1" name=""/>
+        <p:cNvGrpSpPr/>
+        <p:nvPr/>
+      </p:nvGrpSpPr>
+      <p:grpSpPr>
+        <a:xfrm>
+          <a:off x="0" y="0"/>
+          <a:ext cx="0" cy="0"/>
+          <a:chOff x="0" y="0"/>
+          <a:chExt cx="0" cy="0"/>
+        </a:xfrm>
+      </p:grpSpPr>
+      <p:sp>
+        <p:nvSpPr>
+          <p:cNvPr id="2" name="Titre 1">
+            <a:extLst>
+              <a:ext uri="{FF2B5EF4-FFF2-40B4-BE49-F238E27FC236}">
+                <a16:creationId xmlns:a16="http://schemas.microsoft.com/office/drawing/2014/main" id="{376064B8-AACC-CFAC-ED0C-3735E946A7B8}"/>
+              </a:ext>
+            </a:extLst>
+          </p:cNvPr>
+          <p:cNvSpPr>
+            <a:spLocks noGrp="1"/>
+          </p:cNvSpPr>
+          <p:nvPr>
+            <p:ph type="title"/>
+          </p:nvPr>
+        </p:nvSpPr>
+        <p:spPr/>
+        <p:txBody>
+          <a:bodyPr/>
+          <a:lstStyle/>
+          <a:p>
+            <a:r>
+              <a:rPr lang="fr-FR"/>
+              <a:t>Modifiez le style du titre</a:t>
+            </a:r>
+          </a:p>
+        </p:txBody>
+      </p:sp>
+      <p:sp>
+        <p:nvSpPr>
+          <p:cNvPr id="3" name="Espace réservé du texte vertical 2">
+            <a:extLst>
+              <a:ext uri="{FF2B5EF4-FFF2-40B4-BE49-F238E27FC236}">
+                <a16:creationId xmlns:a16="http://schemas.microsoft.com/office/drawing/2014/main" id="{ECB369E3-91A0-CB66-4292-E51D4544BAF5}"/>
+              </a:ext>
+            </a:extLst>
+          </p:cNvPr>
+          <p:cNvSpPr>
+            <a:spLocks noGrp="1"/>
+          </p:cNvSpPr>
+          <p:nvPr>
+            <p:ph type="body" orient="vert" idx="1"/>
+          </p:nvPr>
+        </p:nvSpPr>
+        <p:spPr/>
+        <p:txBody>
+          <a:bodyPr vert="eaVert"/>
+          <a:lstStyle/>
+          <a:p>
+            <a:pPr lvl="0"/>
+            <a:r>
+              <a:rPr lang="fr-FR"/>
+              <a:t>Cliquez pour modifier les styles du texte du masque</a:t>
+            </a:r>
+          </a:p>
+          <a:p>
+            <a:pPr lvl="1"/>
+            <a:r>
+              <a:rPr lang="fr-FR"/>
+              <a:t>Deuxième niveau</a:t>
+            </a:r>
+          </a:p>
+          <a:p>
+            <a:pPr lvl="2"/>
+            <a:r>
+              <a:rPr lang="fr-FR"/>
+              <a:t>Troisième niveau</a:t>
+            </a:r>
+          </a:p>
+          <a:p>
+            <a:pPr lvl="3"/>
+            <a:r>
+              <a:rPr lang="fr-FR"/>
+              <a:t>Quatrième niveau</a:t>
+            </a:r>
+          </a:p>
+          <a:p>
+            <a:pPr lvl="4"/>
+            <a:r>
+              <a:rPr lang="fr-FR"/>
+              <a:t>Cinquième niveau</a:t>
+            </a:r>
+          </a:p>
+        </p:txBody>
+      </p:sp>
+      <p:sp>
+        <p:nvSpPr>
+          <p:cNvPr id="4" name="Espace réservé de la date 3">
+            <a:extLst>
+              <a:ext uri="{FF2B5EF4-FFF2-40B4-BE49-F238E27FC236}">
+                <a16:creationId xmlns:a16="http://schemas.microsoft.com/office/drawing/2014/main" id="{71D5843B-70DD-C406-A6FC-46095AAC8170}"/>
+              </a:ext>
+            </a:extLst>
+          </p:cNvPr>
+          <p:cNvSpPr>
+            <a:spLocks noGrp="1"/>
+          </p:cNvSpPr>
+          <p:nvPr>
+            <p:ph type="dt" sz="half" idx="10"/>
+          </p:nvPr>
+        </p:nvSpPr>
+        <p:spPr/>
+        <p:txBody>
+          <a:bodyPr/>
+          <a:lstStyle/>
+          <a:p>
+            <a:fld id="{715FFEA2-8EE2-4E3B-A523-DF67F5ED41E6}" type="datetime1">
+              <a:rPr lang="fr-FR" smtClean="0"/>
+              <a:pPr/>
+              <a:t>13/11/2024</a:t>
+            </a:fld>
+            <a:endParaRPr lang="fr-FR"/>
+          </a:p>
+        </p:txBody>
+      </p:sp>
+      <p:sp>
+        <p:nvSpPr>
+          <p:cNvPr id="5" name="Espace réservé du pied de page 4">
+            <a:extLst>
+              <a:ext uri="{FF2B5EF4-FFF2-40B4-BE49-F238E27FC236}">
+                <a16:creationId xmlns:a16="http://schemas.microsoft.com/office/drawing/2014/main" id="{1785C1DE-E8AA-ABF2-577E-6042D5BCBA06}"/>
+              </a:ext>
+            </a:extLst>
+          </p:cNvPr>
+          <p:cNvSpPr>
+            <a:spLocks noGrp="1"/>
+          </p:cNvSpPr>
+          <p:nvPr>
+            <p:ph type="ftr" sz="quarter" idx="11"/>
+          </p:nvPr>
+        </p:nvSpPr>
+        <p:spPr/>
+        <p:txBody>
+          <a:bodyPr/>
+          <a:lstStyle/>
+          <a:p>
+            <a:endParaRPr lang="fr-FR"/>
+          </a:p>
+        </p:txBody>
+      </p:sp>
+      <p:sp>
+        <p:nvSpPr>
+          <p:cNvPr id="6" name="Espace réservé du numéro de diapositive 5">
+            <a:extLst>
+              <a:ext uri="{FF2B5EF4-FFF2-40B4-BE49-F238E27FC236}">
+                <a16:creationId xmlns:a16="http://schemas.microsoft.com/office/drawing/2014/main" id="{829945B9-0C77-3CF4-D825-8C53A0A8A29A}"/>
+              </a:ext>
+            </a:extLst>
+          </p:cNvPr>
+          <p:cNvSpPr>
+            <a:spLocks noGrp="1"/>
+          </p:cNvSpPr>
+          <p:nvPr>
+            <p:ph type="sldNum" sz="quarter" idx="12"/>
+          </p:nvPr>
+        </p:nvSpPr>
+        <p:spPr/>
+        <p:txBody>
+          <a:bodyPr/>
+          <a:lstStyle/>
+          <a:p>
+            <a:fld id="{05140462-0667-4258-8DD6-DC1FD194F4F6}" type="slidenum">
+              <a:rPr lang="fr-FR" smtClean="0"/>
+              <a:pPr/>
+              <a:t>‹N°›</a:t>
+            </a:fld>
+            <a:endParaRPr lang="fr-FR"/>
+          </a:p>
+        </p:txBody>
+      </p:sp>
+    </p:spTree>
+    <p:extLst>
+      <p:ext uri="{BB962C8B-B14F-4D97-AF65-F5344CB8AC3E}">
+        <p14:creationId xmlns:p14="http://schemas.microsoft.com/office/powerpoint/2010/main" val="2545918398"/>
+      </p:ext>
+    </p:extLst>
+  </p:cSld>
+  <p:clrMapOvr>
+    <a:masterClrMapping/>
+  </p:clrMapOvr>
+  <p:hf hdr="0" ftr="0" dt="0"/>
+</p:sldLayout>
+</file>
+
+<file path=ppt/slideLayouts/slideLayout23.xml><?xml version="1.0" encoding="utf-8"?>
+<p:sldLayout xmlns:a="http://schemas.openxmlformats.org/drawingml/2006/main" xmlns:r="http://schemas.openxmlformats.org/officeDocument/2006/relationships" xmlns:p="http://schemas.openxmlformats.org/presentationml/2006/main" type="vertTitleAndTx" preserve="1">
+  <p:cSld name="Titre vertical et texte">
+    <p:spTree>
+      <p:nvGrpSpPr>
+        <p:cNvPr id="1" name=""/>
+        <p:cNvGrpSpPr/>
+        <p:nvPr/>
+      </p:nvGrpSpPr>
+      <p:grpSpPr>
+        <a:xfrm>
+          <a:off x="0" y="0"/>
+          <a:ext cx="0" cy="0"/>
+          <a:chOff x="0" y="0"/>
+          <a:chExt cx="0" cy="0"/>
+        </a:xfrm>
+      </p:grpSpPr>
+      <p:sp>
+        <p:nvSpPr>
+          <p:cNvPr id="2" name="Titre vertical 1">
+            <a:extLst>
+              <a:ext uri="{FF2B5EF4-FFF2-40B4-BE49-F238E27FC236}">
+                <a16:creationId xmlns:a16="http://schemas.microsoft.com/office/drawing/2014/main" id="{A9CFB0E6-1F42-4E2A-7379-C95D5E750E05}"/>
+              </a:ext>
+            </a:extLst>
+          </p:cNvPr>
+          <p:cNvSpPr>
+            <a:spLocks noGrp="1"/>
+          </p:cNvSpPr>
+          <p:nvPr>
+            <p:ph type="title" orient="vert"/>
+          </p:nvPr>
+        </p:nvSpPr>
+        <p:spPr>
+          <a:xfrm>
+            <a:off x="6543675" y="365125"/>
+            <a:ext cx="1971675" cy="5811838"/>
+          </a:xfrm>
+        </p:spPr>
+        <p:txBody>
+          <a:bodyPr vert="eaVert"/>
+          <a:lstStyle/>
+          <a:p>
+            <a:r>
+              <a:rPr lang="fr-FR"/>
+              <a:t>Modifiez le style du titre</a:t>
+            </a:r>
+          </a:p>
+        </p:txBody>
+      </p:sp>
+      <p:sp>
+        <p:nvSpPr>
+          <p:cNvPr id="3" name="Espace réservé du texte vertical 2">
+            <a:extLst>
+              <a:ext uri="{FF2B5EF4-FFF2-40B4-BE49-F238E27FC236}">
+                <a16:creationId xmlns:a16="http://schemas.microsoft.com/office/drawing/2014/main" id="{5C1597DF-8068-A267-126D-0012C031ACCA}"/>
+              </a:ext>
+            </a:extLst>
+          </p:cNvPr>
+          <p:cNvSpPr>
+            <a:spLocks noGrp="1"/>
+          </p:cNvSpPr>
+          <p:nvPr>
+            <p:ph type="body" orient="vert" idx="1"/>
+          </p:nvPr>
+        </p:nvSpPr>
+        <p:spPr>
+          <a:xfrm>
+            <a:off x="628650" y="365125"/>
+            <a:ext cx="5800725" cy="5811838"/>
+          </a:xfrm>
+        </p:spPr>
+        <p:txBody>
+          <a:bodyPr vert="eaVert"/>
+          <a:lstStyle/>
+          <a:p>
+            <a:pPr lvl="0"/>
+            <a:r>
+              <a:rPr lang="fr-FR"/>
+              <a:t>Cliquez pour modifier les styles du texte du masque</a:t>
+            </a:r>
+          </a:p>
+          <a:p>
+            <a:pPr lvl="1"/>
+            <a:r>
+              <a:rPr lang="fr-FR"/>
+              <a:t>Deuxième niveau</a:t>
+            </a:r>
+          </a:p>
+          <a:p>
+            <a:pPr lvl="2"/>
+            <a:r>
+              <a:rPr lang="fr-FR"/>
+              <a:t>Troisième niveau</a:t>
+            </a:r>
+          </a:p>
+          <a:p>
+            <a:pPr lvl="3"/>
+            <a:r>
+              <a:rPr lang="fr-FR"/>
+              <a:t>Quatrième niveau</a:t>
+            </a:r>
+          </a:p>
+          <a:p>
+            <a:pPr lvl="4"/>
+            <a:r>
+              <a:rPr lang="fr-FR"/>
+              <a:t>Cinquième niveau</a:t>
+            </a:r>
+          </a:p>
+        </p:txBody>
+      </p:sp>
+      <p:sp>
+        <p:nvSpPr>
+          <p:cNvPr id="4" name="Espace réservé de la date 3">
+            <a:extLst>
+              <a:ext uri="{FF2B5EF4-FFF2-40B4-BE49-F238E27FC236}">
+                <a16:creationId xmlns:a16="http://schemas.microsoft.com/office/drawing/2014/main" id="{FF08E8DE-29DF-3EA0-742A-96EAE7471824}"/>
+              </a:ext>
+            </a:extLst>
+          </p:cNvPr>
+          <p:cNvSpPr>
+            <a:spLocks noGrp="1"/>
+          </p:cNvSpPr>
+          <p:nvPr>
+            <p:ph type="dt" sz="half" idx="10"/>
+          </p:nvPr>
+        </p:nvSpPr>
+        <p:spPr/>
+        <p:txBody>
+          <a:bodyPr/>
+          <a:lstStyle/>
+          <a:p>
+            <a:fld id="{715FFEA2-8EE2-4E3B-A523-DF67F5ED41E6}" type="datetime1">
+              <a:rPr lang="fr-FR" smtClean="0"/>
+              <a:pPr/>
+              <a:t>13/11/2024</a:t>
+            </a:fld>
+            <a:endParaRPr lang="fr-FR"/>
+          </a:p>
+        </p:txBody>
+      </p:sp>
+      <p:sp>
+        <p:nvSpPr>
+          <p:cNvPr id="5" name="Espace réservé du pied de page 4">
+            <a:extLst>
+              <a:ext uri="{FF2B5EF4-FFF2-40B4-BE49-F238E27FC236}">
+                <a16:creationId xmlns:a16="http://schemas.microsoft.com/office/drawing/2014/main" id="{BADA9C1D-BA01-3A35-EE85-AE302469F628}"/>
+              </a:ext>
+            </a:extLst>
+          </p:cNvPr>
+          <p:cNvSpPr>
+            <a:spLocks noGrp="1"/>
+          </p:cNvSpPr>
+          <p:nvPr>
+            <p:ph type="ftr" sz="quarter" idx="11"/>
+          </p:nvPr>
+        </p:nvSpPr>
+        <p:spPr/>
+        <p:txBody>
+          <a:bodyPr/>
+          <a:lstStyle/>
+          <a:p>
+            <a:endParaRPr lang="fr-FR"/>
+          </a:p>
+        </p:txBody>
+      </p:sp>
+      <p:sp>
+        <p:nvSpPr>
+          <p:cNvPr id="6" name="Espace réservé du numéro de diapositive 5">
+            <a:extLst>
+              <a:ext uri="{FF2B5EF4-FFF2-40B4-BE49-F238E27FC236}">
+                <a16:creationId xmlns:a16="http://schemas.microsoft.com/office/drawing/2014/main" id="{F4B677C8-D70E-1736-0B8F-96202D78D5AC}"/>
+              </a:ext>
+            </a:extLst>
+          </p:cNvPr>
+          <p:cNvSpPr>
+            <a:spLocks noGrp="1"/>
+          </p:cNvSpPr>
+          <p:nvPr>
+            <p:ph type="sldNum" sz="quarter" idx="12"/>
+          </p:nvPr>
+        </p:nvSpPr>
+        <p:spPr/>
+        <p:txBody>
+          <a:bodyPr/>
+          <a:lstStyle/>
+          <a:p>
+            <a:fld id="{05140462-0667-4258-8DD6-DC1FD194F4F6}" type="slidenum">
+              <a:rPr lang="fr-FR" smtClean="0"/>
+              <a:pPr/>
+              <a:t>‹N°›</a:t>
+            </a:fld>
+            <a:endParaRPr lang="fr-FR"/>
+          </a:p>
+        </p:txBody>
+      </p:sp>
+    </p:spTree>
+    <p:extLst>
+      <p:ext uri="{BB962C8B-B14F-4D97-AF65-F5344CB8AC3E}">
+        <p14:creationId xmlns:p14="http://schemas.microsoft.com/office/powerpoint/2010/main" val="2744306576"/>
+      </p:ext>
+    </p:extLst>
+  </p:cSld>
+  <p:clrMapOvr>
+    <a:masterClrMapping/>
+  </p:clrMapOvr>
+  <p:hf hdr="0" ftr="0" dt="0"/>
+</p:sldLayout>
+</file>
+
+<file path=ppt/slideLayouts/slideLayout24.xml><?xml version="1.0" encoding="utf-8"?>
+<p:sldLayout xmlns:a="http://schemas.openxmlformats.org/drawingml/2006/main" xmlns:r="http://schemas.openxmlformats.org/officeDocument/2006/relationships" xmlns:p="http://schemas.openxmlformats.org/presentationml/2006/main" type="obj">
+  <p:cSld name="Title and Content">
+    <p:spTree>
+      <p:nvGrpSpPr>
+        <p:cNvPr id="1" name=""/>
+        <p:cNvGrpSpPr/>
+        <p:nvPr/>
+      </p:nvGrpSpPr>
+      <p:grpSpPr>
+        <a:xfrm>
+          <a:off x="0" y="0"/>
+          <a:ext cx="0" cy="0"/>
+          <a:chOff x="0" y="0"/>
+          <a:chExt cx="0" cy="0"/>
+        </a:xfrm>
+      </p:grpSpPr>
+      <p:sp>
+        <p:nvSpPr>
+          <p:cNvPr id="4" name="Date Placeholder 3"/>
+          <p:cNvSpPr>
+            <a:spLocks noGrp="1"/>
+          </p:cNvSpPr>
+          <p:nvPr>
+            <p:ph type="dt" sz="half" idx="10"/>
+          </p:nvPr>
+        </p:nvSpPr>
+        <p:spPr/>
+        <p:txBody>
+          <a:bodyPr/>
+          <a:lstStyle/>
+          <a:p>
+            <a:fld id="{91D58CCC-5FFF-41FA-81A9-0B78ACA198CF}" type="datetime1">
+              <a:rPr lang="fr-FR" smtClean="0"/>
+              <a:pPr/>
+              <a:t>13/11/2024</a:t>
+            </a:fld>
+            <a:endParaRPr lang="fr-FR"/>
+          </a:p>
+        </p:txBody>
+      </p:sp>
+      <p:sp>
+        <p:nvSpPr>
+          <p:cNvPr id="5" name="Footer Placeholder 4"/>
+          <p:cNvSpPr>
+            <a:spLocks noGrp="1"/>
+          </p:cNvSpPr>
+          <p:nvPr>
+            <p:ph type="ftr" sz="quarter" idx="11"/>
+          </p:nvPr>
+        </p:nvSpPr>
+        <p:spPr/>
+        <p:txBody>
+          <a:bodyPr/>
+          <a:lstStyle/>
+          <a:p>
+            <a:endParaRPr lang="fr-FR"/>
+          </a:p>
+        </p:txBody>
+      </p:sp>
+      <p:sp>
+        <p:nvSpPr>
+          <p:cNvPr id="6" name="Slide Number Placeholder 5"/>
+          <p:cNvSpPr>
+            <a:spLocks noGrp="1"/>
+          </p:cNvSpPr>
+          <p:nvPr>
+            <p:ph type="sldNum" sz="quarter" idx="12"/>
+          </p:nvPr>
+        </p:nvSpPr>
+        <p:spPr/>
+        <p:txBody>
+          <a:bodyPr/>
+          <a:lstStyle/>
+          <a:p>
+            <a:fld id="{05140462-0667-4258-8DD6-DC1FD194F4F6}" type="slidenum">
+              <a:rPr lang="fr-FR" smtClean="0"/>
+              <a:pPr/>
+              <a:t>‹N°›</a:t>
+            </a:fld>
+            <a:endParaRPr lang="fr-FR"/>
+          </a:p>
+        </p:txBody>
+      </p:sp>
+      <p:sp>
+        <p:nvSpPr>
+          <p:cNvPr id="25" name="Title Placeholder 1"/>
+          <p:cNvSpPr>
+            <a:spLocks noGrp="1"/>
+          </p:cNvSpPr>
+          <p:nvPr>
+            <p:ph type="title"/>
+          </p:nvPr>
+        </p:nvSpPr>
+        <p:spPr>
+          <a:xfrm>
+            <a:off x="276225" y="228600"/>
+            <a:ext cx="8591550" cy="1066801"/>
+          </a:xfrm>
+          <a:prstGeom prst="rect">
+            <a:avLst/>
+          </a:prstGeom>
+        </p:spPr>
+        <p:txBody>
+          <a:bodyPr vert="horz" lIns="91440" tIns="45720" rIns="91440" bIns="45720" rtlCol="0" anchor="b" anchorCtr="0">
+            <a:normAutofit/>
+          </a:bodyPr>
+          <a:lstStyle/>
+          <a:p>
+            <a:r>
+              <a:rPr lang="en-US"/>
+              <a:t>Click to edit Master title style</a:t>
+            </a:r>
+            <a:endParaRPr lang="en-US" dirty="0"/>
+          </a:p>
+        </p:txBody>
+      </p:sp>
+      <p:sp>
+        <p:nvSpPr>
+          <p:cNvPr id="31" name="Content Placeholder 30"/>
+          <p:cNvSpPr>
+            <a:spLocks noGrp="1"/>
+          </p:cNvSpPr>
+          <p:nvPr>
+            <p:ph sz="quarter" idx="13"/>
+          </p:nvPr>
+        </p:nvSpPr>
+        <p:spPr>
+          <a:xfrm>
+            <a:off x="274320" y="1298448"/>
+            <a:ext cx="8595360" cy="4937760"/>
+          </a:xfrm>
+        </p:spPr>
+        <p:txBody>
+          <a:bodyPr/>
+          <a:lstStyle/>
+          <a:p>
+            <a:pPr lvl="0"/>
+            <a:r>
+              <a:rPr lang="en-US"/>
+              <a:t>Click to edit Master text styles</a:t>
+            </a:r>
+          </a:p>
+          <a:p>
+            <a:pPr lvl="1"/>
+            <a:r>
+              <a:rPr lang="en-US"/>
+              <a:t>Second level</a:t>
+            </a:r>
+          </a:p>
+          <a:p>
+            <a:pPr lvl="2"/>
+            <a:r>
+              <a:rPr lang="en-US"/>
+              <a:t>Third level</a:t>
+            </a:r>
+          </a:p>
+          <a:p>
+            <a:pPr lvl="3"/>
+            <a:r>
+              <a:rPr lang="en-US"/>
+              <a:t>Fourth level</a:t>
+            </a:r>
+          </a:p>
+          <a:p>
+            <a:pPr lvl="4"/>
+            <a:r>
+              <a:rPr lang="en-US"/>
+              <a:t>Fifth level</a:t>
+            </a:r>
+          </a:p>
+        </p:txBody>
+      </p:sp>
+    </p:spTree>
+    <p:extLst>
+      <p:ext uri="{BB962C8B-B14F-4D97-AF65-F5344CB8AC3E}">
+        <p14:creationId xmlns:p14="http://schemas.microsoft.com/office/powerpoint/2010/main" val="5721022"/>
+      </p:ext>
+    </p:extLst>
   </p:cSld>
   <p:clrMapOvr>
     <a:masterClrMapping/>
@@ -17086,7 +20063,7 @@
             <a:fld id="{FE9F8AFE-631E-4499-976F-DFAFBC86C9F1}" type="datetime1">
               <a:rPr lang="fr-FR" smtClean="0"/>
               <a:pPr/>
-              <a:t>25/03/2021</a:t>
+              <a:t>13/11/2024</a:t>
             </a:fld>
             <a:endParaRPr lang="en-US"/>
           </a:p>
@@ -21263,7 +24240,7 @@
             <a:fld id="{86E85720-24AA-4315-93F0-EA7394388648}" type="datetime1">
               <a:rPr lang="fr-FR" smtClean="0"/>
               <a:pPr/>
-              <a:t>25/03/2021</a:t>
+              <a:t>13/11/2024</a:t>
             </a:fld>
             <a:endParaRPr lang="fr-FR"/>
           </a:p>
@@ -21539,7 +24516,7 @@
             <a:fld id="{931AD0FB-EFCA-4FE2-B973-E6287F316345}" type="datetime1">
               <a:rPr lang="fr-FR" smtClean="0"/>
               <a:pPr/>
-              <a:t>25/03/2021</a:t>
+              <a:t>13/11/2024</a:t>
             </a:fld>
             <a:endParaRPr lang="fr-FR"/>
           </a:p>
@@ -21968,7 +24945,7 @@
             <a:fld id="{24E310ED-E096-4C3F-A7EC-F4B6EE3F0921}" type="datetime1">
               <a:rPr lang="fr-FR" smtClean="0"/>
               <a:pPr/>
-              <a:t>25/03/2021</a:t>
+              <a:t>13/11/2024</a:t>
             </a:fld>
             <a:endParaRPr lang="fr-FR"/>
           </a:p>
@@ -22096,7 +25073,7 @@
             <a:fld id="{EFE9D24D-B56F-49D1-B4F7-BDEDEBCDB76D}" type="datetime1">
               <a:rPr lang="fr-FR" smtClean="0"/>
               <a:pPr/>
-              <a:t>25/03/2021</a:t>
+              <a:t>13/11/2024</a:t>
             </a:fld>
             <a:endParaRPr lang="fr-FR"/>
           </a:p>
@@ -22247,7 +25224,7 @@
             <a:fld id="{F4CDA2B8-9791-4D68-A65D-E4BF9B64E796}" type="datetime1">
               <a:rPr lang="fr-FR" smtClean="0"/>
               <a:pPr/>
-              <a:t>25/03/2021</a:t>
+              <a:t>13/11/2024</a:t>
             </a:fld>
             <a:endParaRPr lang="fr-FR"/>
           </a:p>
@@ -22665,7 +25642,7 @@
             <a:fld id="{C52C2D23-9AEF-4330-B9F8-F67FEC40616F}" type="datetime1">
               <a:rPr lang="fr-FR" smtClean="0"/>
               <a:pPr/>
-              <a:t>25/03/2021</a:t>
+              <a:t>13/11/2024</a:t>
             </a:fld>
             <a:endParaRPr lang="fr-FR"/>
           </a:p>
@@ -22990,7 +25967,7 @@
             <a:fld id="{715FFEA2-8EE2-4E3B-A523-DF67F5ED41E6}" type="datetime1">
               <a:rPr lang="fr-FR" smtClean="0"/>
               <a:pPr/>
-              <a:t>25/03/2021</a:t>
+              <a:t>13/11/2024</a:t>
             </a:fld>
             <a:endParaRPr lang="fr-FR"/>
           </a:p>
@@ -23090,6 +26067,7 @@
     <p:sldLayoutId id="2147485708" r:id="rId9"/>
     <p:sldLayoutId id="2147485709" r:id="rId10"/>
     <p:sldLayoutId id="2147485710" r:id="rId11"/>
+    <p:sldLayoutId id="2147485711" r:id="rId12"/>
   </p:sldLayoutIdLst>
   <p:transition>
     <p:fade/>
@@ -23378,6 +26356,581 @@
 </p:sldMaster>
 </file>
 
+<file path=ppt/slideMasters/slideMaster2.xml><?xml version="1.0" encoding="utf-8"?>
+<p:sldMaster xmlns:a="http://schemas.openxmlformats.org/drawingml/2006/main" xmlns:r="http://schemas.openxmlformats.org/officeDocument/2006/relationships" xmlns:p="http://schemas.openxmlformats.org/presentationml/2006/main">
+  <p:cSld>
+    <p:bg>
+      <p:bgRef idx="1001">
+        <a:schemeClr val="bg1"/>
+      </p:bgRef>
+    </p:bg>
+    <p:spTree>
+      <p:nvGrpSpPr>
+        <p:cNvPr id="1" name=""/>
+        <p:cNvGrpSpPr/>
+        <p:nvPr/>
+      </p:nvGrpSpPr>
+      <p:grpSpPr>
+        <a:xfrm>
+          <a:off x="0" y="0"/>
+          <a:ext cx="0" cy="0"/>
+          <a:chOff x="0" y="0"/>
+          <a:chExt cx="0" cy="0"/>
+        </a:xfrm>
+      </p:grpSpPr>
+      <p:sp>
+        <p:nvSpPr>
+          <p:cNvPr id="2" name="Espace réservé du titre 1">
+            <a:extLst>
+              <a:ext uri="{FF2B5EF4-FFF2-40B4-BE49-F238E27FC236}">
+                <a16:creationId xmlns:a16="http://schemas.microsoft.com/office/drawing/2014/main" id="{6159156C-22CD-4986-A3FF-19AD0DAC07F4}"/>
+              </a:ext>
+            </a:extLst>
+          </p:cNvPr>
+          <p:cNvSpPr>
+            <a:spLocks noGrp="1"/>
+          </p:cNvSpPr>
+          <p:nvPr>
+            <p:ph type="title"/>
+          </p:nvPr>
+        </p:nvSpPr>
+        <p:spPr>
+          <a:xfrm>
+            <a:off x="628650" y="365126"/>
+            <a:ext cx="7886700" cy="1325563"/>
+          </a:xfrm>
+          <a:prstGeom prst="rect">
+            <a:avLst/>
+          </a:prstGeom>
+        </p:spPr>
+        <p:txBody>
+          <a:bodyPr vert="horz" lIns="91440" tIns="45720" rIns="91440" bIns="45720" rtlCol="0" anchor="ctr">
+            <a:normAutofit/>
+          </a:bodyPr>
+          <a:lstStyle/>
+          <a:p>
+            <a:r>
+              <a:rPr lang="fr-FR"/>
+              <a:t>Modifiez le style du titre</a:t>
+            </a:r>
+          </a:p>
+        </p:txBody>
+      </p:sp>
+      <p:sp>
+        <p:nvSpPr>
+          <p:cNvPr id="3" name="Espace réservé du texte 2">
+            <a:extLst>
+              <a:ext uri="{FF2B5EF4-FFF2-40B4-BE49-F238E27FC236}">
+                <a16:creationId xmlns:a16="http://schemas.microsoft.com/office/drawing/2014/main" id="{F4FC6E06-7DB3-6535-3E27-3A4DEBC5EB72}"/>
+              </a:ext>
+            </a:extLst>
+          </p:cNvPr>
+          <p:cNvSpPr>
+            <a:spLocks noGrp="1"/>
+          </p:cNvSpPr>
+          <p:nvPr>
+            <p:ph type="body" idx="1"/>
+          </p:nvPr>
+        </p:nvSpPr>
+        <p:spPr>
+          <a:xfrm>
+            <a:off x="628650" y="1825625"/>
+            <a:ext cx="7886700" cy="4351338"/>
+          </a:xfrm>
+          <a:prstGeom prst="rect">
+            <a:avLst/>
+          </a:prstGeom>
+        </p:spPr>
+        <p:txBody>
+          <a:bodyPr vert="horz" lIns="91440" tIns="45720" rIns="91440" bIns="45720" rtlCol="0">
+            <a:normAutofit/>
+          </a:bodyPr>
+          <a:lstStyle/>
+          <a:p>
+            <a:pPr lvl="0"/>
+            <a:r>
+              <a:rPr lang="fr-FR"/>
+              <a:t>Cliquez pour modifier les styles du texte du masque</a:t>
+            </a:r>
+          </a:p>
+          <a:p>
+            <a:pPr lvl="1"/>
+            <a:r>
+              <a:rPr lang="fr-FR"/>
+              <a:t>Deuxième niveau</a:t>
+            </a:r>
+          </a:p>
+          <a:p>
+            <a:pPr lvl="2"/>
+            <a:r>
+              <a:rPr lang="fr-FR"/>
+              <a:t>Troisième niveau</a:t>
+            </a:r>
+          </a:p>
+          <a:p>
+            <a:pPr lvl="3"/>
+            <a:r>
+              <a:rPr lang="fr-FR"/>
+              <a:t>Quatrième niveau</a:t>
+            </a:r>
+          </a:p>
+          <a:p>
+            <a:pPr lvl="4"/>
+            <a:r>
+              <a:rPr lang="fr-FR"/>
+              <a:t>Cinquième niveau</a:t>
+            </a:r>
+          </a:p>
+        </p:txBody>
+      </p:sp>
+      <p:sp>
+        <p:nvSpPr>
+          <p:cNvPr id="4" name="Espace réservé de la date 3">
+            <a:extLst>
+              <a:ext uri="{FF2B5EF4-FFF2-40B4-BE49-F238E27FC236}">
+                <a16:creationId xmlns:a16="http://schemas.microsoft.com/office/drawing/2014/main" id="{05B3AB11-A43C-AD67-5B8B-C4AE3772C706}"/>
+              </a:ext>
+            </a:extLst>
+          </p:cNvPr>
+          <p:cNvSpPr>
+            <a:spLocks noGrp="1"/>
+          </p:cNvSpPr>
+          <p:nvPr>
+            <p:ph type="dt" sz="half" idx="2"/>
+          </p:nvPr>
+        </p:nvSpPr>
+        <p:spPr>
+          <a:xfrm>
+            <a:off x="628650" y="6356351"/>
+            <a:ext cx="2057400" cy="365125"/>
+          </a:xfrm>
+          <a:prstGeom prst="rect">
+            <a:avLst/>
+          </a:prstGeom>
+        </p:spPr>
+        <p:txBody>
+          <a:bodyPr vert="horz" lIns="91440" tIns="45720" rIns="91440" bIns="45720" rtlCol="0" anchor="ctr"/>
+          <a:lstStyle>
+            <a:lvl1pPr algn="l">
+              <a:defRPr sz="900">
+                <a:solidFill>
+                  <a:schemeClr val="tx1">
+                    <a:tint val="82000"/>
+                  </a:schemeClr>
+                </a:solidFill>
+              </a:defRPr>
+            </a:lvl1pPr>
+          </a:lstStyle>
+          <a:p>
+            <a:fld id="{715FFEA2-8EE2-4E3B-A523-DF67F5ED41E6}" type="datetime1">
+              <a:rPr lang="fr-FR" smtClean="0"/>
+              <a:pPr/>
+              <a:t>13/11/2024</a:t>
+            </a:fld>
+            <a:endParaRPr lang="fr-FR"/>
+          </a:p>
+        </p:txBody>
+      </p:sp>
+      <p:sp>
+        <p:nvSpPr>
+          <p:cNvPr id="5" name="Espace réservé du pied de page 4">
+            <a:extLst>
+              <a:ext uri="{FF2B5EF4-FFF2-40B4-BE49-F238E27FC236}">
+                <a16:creationId xmlns:a16="http://schemas.microsoft.com/office/drawing/2014/main" id="{B92129FB-D47B-BB80-E223-65C69DC57C18}"/>
+              </a:ext>
+            </a:extLst>
+          </p:cNvPr>
+          <p:cNvSpPr>
+            <a:spLocks noGrp="1"/>
+          </p:cNvSpPr>
+          <p:nvPr>
+            <p:ph type="ftr" sz="quarter" idx="3"/>
+          </p:nvPr>
+        </p:nvSpPr>
+        <p:spPr>
+          <a:xfrm>
+            <a:off x="3028950" y="6356351"/>
+            <a:ext cx="3086100" cy="365125"/>
+          </a:xfrm>
+          <a:prstGeom prst="rect">
+            <a:avLst/>
+          </a:prstGeom>
+        </p:spPr>
+        <p:txBody>
+          <a:bodyPr vert="horz" lIns="91440" tIns="45720" rIns="91440" bIns="45720" rtlCol="0" anchor="ctr"/>
+          <a:lstStyle>
+            <a:lvl1pPr algn="ctr">
+              <a:defRPr sz="900">
+                <a:solidFill>
+                  <a:schemeClr val="tx1">
+                    <a:tint val="82000"/>
+                  </a:schemeClr>
+                </a:solidFill>
+              </a:defRPr>
+            </a:lvl1pPr>
+          </a:lstStyle>
+          <a:p>
+            <a:endParaRPr lang="fr-FR"/>
+          </a:p>
+        </p:txBody>
+      </p:sp>
+      <p:sp>
+        <p:nvSpPr>
+          <p:cNvPr id="6" name="Espace réservé du numéro de diapositive 5">
+            <a:extLst>
+              <a:ext uri="{FF2B5EF4-FFF2-40B4-BE49-F238E27FC236}">
+                <a16:creationId xmlns:a16="http://schemas.microsoft.com/office/drawing/2014/main" id="{57613195-F0D7-7C30-23B0-DC5C1184C6D1}"/>
+              </a:ext>
+            </a:extLst>
+          </p:cNvPr>
+          <p:cNvSpPr>
+            <a:spLocks noGrp="1"/>
+          </p:cNvSpPr>
+          <p:nvPr>
+            <p:ph type="sldNum" sz="quarter" idx="4"/>
+          </p:nvPr>
+        </p:nvSpPr>
+        <p:spPr>
+          <a:xfrm>
+            <a:off x="6457950" y="6356351"/>
+            <a:ext cx="2057400" cy="365125"/>
+          </a:xfrm>
+          <a:prstGeom prst="rect">
+            <a:avLst/>
+          </a:prstGeom>
+        </p:spPr>
+        <p:txBody>
+          <a:bodyPr vert="horz" lIns="91440" tIns="45720" rIns="91440" bIns="45720" rtlCol="0" anchor="ctr"/>
+          <a:lstStyle>
+            <a:lvl1pPr algn="r">
+              <a:defRPr sz="900">
+                <a:solidFill>
+                  <a:schemeClr val="tx1">
+                    <a:tint val="82000"/>
+                  </a:schemeClr>
+                </a:solidFill>
+              </a:defRPr>
+            </a:lvl1pPr>
+          </a:lstStyle>
+          <a:p>
+            <a:fld id="{05140462-0667-4258-8DD6-DC1FD194F4F6}" type="slidenum">
+              <a:rPr lang="fr-FR" smtClean="0"/>
+              <a:pPr/>
+              <a:t>‹N°›</a:t>
+            </a:fld>
+            <a:endParaRPr lang="fr-FR"/>
+          </a:p>
+        </p:txBody>
+      </p:sp>
+    </p:spTree>
+    <p:extLst>
+      <p:ext uri="{BB962C8B-B14F-4D97-AF65-F5344CB8AC3E}">
+        <p14:creationId xmlns:p14="http://schemas.microsoft.com/office/powerpoint/2010/main" val="497895925"/>
+      </p:ext>
+    </p:extLst>
+  </p:cSld>
+  <p:clrMap bg1="lt1" tx1="dk1" bg2="lt2" tx2="dk2" accent1="accent1" accent2="accent2" accent3="accent3" accent4="accent4" accent5="accent5" accent6="accent6" hlink="hlink" folHlink="folHlink"/>
+  <p:sldLayoutIdLst>
+    <p:sldLayoutId id="2147485713" r:id="rId1"/>
+    <p:sldLayoutId id="2147485714" r:id="rId2"/>
+    <p:sldLayoutId id="2147485715" r:id="rId3"/>
+    <p:sldLayoutId id="2147485716" r:id="rId4"/>
+    <p:sldLayoutId id="2147485717" r:id="rId5"/>
+    <p:sldLayoutId id="2147485718" r:id="rId6"/>
+    <p:sldLayoutId id="2147485719" r:id="rId7"/>
+    <p:sldLayoutId id="2147485720" r:id="rId8"/>
+    <p:sldLayoutId id="2147485721" r:id="rId9"/>
+    <p:sldLayoutId id="2147485722" r:id="rId10"/>
+    <p:sldLayoutId id="2147485723" r:id="rId11"/>
+    <p:sldLayoutId id="2147485724" r:id="rId12"/>
+  </p:sldLayoutIdLst>
+  <p:transition>
+    <p:fade/>
+  </p:transition>
+  <p:hf hdr="0" ftr="0" dt="0"/>
+  <p:txStyles>
+    <p:titleStyle>
+      <a:lvl1pPr algn="l" defTabSz="685800" rtl="0" eaLnBrk="1" latinLnBrk="0" hangingPunct="1">
+        <a:lnSpc>
+          <a:spcPct val="90000"/>
+        </a:lnSpc>
+        <a:spcBef>
+          <a:spcPct val="0"/>
+        </a:spcBef>
+        <a:buNone/>
+        <a:defRPr sz="3300" kern="1200">
+          <a:solidFill>
+            <a:schemeClr val="tx1"/>
+          </a:solidFill>
+          <a:latin typeface="+mj-lt"/>
+          <a:ea typeface="+mj-ea"/>
+          <a:cs typeface="+mj-cs"/>
+        </a:defRPr>
+      </a:lvl1pPr>
+    </p:titleStyle>
+    <p:bodyStyle>
+      <a:lvl1pPr marL="171450" indent="-171450" algn="l" defTabSz="685800" rtl="0" eaLnBrk="1" latinLnBrk="0" hangingPunct="1">
+        <a:lnSpc>
+          <a:spcPct val="90000"/>
+        </a:lnSpc>
+        <a:spcBef>
+          <a:spcPts val="750"/>
+        </a:spcBef>
+        <a:buFont typeface="Arial" panose="020B0604020202020204" pitchFamily="34" charset="0"/>
+        <a:buChar char="•"/>
+        <a:defRPr sz="2100" kern="1200">
+          <a:solidFill>
+            <a:schemeClr val="tx1"/>
+          </a:solidFill>
+          <a:latin typeface="+mn-lt"/>
+          <a:ea typeface="+mn-ea"/>
+          <a:cs typeface="+mn-cs"/>
+        </a:defRPr>
+      </a:lvl1pPr>
+      <a:lvl2pPr marL="514350" indent="-171450" algn="l" defTabSz="685800" rtl="0" eaLnBrk="1" latinLnBrk="0" hangingPunct="1">
+        <a:lnSpc>
+          <a:spcPct val="90000"/>
+        </a:lnSpc>
+        <a:spcBef>
+          <a:spcPts val="375"/>
+        </a:spcBef>
+        <a:buFont typeface="Arial" panose="020B0604020202020204" pitchFamily="34" charset="0"/>
+        <a:buChar char="•"/>
+        <a:defRPr sz="1800" kern="1200">
+          <a:solidFill>
+            <a:schemeClr val="tx1"/>
+          </a:solidFill>
+          <a:latin typeface="+mn-lt"/>
+          <a:ea typeface="+mn-ea"/>
+          <a:cs typeface="+mn-cs"/>
+        </a:defRPr>
+      </a:lvl2pPr>
+      <a:lvl3pPr marL="857250" indent="-171450" algn="l" defTabSz="685800" rtl="0" eaLnBrk="1" latinLnBrk="0" hangingPunct="1">
+        <a:lnSpc>
+          <a:spcPct val="90000"/>
+        </a:lnSpc>
+        <a:spcBef>
+          <a:spcPts val="375"/>
+        </a:spcBef>
+        <a:buFont typeface="Arial" panose="020B0604020202020204" pitchFamily="34" charset="0"/>
+        <a:buChar char="•"/>
+        <a:defRPr sz="1500" kern="1200">
+          <a:solidFill>
+            <a:schemeClr val="tx1"/>
+          </a:solidFill>
+          <a:latin typeface="+mn-lt"/>
+          <a:ea typeface="+mn-ea"/>
+          <a:cs typeface="+mn-cs"/>
+        </a:defRPr>
+      </a:lvl3pPr>
+      <a:lvl4pPr marL="1200150" indent="-171450" algn="l" defTabSz="685800" rtl="0" eaLnBrk="1" latinLnBrk="0" hangingPunct="1">
+        <a:lnSpc>
+          <a:spcPct val="90000"/>
+        </a:lnSpc>
+        <a:spcBef>
+          <a:spcPts val="375"/>
+        </a:spcBef>
+        <a:buFont typeface="Arial" panose="020B0604020202020204" pitchFamily="34" charset="0"/>
+        <a:buChar char="•"/>
+        <a:defRPr sz="1350" kern="1200">
+          <a:solidFill>
+            <a:schemeClr val="tx1"/>
+          </a:solidFill>
+          <a:latin typeface="+mn-lt"/>
+          <a:ea typeface="+mn-ea"/>
+          <a:cs typeface="+mn-cs"/>
+        </a:defRPr>
+      </a:lvl4pPr>
+      <a:lvl5pPr marL="1543050" indent="-171450" algn="l" defTabSz="685800" rtl="0" eaLnBrk="1" latinLnBrk="0" hangingPunct="1">
+        <a:lnSpc>
+          <a:spcPct val="90000"/>
+        </a:lnSpc>
+        <a:spcBef>
+          <a:spcPts val="375"/>
+        </a:spcBef>
+        <a:buFont typeface="Arial" panose="020B0604020202020204" pitchFamily="34" charset="0"/>
+        <a:buChar char="•"/>
+        <a:defRPr sz="1350" kern="1200">
+          <a:solidFill>
+            <a:schemeClr val="tx1"/>
+          </a:solidFill>
+          <a:latin typeface="+mn-lt"/>
+          <a:ea typeface="+mn-ea"/>
+          <a:cs typeface="+mn-cs"/>
+        </a:defRPr>
+      </a:lvl5pPr>
+      <a:lvl6pPr marL="1885950" indent="-171450" algn="l" defTabSz="685800" rtl="0" eaLnBrk="1" latinLnBrk="0" hangingPunct="1">
+        <a:lnSpc>
+          <a:spcPct val="90000"/>
+        </a:lnSpc>
+        <a:spcBef>
+          <a:spcPts val="375"/>
+        </a:spcBef>
+        <a:buFont typeface="Arial" panose="020B0604020202020204" pitchFamily="34" charset="0"/>
+        <a:buChar char="•"/>
+        <a:defRPr sz="1350" kern="1200">
+          <a:solidFill>
+            <a:schemeClr val="tx1"/>
+          </a:solidFill>
+          <a:latin typeface="+mn-lt"/>
+          <a:ea typeface="+mn-ea"/>
+          <a:cs typeface="+mn-cs"/>
+        </a:defRPr>
+      </a:lvl6pPr>
+      <a:lvl7pPr marL="2228850" indent="-171450" algn="l" defTabSz="685800" rtl="0" eaLnBrk="1" latinLnBrk="0" hangingPunct="1">
+        <a:lnSpc>
+          <a:spcPct val="90000"/>
+        </a:lnSpc>
+        <a:spcBef>
+          <a:spcPts val="375"/>
+        </a:spcBef>
+        <a:buFont typeface="Arial" panose="020B0604020202020204" pitchFamily="34" charset="0"/>
+        <a:buChar char="•"/>
+        <a:defRPr sz="1350" kern="1200">
+          <a:solidFill>
+            <a:schemeClr val="tx1"/>
+          </a:solidFill>
+          <a:latin typeface="+mn-lt"/>
+          <a:ea typeface="+mn-ea"/>
+          <a:cs typeface="+mn-cs"/>
+        </a:defRPr>
+      </a:lvl7pPr>
+      <a:lvl8pPr marL="2571750" indent="-171450" algn="l" defTabSz="685800" rtl="0" eaLnBrk="1" latinLnBrk="0" hangingPunct="1">
+        <a:lnSpc>
+          <a:spcPct val="90000"/>
+        </a:lnSpc>
+        <a:spcBef>
+          <a:spcPts val="375"/>
+        </a:spcBef>
+        <a:buFont typeface="Arial" panose="020B0604020202020204" pitchFamily="34" charset="0"/>
+        <a:buChar char="•"/>
+        <a:defRPr sz="1350" kern="1200">
+          <a:solidFill>
+            <a:schemeClr val="tx1"/>
+          </a:solidFill>
+          <a:latin typeface="+mn-lt"/>
+          <a:ea typeface="+mn-ea"/>
+          <a:cs typeface="+mn-cs"/>
+        </a:defRPr>
+      </a:lvl8pPr>
+      <a:lvl9pPr marL="2914650" indent="-171450" algn="l" defTabSz="685800" rtl="0" eaLnBrk="1" latinLnBrk="0" hangingPunct="1">
+        <a:lnSpc>
+          <a:spcPct val="90000"/>
+        </a:lnSpc>
+        <a:spcBef>
+          <a:spcPts val="375"/>
+        </a:spcBef>
+        <a:buFont typeface="Arial" panose="020B0604020202020204" pitchFamily="34" charset="0"/>
+        <a:buChar char="•"/>
+        <a:defRPr sz="1350" kern="1200">
+          <a:solidFill>
+            <a:schemeClr val="tx1"/>
+          </a:solidFill>
+          <a:latin typeface="+mn-lt"/>
+          <a:ea typeface="+mn-ea"/>
+          <a:cs typeface="+mn-cs"/>
+        </a:defRPr>
+      </a:lvl9pPr>
+    </p:bodyStyle>
+    <p:otherStyle>
+      <a:defPPr>
+        <a:defRPr lang="fr-FR"/>
+      </a:defPPr>
+      <a:lvl1pPr marL="0" algn="l" defTabSz="685800" rtl="0" eaLnBrk="1" latinLnBrk="0" hangingPunct="1">
+        <a:defRPr sz="1350" kern="1200">
+          <a:solidFill>
+            <a:schemeClr val="tx1"/>
+          </a:solidFill>
+          <a:latin typeface="+mn-lt"/>
+          <a:ea typeface="+mn-ea"/>
+          <a:cs typeface="+mn-cs"/>
+        </a:defRPr>
+      </a:lvl1pPr>
+      <a:lvl2pPr marL="342900" algn="l" defTabSz="685800" rtl="0" eaLnBrk="1" latinLnBrk="0" hangingPunct="1">
+        <a:defRPr sz="1350" kern="1200">
+          <a:solidFill>
+            <a:schemeClr val="tx1"/>
+          </a:solidFill>
+          <a:latin typeface="+mn-lt"/>
+          <a:ea typeface="+mn-ea"/>
+          <a:cs typeface="+mn-cs"/>
+        </a:defRPr>
+      </a:lvl2pPr>
+      <a:lvl3pPr marL="685800" algn="l" defTabSz="685800" rtl="0" eaLnBrk="1" latinLnBrk="0" hangingPunct="1">
+        <a:defRPr sz="1350" kern="1200">
+          <a:solidFill>
+            <a:schemeClr val="tx1"/>
+          </a:solidFill>
+          <a:latin typeface="+mn-lt"/>
+          <a:ea typeface="+mn-ea"/>
+          <a:cs typeface="+mn-cs"/>
+        </a:defRPr>
+      </a:lvl3pPr>
+      <a:lvl4pPr marL="1028700" algn="l" defTabSz="685800" rtl="0" eaLnBrk="1" latinLnBrk="0" hangingPunct="1">
+        <a:defRPr sz="1350" kern="1200">
+          <a:solidFill>
+            <a:schemeClr val="tx1"/>
+          </a:solidFill>
+          <a:latin typeface="+mn-lt"/>
+          <a:ea typeface="+mn-ea"/>
+          <a:cs typeface="+mn-cs"/>
+        </a:defRPr>
+      </a:lvl4pPr>
+      <a:lvl5pPr marL="1371600" algn="l" defTabSz="685800" rtl="0" eaLnBrk="1" latinLnBrk="0" hangingPunct="1">
+        <a:defRPr sz="1350" kern="1200">
+          <a:solidFill>
+            <a:schemeClr val="tx1"/>
+          </a:solidFill>
+          <a:latin typeface="+mn-lt"/>
+          <a:ea typeface="+mn-ea"/>
+          <a:cs typeface="+mn-cs"/>
+        </a:defRPr>
+      </a:lvl5pPr>
+      <a:lvl6pPr marL="1714500" algn="l" defTabSz="685800" rtl="0" eaLnBrk="1" latinLnBrk="0" hangingPunct="1">
+        <a:defRPr sz="1350" kern="1200">
+          <a:solidFill>
+            <a:schemeClr val="tx1"/>
+          </a:solidFill>
+          <a:latin typeface="+mn-lt"/>
+          <a:ea typeface="+mn-ea"/>
+          <a:cs typeface="+mn-cs"/>
+        </a:defRPr>
+      </a:lvl6pPr>
+      <a:lvl7pPr marL="2057400" algn="l" defTabSz="685800" rtl="0" eaLnBrk="1" latinLnBrk="0" hangingPunct="1">
+        <a:defRPr sz="1350" kern="1200">
+          <a:solidFill>
+            <a:schemeClr val="tx1"/>
+          </a:solidFill>
+          <a:latin typeface="+mn-lt"/>
+          <a:ea typeface="+mn-ea"/>
+          <a:cs typeface="+mn-cs"/>
+        </a:defRPr>
+      </a:lvl7pPr>
+      <a:lvl8pPr marL="2400300" algn="l" defTabSz="685800" rtl="0" eaLnBrk="1" latinLnBrk="0" hangingPunct="1">
+        <a:defRPr sz="1350" kern="1200">
+          <a:solidFill>
+            <a:schemeClr val="tx1"/>
+          </a:solidFill>
+          <a:latin typeface="+mn-lt"/>
+          <a:ea typeface="+mn-ea"/>
+          <a:cs typeface="+mn-cs"/>
+        </a:defRPr>
+      </a:lvl8pPr>
+      <a:lvl9pPr marL="2743200" algn="l" defTabSz="685800" rtl="0" eaLnBrk="1" latinLnBrk="0" hangingPunct="1">
+        <a:defRPr sz="1350" kern="1200">
+          <a:solidFill>
+            <a:schemeClr val="tx1"/>
+          </a:solidFill>
+          <a:latin typeface="+mn-lt"/>
+          <a:ea typeface="+mn-ea"/>
+          <a:cs typeface="+mn-cs"/>
+        </a:defRPr>
+      </a:lvl9pPr>
+    </p:otherStyle>
+  </p:txStyles>
+</p:sldMaster>
+</file>
+
 <file path=ppt/slides/slide1.xml><?xml version="1.0" encoding="utf-8"?>
 <p:sld xmlns:a="http://schemas.openxmlformats.org/drawingml/2006/main" xmlns:r="http://schemas.openxmlformats.org/officeDocument/2006/relationships" xmlns:p="http://schemas.openxmlformats.org/presentationml/2006/main">
   <p:cSld>
@@ -23397,36 +26950,1034 @@
       </p:grpSpPr>
       <p:sp>
         <p:nvSpPr>
-          <p:cNvPr id="2" name="Titre 1"/>
-          <p:cNvSpPr>
-            <a:spLocks noGrp="1"/>
+          <p:cNvPr id="2" name="Text Placeholder 4">
+            <a:extLst>
+              <a:ext uri="{FF2B5EF4-FFF2-40B4-BE49-F238E27FC236}">
+                <a16:creationId xmlns:a16="http://schemas.microsoft.com/office/drawing/2014/main" id="{08376E05-2A13-1449-BCDB-96D673163CD3}"/>
+              </a:ext>
+            </a:extLst>
+          </p:cNvPr>
+          <p:cNvSpPr txBox="1">
+            <a:spLocks/>
           </p:cNvSpPr>
-          <p:nvPr>
-            <p:ph type="title"/>
-          </p:nvPr>
+          <p:nvPr/>
         </p:nvSpPr>
-        <p:spPr/>
+        <p:spPr>
+          <a:xfrm>
+            <a:off x="481233" y="1307803"/>
+            <a:ext cx="7431034" cy="382227"/>
+          </a:xfrm>
+          <a:prstGeom prst="rect">
+            <a:avLst/>
+          </a:prstGeom>
+        </p:spPr>
         <p:txBody>
-          <a:bodyPr>
-            <a:normAutofit/>
-          </a:bodyPr>
-          <a:lstStyle/>
+          <a:bodyPr/>
+          <a:lstStyle>
+            <a:lvl1pPr marL="0" indent="0" algn="l" defTabSz="914400" rtl="0" eaLnBrk="1" latinLnBrk="0" hangingPunct="1">
+              <a:lnSpc>
+                <a:spcPct val="90000"/>
+              </a:lnSpc>
+              <a:spcBef>
+                <a:spcPts val="1000"/>
+              </a:spcBef>
+              <a:buFont typeface="Arial" panose="020B0604020202020204" pitchFamily="34" charset="0"/>
+              <a:buNone/>
+              <a:defRPr sz="3000" b="1" i="0" kern="1200">
+                <a:solidFill>
+                  <a:schemeClr val="tx1"/>
+                </a:solidFill>
+                <a:latin typeface="Arial" panose="020B0604020202020204" pitchFamily="34" charset="0"/>
+                <a:ea typeface="Inter Semi Bold" panose="020B0502030000000004" pitchFamily="34" charset="0"/>
+                <a:cs typeface="Arial" panose="020B0604020202020204" pitchFamily="34" charset="0"/>
+              </a:defRPr>
+            </a:lvl1pPr>
+            <a:lvl2pPr marL="685800" indent="-228600" algn="l" defTabSz="914400" rtl="0" eaLnBrk="1" latinLnBrk="0" hangingPunct="1">
+              <a:lnSpc>
+                <a:spcPct val="90000"/>
+              </a:lnSpc>
+              <a:spcBef>
+                <a:spcPts val="500"/>
+              </a:spcBef>
+              <a:buFont typeface="Arial" panose="020B0604020202020204" pitchFamily="34" charset="0"/>
+              <a:buChar char="•"/>
+              <a:defRPr sz="2400" kern="1200">
+                <a:solidFill>
+                  <a:schemeClr val="bg1"/>
+                </a:solidFill>
+                <a:latin typeface="+mn-lt"/>
+                <a:ea typeface="+mn-ea"/>
+                <a:cs typeface="+mn-cs"/>
+              </a:defRPr>
+            </a:lvl2pPr>
+            <a:lvl3pPr marL="1143000" indent="-228600" algn="l" defTabSz="914400" rtl="0" eaLnBrk="1" latinLnBrk="0" hangingPunct="1">
+              <a:lnSpc>
+                <a:spcPct val="90000"/>
+              </a:lnSpc>
+              <a:spcBef>
+                <a:spcPts val="500"/>
+              </a:spcBef>
+              <a:buFont typeface="Arial" panose="020B0604020202020204" pitchFamily="34" charset="0"/>
+              <a:buChar char="•"/>
+              <a:defRPr sz="2000" kern="1200">
+                <a:solidFill>
+                  <a:schemeClr val="bg1"/>
+                </a:solidFill>
+                <a:latin typeface="+mn-lt"/>
+                <a:ea typeface="+mn-ea"/>
+                <a:cs typeface="+mn-cs"/>
+              </a:defRPr>
+            </a:lvl3pPr>
+            <a:lvl4pPr marL="1600200" indent="-228600" algn="l" defTabSz="914400" rtl="0" eaLnBrk="1" latinLnBrk="0" hangingPunct="1">
+              <a:lnSpc>
+                <a:spcPct val="90000"/>
+              </a:lnSpc>
+              <a:spcBef>
+                <a:spcPts val="500"/>
+              </a:spcBef>
+              <a:buFont typeface="Arial" panose="020B0604020202020204" pitchFamily="34" charset="0"/>
+              <a:buChar char="•"/>
+              <a:defRPr sz="1800" kern="1200">
+                <a:solidFill>
+                  <a:schemeClr val="bg1"/>
+                </a:solidFill>
+                <a:latin typeface="+mn-lt"/>
+                <a:ea typeface="+mn-ea"/>
+                <a:cs typeface="+mn-cs"/>
+              </a:defRPr>
+            </a:lvl4pPr>
+            <a:lvl5pPr marL="2057400" indent="-228600" algn="l" defTabSz="914400" rtl="0" eaLnBrk="1" latinLnBrk="0" hangingPunct="1">
+              <a:lnSpc>
+                <a:spcPct val="90000"/>
+              </a:lnSpc>
+              <a:spcBef>
+                <a:spcPts val="500"/>
+              </a:spcBef>
+              <a:buFont typeface="Arial" panose="020B0604020202020204" pitchFamily="34" charset="0"/>
+              <a:buChar char="•"/>
+              <a:defRPr sz="1800" kern="1200">
+                <a:solidFill>
+                  <a:schemeClr val="bg1"/>
+                </a:solidFill>
+                <a:latin typeface="+mn-lt"/>
+                <a:ea typeface="+mn-ea"/>
+                <a:cs typeface="+mn-cs"/>
+              </a:defRPr>
+            </a:lvl5pPr>
+            <a:lvl6pPr marL="2514600" indent="-228600" algn="l" defTabSz="914400" rtl="0" eaLnBrk="1" latinLnBrk="0" hangingPunct="1">
+              <a:lnSpc>
+                <a:spcPct val="90000"/>
+              </a:lnSpc>
+              <a:spcBef>
+                <a:spcPts val="500"/>
+              </a:spcBef>
+              <a:buFont typeface="Arial" panose="020B0604020202020204" pitchFamily="34" charset="0"/>
+              <a:buChar char="•"/>
+              <a:defRPr sz="1800" kern="1200">
+                <a:solidFill>
+                  <a:schemeClr val="tx1"/>
+                </a:solidFill>
+                <a:latin typeface="+mn-lt"/>
+                <a:ea typeface="+mn-ea"/>
+                <a:cs typeface="+mn-cs"/>
+              </a:defRPr>
+            </a:lvl6pPr>
+            <a:lvl7pPr marL="2971800" indent="-228600" algn="l" defTabSz="914400" rtl="0" eaLnBrk="1" latinLnBrk="0" hangingPunct="1">
+              <a:lnSpc>
+                <a:spcPct val="90000"/>
+              </a:lnSpc>
+              <a:spcBef>
+                <a:spcPts val="500"/>
+              </a:spcBef>
+              <a:buFont typeface="Arial" panose="020B0604020202020204" pitchFamily="34" charset="0"/>
+              <a:buChar char="•"/>
+              <a:defRPr sz="1800" kern="1200">
+                <a:solidFill>
+                  <a:schemeClr val="tx1"/>
+                </a:solidFill>
+                <a:latin typeface="+mn-lt"/>
+                <a:ea typeface="+mn-ea"/>
+                <a:cs typeface="+mn-cs"/>
+              </a:defRPr>
+            </a:lvl7pPr>
+            <a:lvl8pPr marL="3429000" indent="-228600" algn="l" defTabSz="914400" rtl="0" eaLnBrk="1" latinLnBrk="0" hangingPunct="1">
+              <a:lnSpc>
+                <a:spcPct val="90000"/>
+              </a:lnSpc>
+              <a:spcBef>
+                <a:spcPts val="500"/>
+              </a:spcBef>
+              <a:buFont typeface="Arial" panose="020B0604020202020204" pitchFamily="34" charset="0"/>
+              <a:buChar char="•"/>
+              <a:defRPr sz="1800" kern="1200">
+                <a:solidFill>
+                  <a:schemeClr val="tx1"/>
+                </a:solidFill>
+                <a:latin typeface="+mn-lt"/>
+                <a:ea typeface="+mn-ea"/>
+                <a:cs typeface="+mn-cs"/>
+              </a:defRPr>
+            </a:lvl8pPr>
+            <a:lvl9pPr marL="3886200" indent="-228600" algn="l" defTabSz="914400" rtl="0" eaLnBrk="1" latinLnBrk="0" hangingPunct="1">
+              <a:lnSpc>
+                <a:spcPct val="90000"/>
+              </a:lnSpc>
+              <a:spcBef>
+                <a:spcPts val="500"/>
+              </a:spcBef>
+              <a:buFont typeface="Arial" panose="020B0604020202020204" pitchFamily="34" charset="0"/>
+              <a:buChar char="•"/>
+              <a:defRPr sz="1800" kern="1200">
+                <a:solidFill>
+                  <a:schemeClr val="tx1"/>
+                </a:solidFill>
+                <a:latin typeface="+mn-lt"/>
+                <a:ea typeface="+mn-ea"/>
+                <a:cs typeface="+mn-cs"/>
+              </a:defRPr>
+            </a:lvl9pPr>
+          </a:lstStyle>
+          <a:p>
+            <a:endParaRPr lang="en-US" sz="2250" dirty="0"/>
+          </a:p>
+        </p:txBody>
+      </p:sp>
+      <p:sp>
+        <p:nvSpPr>
+          <p:cNvPr id="3" name="Text Placeholder 2">
+            <a:extLst>
+              <a:ext uri="{FF2B5EF4-FFF2-40B4-BE49-F238E27FC236}">
+                <a16:creationId xmlns:a16="http://schemas.microsoft.com/office/drawing/2014/main" id="{47C075AA-96A4-2F4E-9533-A5705D612E3E}"/>
+              </a:ext>
+            </a:extLst>
+          </p:cNvPr>
+          <p:cNvSpPr txBox="1">
+            <a:spLocks/>
+          </p:cNvSpPr>
+          <p:nvPr/>
+        </p:nvSpPr>
+        <p:spPr>
+          <a:xfrm rot="16200000">
+            <a:off x="7054771" y="3137256"/>
+            <a:ext cx="3298428" cy="880037"/>
+          </a:xfrm>
+          <a:prstGeom prst="rect">
+            <a:avLst/>
+          </a:prstGeom>
+        </p:spPr>
+        <p:txBody>
+          <a:bodyPr anchor="ctr"/>
+          <a:lstStyle>
+            <a:lvl1pPr marL="0" indent="0" algn="l" defTabSz="914400" rtl="0" eaLnBrk="1" latinLnBrk="0" hangingPunct="1">
+              <a:lnSpc>
+                <a:spcPct val="130000"/>
+              </a:lnSpc>
+              <a:spcBef>
+                <a:spcPts val="0"/>
+              </a:spcBef>
+              <a:buFont typeface="Arial" panose="020B0604020202020204" pitchFamily="34" charset="0"/>
+              <a:buNone/>
+              <a:defRPr sz="1300" b="1" i="0" kern="1200">
+                <a:solidFill>
+                  <a:schemeClr val="tx1"/>
+                </a:solidFill>
+                <a:latin typeface="Arial" panose="020B0604020202020204" pitchFamily="34" charset="0"/>
+                <a:ea typeface="Inter Medium" panose="020B0502030000000004" pitchFamily="34" charset="0"/>
+                <a:cs typeface="Arial" panose="020B0604020202020204" pitchFamily="34" charset="0"/>
+              </a:defRPr>
+            </a:lvl1pPr>
+            <a:lvl2pPr marL="457200" indent="0" algn="l" defTabSz="914400" rtl="0" eaLnBrk="1" latinLnBrk="0" hangingPunct="1">
+              <a:lnSpc>
+                <a:spcPct val="90000"/>
+              </a:lnSpc>
+              <a:spcBef>
+                <a:spcPts val="500"/>
+              </a:spcBef>
+              <a:buFont typeface="Arial" panose="020B0604020202020204" pitchFamily="34" charset="0"/>
+              <a:buNone/>
+              <a:defRPr sz="1500" b="0" i="0" kern="1200">
+                <a:solidFill>
+                  <a:schemeClr val="bg1"/>
+                </a:solidFill>
+                <a:latin typeface="Inter Medium" panose="020B0502030000000004" pitchFamily="34" charset="0"/>
+                <a:ea typeface="Inter Medium" panose="020B0502030000000004" pitchFamily="34" charset="0"/>
+                <a:cs typeface="Inter Medium" panose="020B0502030000000004" pitchFamily="34" charset="0"/>
+              </a:defRPr>
+            </a:lvl2pPr>
+            <a:lvl3pPr marL="914400" indent="0" algn="l" defTabSz="914400" rtl="0" eaLnBrk="1" latinLnBrk="0" hangingPunct="1">
+              <a:lnSpc>
+                <a:spcPct val="90000"/>
+              </a:lnSpc>
+              <a:spcBef>
+                <a:spcPts val="500"/>
+              </a:spcBef>
+              <a:buFont typeface="Arial" panose="020B0604020202020204" pitchFamily="34" charset="0"/>
+              <a:buNone/>
+              <a:defRPr sz="1500" b="0" i="0" kern="1200">
+                <a:solidFill>
+                  <a:schemeClr val="bg1"/>
+                </a:solidFill>
+                <a:latin typeface="Inter Medium" panose="020B0502030000000004" pitchFamily="34" charset="0"/>
+                <a:ea typeface="Inter Medium" panose="020B0502030000000004" pitchFamily="34" charset="0"/>
+                <a:cs typeface="Inter Medium" panose="020B0502030000000004" pitchFamily="34" charset="0"/>
+              </a:defRPr>
+            </a:lvl3pPr>
+            <a:lvl4pPr marL="1371600" indent="0" algn="l" defTabSz="914400" rtl="0" eaLnBrk="1" latinLnBrk="0" hangingPunct="1">
+              <a:lnSpc>
+                <a:spcPct val="90000"/>
+              </a:lnSpc>
+              <a:spcBef>
+                <a:spcPts val="500"/>
+              </a:spcBef>
+              <a:buFont typeface="Arial" panose="020B0604020202020204" pitchFamily="34" charset="0"/>
+              <a:buNone/>
+              <a:defRPr sz="1500" b="0" i="0" kern="1200">
+                <a:solidFill>
+                  <a:schemeClr val="bg1"/>
+                </a:solidFill>
+                <a:latin typeface="Inter Medium" panose="020B0502030000000004" pitchFamily="34" charset="0"/>
+                <a:ea typeface="Inter Medium" panose="020B0502030000000004" pitchFamily="34" charset="0"/>
+                <a:cs typeface="Inter Medium" panose="020B0502030000000004" pitchFamily="34" charset="0"/>
+              </a:defRPr>
+            </a:lvl4pPr>
+            <a:lvl5pPr marL="1828800" indent="0" algn="l" defTabSz="914400" rtl="0" eaLnBrk="1" latinLnBrk="0" hangingPunct="1">
+              <a:lnSpc>
+                <a:spcPct val="90000"/>
+              </a:lnSpc>
+              <a:spcBef>
+                <a:spcPts val="500"/>
+              </a:spcBef>
+              <a:buFont typeface="Arial" panose="020B0604020202020204" pitchFamily="34" charset="0"/>
+              <a:buNone/>
+              <a:defRPr sz="1500" b="0" i="0" kern="1200">
+                <a:solidFill>
+                  <a:schemeClr val="bg1"/>
+                </a:solidFill>
+                <a:latin typeface="Inter Medium" panose="020B0502030000000004" pitchFamily="34" charset="0"/>
+                <a:ea typeface="Inter Medium" panose="020B0502030000000004" pitchFamily="34" charset="0"/>
+                <a:cs typeface="Inter Medium" panose="020B0502030000000004" pitchFamily="34" charset="0"/>
+              </a:defRPr>
+            </a:lvl5pPr>
+            <a:lvl6pPr marL="2514600" indent="-228600" algn="l" defTabSz="914400" rtl="0" eaLnBrk="1" latinLnBrk="0" hangingPunct="1">
+              <a:lnSpc>
+                <a:spcPct val="90000"/>
+              </a:lnSpc>
+              <a:spcBef>
+                <a:spcPts val="500"/>
+              </a:spcBef>
+              <a:buFont typeface="Arial" panose="020B0604020202020204" pitchFamily="34" charset="0"/>
+              <a:buChar char="•"/>
+              <a:defRPr sz="1800" kern="1200">
+                <a:solidFill>
+                  <a:schemeClr val="tx1"/>
+                </a:solidFill>
+                <a:latin typeface="+mn-lt"/>
+                <a:ea typeface="+mn-ea"/>
+                <a:cs typeface="+mn-cs"/>
+              </a:defRPr>
+            </a:lvl6pPr>
+            <a:lvl7pPr marL="2971800" indent="-228600" algn="l" defTabSz="914400" rtl="0" eaLnBrk="1" latinLnBrk="0" hangingPunct="1">
+              <a:lnSpc>
+                <a:spcPct val="90000"/>
+              </a:lnSpc>
+              <a:spcBef>
+                <a:spcPts val="500"/>
+              </a:spcBef>
+              <a:buFont typeface="Arial" panose="020B0604020202020204" pitchFamily="34" charset="0"/>
+              <a:buChar char="•"/>
+              <a:defRPr sz="1800" kern="1200">
+                <a:solidFill>
+                  <a:schemeClr val="tx1"/>
+                </a:solidFill>
+                <a:latin typeface="+mn-lt"/>
+                <a:ea typeface="+mn-ea"/>
+                <a:cs typeface="+mn-cs"/>
+              </a:defRPr>
+            </a:lvl7pPr>
+            <a:lvl8pPr marL="3429000" indent="-228600" algn="l" defTabSz="914400" rtl="0" eaLnBrk="1" latinLnBrk="0" hangingPunct="1">
+              <a:lnSpc>
+                <a:spcPct val="90000"/>
+              </a:lnSpc>
+              <a:spcBef>
+                <a:spcPts val="500"/>
+              </a:spcBef>
+              <a:buFont typeface="Arial" panose="020B0604020202020204" pitchFamily="34" charset="0"/>
+              <a:buChar char="•"/>
+              <a:defRPr sz="1800" kern="1200">
+                <a:solidFill>
+                  <a:schemeClr val="tx1"/>
+                </a:solidFill>
+                <a:latin typeface="+mn-lt"/>
+                <a:ea typeface="+mn-ea"/>
+                <a:cs typeface="+mn-cs"/>
+              </a:defRPr>
+            </a:lvl8pPr>
+            <a:lvl9pPr marL="3886200" indent="-228600" algn="l" defTabSz="914400" rtl="0" eaLnBrk="1" latinLnBrk="0" hangingPunct="1">
+              <a:lnSpc>
+                <a:spcPct val="90000"/>
+              </a:lnSpc>
+              <a:spcBef>
+                <a:spcPts val="500"/>
+              </a:spcBef>
+              <a:buFont typeface="Arial" panose="020B0604020202020204" pitchFamily="34" charset="0"/>
+              <a:buChar char="•"/>
+              <a:defRPr sz="1800" kern="1200">
+                <a:solidFill>
+                  <a:schemeClr val="tx1"/>
+                </a:solidFill>
+                <a:latin typeface="+mn-lt"/>
+                <a:ea typeface="+mn-ea"/>
+                <a:cs typeface="+mn-cs"/>
+              </a:defRPr>
+            </a:lvl9pPr>
+          </a:lstStyle>
           <a:p>
             <a:r>
-              <a:rPr lang="en-GB" noProof="0" dirty="0"/>
+              <a:rPr lang="en-GB" sz="975"/>
+              <a:t>HUMAN SIDE OF TECHNOLOGY</a:t>
+            </a:r>
+            <a:endParaRPr lang="en-LT" sz="975" dirty="0"/>
+          </a:p>
+        </p:txBody>
+      </p:sp>
+      <p:sp>
+        <p:nvSpPr>
+          <p:cNvPr id="4" name="Text Placeholder 20">
+            <a:extLst>
+              <a:ext uri="{FF2B5EF4-FFF2-40B4-BE49-F238E27FC236}">
+                <a16:creationId xmlns:a16="http://schemas.microsoft.com/office/drawing/2014/main" id="{C6F4DA1E-07D7-3146-BF6B-FEC90A646AA5}"/>
+              </a:ext>
+            </a:extLst>
+          </p:cNvPr>
+          <p:cNvSpPr txBox="1">
+            <a:spLocks/>
+          </p:cNvSpPr>
+          <p:nvPr/>
+        </p:nvSpPr>
+        <p:spPr>
+          <a:xfrm>
+            <a:off x="479948" y="4138218"/>
+            <a:ext cx="7371159" cy="1395540"/>
+          </a:xfrm>
+          <a:prstGeom prst="rect">
+            <a:avLst/>
+          </a:prstGeom>
+        </p:spPr>
+        <p:txBody>
+          <a:bodyPr anchor="t"/>
+          <a:lstStyle>
+            <a:lvl1pPr marL="0" indent="0" algn="l" defTabSz="914400" rtl="0" eaLnBrk="1" latinLnBrk="0" hangingPunct="1">
+              <a:lnSpc>
+                <a:spcPct val="110000"/>
+              </a:lnSpc>
+              <a:spcBef>
+                <a:spcPts val="0"/>
+              </a:spcBef>
+              <a:spcAft>
+                <a:spcPts val="0"/>
+              </a:spcAft>
+              <a:buFont typeface="+mj-lt"/>
+              <a:buNone/>
+              <a:defRPr sz="1600" b="0" i="0" kern="1200">
+                <a:solidFill>
+                  <a:schemeClr val="tx1"/>
+                </a:solidFill>
+                <a:latin typeface="Arial" panose="020B0604020202020204" pitchFamily="34" charset="0"/>
+                <a:ea typeface="Inter" panose="020B0502030000000004" pitchFamily="34" charset="0"/>
+                <a:cs typeface="Arial" panose="020B0604020202020204" pitchFamily="34" charset="0"/>
+              </a:defRPr>
+            </a:lvl1pPr>
+            <a:lvl2pPr marL="685800" indent="-228600" algn="l" defTabSz="914400" rtl="0" eaLnBrk="1" latinLnBrk="0" hangingPunct="1">
+              <a:lnSpc>
+                <a:spcPct val="90000"/>
+              </a:lnSpc>
+              <a:spcBef>
+                <a:spcPts val="500"/>
+              </a:spcBef>
+              <a:buFont typeface="Arial" panose="020B0604020202020204" pitchFamily="34" charset="0"/>
+              <a:buChar char="•"/>
+              <a:defRPr sz="2400" kern="1200">
+                <a:solidFill>
+                  <a:schemeClr val="tx1"/>
+                </a:solidFill>
+                <a:latin typeface="+mn-lt"/>
+                <a:ea typeface="+mn-ea"/>
+                <a:cs typeface="+mn-cs"/>
+              </a:defRPr>
+            </a:lvl2pPr>
+            <a:lvl3pPr marL="1143000" indent="-228600" algn="l" defTabSz="914400" rtl="0" eaLnBrk="1" latinLnBrk="0" hangingPunct="1">
+              <a:lnSpc>
+                <a:spcPct val="90000"/>
+              </a:lnSpc>
+              <a:spcBef>
+                <a:spcPts val="500"/>
+              </a:spcBef>
+              <a:buFont typeface="Arial" panose="020B0604020202020204" pitchFamily="34" charset="0"/>
+              <a:buChar char="•"/>
+              <a:defRPr sz="2000" kern="1200">
+                <a:solidFill>
+                  <a:schemeClr val="tx1"/>
+                </a:solidFill>
+                <a:latin typeface="+mn-lt"/>
+                <a:ea typeface="+mn-ea"/>
+                <a:cs typeface="+mn-cs"/>
+              </a:defRPr>
+            </a:lvl3pPr>
+            <a:lvl4pPr marL="1600200" indent="-228600" algn="l" defTabSz="914400" rtl="0" eaLnBrk="1" latinLnBrk="0" hangingPunct="1">
+              <a:lnSpc>
+                <a:spcPct val="90000"/>
+              </a:lnSpc>
+              <a:spcBef>
+                <a:spcPts val="500"/>
+              </a:spcBef>
+              <a:buFont typeface="Arial" panose="020B0604020202020204" pitchFamily="34" charset="0"/>
+              <a:buChar char="•"/>
+              <a:defRPr sz="1800" kern="1200">
+                <a:solidFill>
+                  <a:schemeClr val="tx1"/>
+                </a:solidFill>
+                <a:latin typeface="+mn-lt"/>
+                <a:ea typeface="+mn-ea"/>
+                <a:cs typeface="+mn-cs"/>
+              </a:defRPr>
+            </a:lvl4pPr>
+            <a:lvl5pPr marL="2057400" indent="-228600" algn="l" defTabSz="914400" rtl="0" eaLnBrk="1" latinLnBrk="0" hangingPunct="1">
+              <a:lnSpc>
+                <a:spcPct val="90000"/>
+              </a:lnSpc>
+              <a:spcBef>
+                <a:spcPts val="500"/>
+              </a:spcBef>
+              <a:buFont typeface="Arial" panose="020B0604020202020204" pitchFamily="34" charset="0"/>
+              <a:buChar char="•"/>
+              <a:defRPr sz="1800" kern="1200">
+                <a:solidFill>
+                  <a:schemeClr val="tx1"/>
+                </a:solidFill>
+                <a:latin typeface="+mn-lt"/>
+                <a:ea typeface="+mn-ea"/>
+                <a:cs typeface="+mn-cs"/>
+              </a:defRPr>
+            </a:lvl5pPr>
+            <a:lvl6pPr marL="2514600" indent="-228600" algn="l" defTabSz="914400" rtl="0" eaLnBrk="1" latinLnBrk="0" hangingPunct="1">
+              <a:lnSpc>
+                <a:spcPct val="90000"/>
+              </a:lnSpc>
+              <a:spcBef>
+                <a:spcPts val="500"/>
+              </a:spcBef>
+              <a:buFont typeface="Arial" panose="020B0604020202020204" pitchFamily="34" charset="0"/>
+              <a:buChar char="•"/>
+              <a:defRPr sz="1800" kern="1200">
+                <a:solidFill>
+                  <a:schemeClr val="tx1"/>
+                </a:solidFill>
+                <a:latin typeface="+mn-lt"/>
+                <a:ea typeface="+mn-ea"/>
+                <a:cs typeface="+mn-cs"/>
+              </a:defRPr>
+            </a:lvl6pPr>
+            <a:lvl7pPr marL="2971800" indent="-228600" algn="l" defTabSz="914400" rtl="0" eaLnBrk="1" latinLnBrk="0" hangingPunct="1">
+              <a:lnSpc>
+                <a:spcPct val="90000"/>
+              </a:lnSpc>
+              <a:spcBef>
+                <a:spcPts val="500"/>
+              </a:spcBef>
+              <a:buFont typeface="Arial" panose="020B0604020202020204" pitchFamily="34" charset="0"/>
+              <a:buChar char="•"/>
+              <a:defRPr sz="1800" kern="1200">
+                <a:solidFill>
+                  <a:schemeClr val="tx1"/>
+                </a:solidFill>
+                <a:latin typeface="+mn-lt"/>
+                <a:ea typeface="+mn-ea"/>
+                <a:cs typeface="+mn-cs"/>
+              </a:defRPr>
+            </a:lvl7pPr>
+            <a:lvl8pPr marL="3429000" indent="-228600" algn="l" defTabSz="914400" rtl="0" eaLnBrk="1" latinLnBrk="0" hangingPunct="1">
+              <a:lnSpc>
+                <a:spcPct val="90000"/>
+              </a:lnSpc>
+              <a:spcBef>
+                <a:spcPts val="500"/>
+              </a:spcBef>
+              <a:buFont typeface="Arial" panose="020B0604020202020204" pitchFamily="34" charset="0"/>
+              <a:buChar char="•"/>
+              <a:defRPr sz="1800" kern="1200">
+                <a:solidFill>
+                  <a:schemeClr val="tx1"/>
+                </a:solidFill>
+                <a:latin typeface="+mn-lt"/>
+                <a:ea typeface="+mn-ea"/>
+                <a:cs typeface="+mn-cs"/>
+              </a:defRPr>
+            </a:lvl8pPr>
+            <a:lvl9pPr marL="3886200" indent="-228600" algn="l" defTabSz="914400" rtl="0" eaLnBrk="1" latinLnBrk="0" hangingPunct="1">
+              <a:lnSpc>
+                <a:spcPct val="90000"/>
+              </a:lnSpc>
+              <a:spcBef>
+                <a:spcPts val="500"/>
+              </a:spcBef>
+              <a:buFont typeface="Arial" panose="020B0604020202020204" pitchFamily="34" charset="0"/>
+              <a:buChar char="•"/>
+              <a:defRPr sz="1800" kern="1200">
+                <a:solidFill>
+                  <a:schemeClr val="tx1"/>
+                </a:solidFill>
+                <a:latin typeface="+mn-lt"/>
+                <a:ea typeface="+mn-ea"/>
+                <a:cs typeface="+mn-cs"/>
+              </a:defRPr>
+            </a:lvl9pPr>
+          </a:lstStyle>
+          <a:p>
+            <a:endParaRPr lang="lt-LT" sz="1200" dirty="0"/>
+          </a:p>
+        </p:txBody>
+      </p:sp>
+      <p:sp>
+        <p:nvSpPr>
+          <p:cNvPr id="5" name="Text Placeholder 20">
+            <a:extLst>
+              <a:ext uri="{FF2B5EF4-FFF2-40B4-BE49-F238E27FC236}">
+                <a16:creationId xmlns:a16="http://schemas.microsoft.com/office/drawing/2014/main" id="{95BA6FDB-CCD9-6141-B7FD-BB827E9970F1}"/>
+              </a:ext>
+            </a:extLst>
+          </p:cNvPr>
+          <p:cNvSpPr txBox="1">
+            <a:spLocks/>
+          </p:cNvSpPr>
+          <p:nvPr/>
+        </p:nvSpPr>
+        <p:spPr>
+          <a:xfrm>
+            <a:off x="482792" y="3143251"/>
+            <a:ext cx="7371159" cy="764510"/>
+          </a:xfrm>
+          <a:prstGeom prst="rect">
+            <a:avLst/>
+          </a:prstGeom>
+        </p:spPr>
+        <p:txBody>
+          <a:bodyPr anchor="b"/>
+          <a:lstStyle>
+            <a:lvl1pPr marL="0" indent="0" algn="l" defTabSz="914400" rtl="0" eaLnBrk="1" latinLnBrk="0" hangingPunct="1">
+              <a:lnSpc>
+                <a:spcPct val="110000"/>
+              </a:lnSpc>
+              <a:spcBef>
+                <a:spcPts val="0"/>
+              </a:spcBef>
+              <a:spcAft>
+                <a:spcPts val="0"/>
+              </a:spcAft>
+              <a:buFont typeface="+mj-lt"/>
+              <a:buNone/>
+              <a:defRPr sz="2200" b="1" i="0" kern="1200">
+                <a:solidFill>
+                  <a:schemeClr val="tx1"/>
+                </a:solidFill>
+                <a:latin typeface="Arial" panose="020B0604020202020204" pitchFamily="34" charset="0"/>
+                <a:ea typeface="Inter Medium" panose="020B0502030000000004" pitchFamily="34" charset="0"/>
+                <a:cs typeface="Arial" panose="020B0604020202020204" pitchFamily="34" charset="0"/>
+              </a:defRPr>
+            </a:lvl1pPr>
+            <a:lvl2pPr marL="685800" indent="-228600" algn="l" defTabSz="914400" rtl="0" eaLnBrk="1" latinLnBrk="0" hangingPunct="1">
+              <a:lnSpc>
+                <a:spcPct val="90000"/>
+              </a:lnSpc>
+              <a:spcBef>
+                <a:spcPts val="500"/>
+              </a:spcBef>
+              <a:buFont typeface="Arial" panose="020B0604020202020204" pitchFamily="34" charset="0"/>
+              <a:buChar char="•"/>
+              <a:defRPr sz="2400" kern="1200">
+                <a:solidFill>
+                  <a:schemeClr val="tx1"/>
+                </a:solidFill>
+                <a:latin typeface="+mn-lt"/>
+                <a:ea typeface="+mn-ea"/>
+                <a:cs typeface="+mn-cs"/>
+              </a:defRPr>
+            </a:lvl2pPr>
+            <a:lvl3pPr marL="1143000" indent="-228600" algn="l" defTabSz="914400" rtl="0" eaLnBrk="1" latinLnBrk="0" hangingPunct="1">
+              <a:lnSpc>
+                <a:spcPct val="90000"/>
+              </a:lnSpc>
+              <a:spcBef>
+                <a:spcPts val="500"/>
+              </a:spcBef>
+              <a:buFont typeface="Arial" panose="020B0604020202020204" pitchFamily="34" charset="0"/>
+              <a:buChar char="•"/>
+              <a:defRPr sz="2000" kern="1200">
+                <a:solidFill>
+                  <a:schemeClr val="tx1"/>
+                </a:solidFill>
+                <a:latin typeface="+mn-lt"/>
+                <a:ea typeface="+mn-ea"/>
+                <a:cs typeface="+mn-cs"/>
+              </a:defRPr>
+            </a:lvl3pPr>
+            <a:lvl4pPr marL="1600200" indent="-228600" algn="l" defTabSz="914400" rtl="0" eaLnBrk="1" latinLnBrk="0" hangingPunct="1">
+              <a:lnSpc>
+                <a:spcPct val="90000"/>
+              </a:lnSpc>
+              <a:spcBef>
+                <a:spcPts val="500"/>
+              </a:spcBef>
+              <a:buFont typeface="Arial" panose="020B0604020202020204" pitchFamily="34" charset="0"/>
+              <a:buChar char="•"/>
+              <a:defRPr sz="1800" kern="1200">
+                <a:solidFill>
+                  <a:schemeClr val="tx1"/>
+                </a:solidFill>
+                <a:latin typeface="+mn-lt"/>
+                <a:ea typeface="+mn-ea"/>
+                <a:cs typeface="+mn-cs"/>
+              </a:defRPr>
+            </a:lvl4pPr>
+            <a:lvl5pPr marL="2057400" indent="-228600" algn="l" defTabSz="914400" rtl="0" eaLnBrk="1" latinLnBrk="0" hangingPunct="1">
+              <a:lnSpc>
+                <a:spcPct val="90000"/>
+              </a:lnSpc>
+              <a:spcBef>
+                <a:spcPts val="500"/>
+              </a:spcBef>
+              <a:buFont typeface="Arial" panose="020B0604020202020204" pitchFamily="34" charset="0"/>
+              <a:buChar char="•"/>
+              <a:defRPr sz="1800" kern="1200">
+                <a:solidFill>
+                  <a:schemeClr val="tx1"/>
+                </a:solidFill>
+                <a:latin typeface="+mn-lt"/>
+                <a:ea typeface="+mn-ea"/>
+                <a:cs typeface="+mn-cs"/>
+              </a:defRPr>
+            </a:lvl5pPr>
+            <a:lvl6pPr marL="2514600" indent="-228600" algn="l" defTabSz="914400" rtl="0" eaLnBrk="1" latinLnBrk="0" hangingPunct="1">
+              <a:lnSpc>
+                <a:spcPct val="90000"/>
+              </a:lnSpc>
+              <a:spcBef>
+                <a:spcPts val="500"/>
+              </a:spcBef>
+              <a:buFont typeface="Arial" panose="020B0604020202020204" pitchFamily="34" charset="0"/>
+              <a:buChar char="•"/>
+              <a:defRPr sz="1800" kern="1200">
+                <a:solidFill>
+                  <a:schemeClr val="tx1"/>
+                </a:solidFill>
+                <a:latin typeface="+mn-lt"/>
+                <a:ea typeface="+mn-ea"/>
+                <a:cs typeface="+mn-cs"/>
+              </a:defRPr>
+            </a:lvl6pPr>
+            <a:lvl7pPr marL="2971800" indent="-228600" algn="l" defTabSz="914400" rtl="0" eaLnBrk="1" latinLnBrk="0" hangingPunct="1">
+              <a:lnSpc>
+                <a:spcPct val="90000"/>
+              </a:lnSpc>
+              <a:spcBef>
+                <a:spcPts val="500"/>
+              </a:spcBef>
+              <a:buFont typeface="Arial" panose="020B0604020202020204" pitchFamily="34" charset="0"/>
+              <a:buChar char="•"/>
+              <a:defRPr sz="1800" kern="1200">
+                <a:solidFill>
+                  <a:schemeClr val="tx1"/>
+                </a:solidFill>
+                <a:latin typeface="+mn-lt"/>
+                <a:ea typeface="+mn-ea"/>
+                <a:cs typeface="+mn-cs"/>
+              </a:defRPr>
+            </a:lvl7pPr>
+            <a:lvl8pPr marL="3429000" indent="-228600" algn="l" defTabSz="914400" rtl="0" eaLnBrk="1" latinLnBrk="0" hangingPunct="1">
+              <a:lnSpc>
+                <a:spcPct val="90000"/>
+              </a:lnSpc>
+              <a:spcBef>
+                <a:spcPts val="500"/>
+              </a:spcBef>
+              <a:buFont typeface="Arial" panose="020B0604020202020204" pitchFamily="34" charset="0"/>
+              <a:buChar char="•"/>
+              <a:defRPr sz="1800" kern="1200">
+                <a:solidFill>
+                  <a:schemeClr val="tx1"/>
+                </a:solidFill>
+                <a:latin typeface="+mn-lt"/>
+                <a:ea typeface="+mn-ea"/>
+                <a:cs typeface="+mn-cs"/>
+              </a:defRPr>
+            </a:lvl8pPr>
+            <a:lvl9pPr marL="3886200" indent="-228600" algn="l" defTabSz="914400" rtl="0" eaLnBrk="1" latinLnBrk="0" hangingPunct="1">
+              <a:lnSpc>
+                <a:spcPct val="90000"/>
+              </a:lnSpc>
+              <a:spcBef>
+                <a:spcPts val="500"/>
+              </a:spcBef>
+              <a:buFont typeface="Arial" panose="020B0604020202020204" pitchFamily="34" charset="0"/>
+              <a:buChar char="•"/>
+              <a:defRPr sz="1800" kern="1200">
+                <a:solidFill>
+                  <a:schemeClr val="tx1"/>
+                </a:solidFill>
+                <a:latin typeface="+mn-lt"/>
+                <a:ea typeface="+mn-ea"/>
+                <a:cs typeface="+mn-cs"/>
+              </a:defRPr>
+            </a:lvl9pPr>
+          </a:lstStyle>
+          <a:p>
+            <a:r>
+              <a:rPr lang="en-GB" sz="4800" noProof="0" dirty="0"/>
               <a:t>Component Maintenance</a:t>
             </a:r>
+            <a:endParaRPr lang="lt-LT" sz="4800" dirty="0"/>
+          </a:p>
+        </p:txBody>
+      </p:sp>
+      <p:pic>
+        <p:nvPicPr>
+          <p:cNvPr id="6" name="Picture 5">
+            <a:extLst>
+              <a:ext uri="{FF2B5EF4-FFF2-40B4-BE49-F238E27FC236}">
+                <a16:creationId xmlns:a16="http://schemas.microsoft.com/office/drawing/2014/main" id="{410B9142-6A69-CE46-8B07-107B7701ABB4}"/>
+              </a:ext>
+            </a:extLst>
+          </p:cNvPr>
+          <p:cNvPicPr>
+            <a:picLocks noChangeAspect="1"/>
+          </p:cNvPicPr>
+          <p:nvPr/>
+        </p:nvPicPr>
+        <p:blipFill>
+          <a:blip r:embed="rId2"/>
+          <a:stretch>
+            <a:fillRect/>
+          </a:stretch>
+        </p:blipFill>
+        <p:spPr>
+          <a:xfrm>
+            <a:off x="8485923" y="1379488"/>
+            <a:ext cx="443239" cy="238856"/>
+          </a:xfrm>
+          <a:prstGeom prst="rect">
+            <a:avLst/>
+          </a:prstGeom>
+        </p:spPr>
+      </p:pic>
+      <p:pic>
+        <p:nvPicPr>
+          <p:cNvPr id="7" name="Picture 6">
+            <a:extLst>
+              <a:ext uri="{FF2B5EF4-FFF2-40B4-BE49-F238E27FC236}">
+                <a16:creationId xmlns:a16="http://schemas.microsoft.com/office/drawing/2014/main" id="{F48E98CF-A30D-3248-BECC-8E3DB4BCD1F2}"/>
+              </a:ext>
+            </a:extLst>
+          </p:cNvPr>
+          <p:cNvPicPr>
+            <a:picLocks noChangeAspect="1"/>
+          </p:cNvPicPr>
+          <p:nvPr/>
+        </p:nvPicPr>
+        <p:blipFill>
+          <a:blip r:embed="rId3"/>
+          <a:stretch>
+            <a:fillRect/>
+          </a:stretch>
+        </p:blipFill>
+        <p:spPr>
+          <a:xfrm>
+            <a:off x="8257573" y="857250"/>
+            <a:ext cx="28575" cy="5143500"/>
+          </a:xfrm>
+          <a:prstGeom prst="rect">
+            <a:avLst/>
+          </a:prstGeom>
+        </p:spPr>
+      </p:pic>
+      <p:pic>
+        <p:nvPicPr>
+          <p:cNvPr id="8" name="Picture 7">
+            <a:extLst>
+              <a:ext uri="{FF2B5EF4-FFF2-40B4-BE49-F238E27FC236}">
+                <a16:creationId xmlns:a16="http://schemas.microsoft.com/office/drawing/2014/main" id="{1392657E-E978-FE4A-BBE8-38EBA3ADA45B}"/>
+              </a:ext>
+            </a:extLst>
+          </p:cNvPr>
+          <p:cNvPicPr>
+            <a:picLocks noChangeAspect="1"/>
+          </p:cNvPicPr>
+          <p:nvPr/>
+        </p:nvPicPr>
+        <p:blipFill rotWithShape="1">
+          <a:blip r:embed="rId4"/>
+          <a:srcRect r="9625" b="-49952"/>
+          <a:stretch/>
+        </p:blipFill>
+        <p:spPr>
+          <a:xfrm>
+            <a:off x="0" y="1874782"/>
+            <a:ext cx="8263967" cy="214244"/>
+          </a:xfrm>
+          <a:prstGeom prst="rect">
+            <a:avLst/>
+          </a:prstGeom>
+        </p:spPr>
+      </p:pic>
+      <p:sp>
+        <p:nvSpPr>
+          <p:cNvPr id="9" name="Slide Number Placeholder 3">
+            <a:extLst>
+              <a:ext uri="{FF2B5EF4-FFF2-40B4-BE49-F238E27FC236}">
+                <a16:creationId xmlns:a16="http://schemas.microsoft.com/office/drawing/2014/main" id="{E19DE16E-BA1A-2740-9FE4-31E66232D768}"/>
+              </a:ext>
+            </a:extLst>
+          </p:cNvPr>
+          <p:cNvSpPr txBox="1">
+            <a:spLocks/>
+          </p:cNvSpPr>
+          <p:nvPr/>
+        </p:nvSpPr>
+        <p:spPr>
+          <a:xfrm>
+            <a:off x="8372283" y="5572026"/>
+            <a:ext cx="691951" cy="273844"/>
+          </a:xfrm>
+          <a:prstGeom prst="rect">
+            <a:avLst/>
+          </a:prstGeom>
+        </p:spPr>
+        <p:txBody>
+          <a:bodyPr anchor="b"/>
+          <a:lstStyle>
+            <a:defPPr>
+              <a:defRPr lang="en-US"/>
+            </a:defPPr>
+            <a:lvl1pPr marL="0" algn="r" defTabSz="914400" rtl="0" eaLnBrk="1" latinLnBrk="0" hangingPunct="1">
+              <a:defRPr sz="1500" b="1" i="0" kern="1200">
+                <a:solidFill>
+                  <a:schemeClr val="bg1"/>
+                </a:solidFill>
+                <a:latin typeface="Arial" panose="020B0604020202020204" pitchFamily="34" charset="0"/>
+                <a:ea typeface="+mn-ea"/>
+                <a:cs typeface="Arial" panose="020B0604020202020204" pitchFamily="34" charset="0"/>
+              </a:defRPr>
+            </a:lvl1pPr>
+            <a:lvl2pPr marL="457200" algn="l" defTabSz="914400" rtl="0" eaLnBrk="1" latinLnBrk="0" hangingPunct="1">
+              <a:defRPr sz="1800" kern="1200">
+                <a:solidFill>
+                  <a:schemeClr val="tx1"/>
+                </a:solidFill>
+                <a:latin typeface="+mn-lt"/>
+                <a:ea typeface="+mn-ea"/>
+                <a:cs typeface="+mn-cs"/>
+              </a:defRPr>
+            </a:lvl2pPr>
+            <a:lvl3pPr marL="914400" algn="l" defTabSz="914400" rtl="0" eaLnBrk="1" latinLnBrk="0" hangingPunct="1">
+              <a:defRPr sz="1800" kern="1200">
+                <a:solidFill>
+                  <a:schemeClr val="tx1"/>
+                </a:solidFill>
+                <a:latin typeface="+mn-lt"/>
+                <a:ea typeface="+mn-ea"/>
+                <a:cs typeface="+mn-cs"/>
+              </a:defRPr>
+            </a:lvl3pPr>
+            <a:lvl4pPr marL="1371600" algn="l" defTabSz="914400" rtl="0" eaLnBrk="1" latinLnBrk="0" hangingPunct="1">
+              <a:defRPr sz="1800" kern="1200">
+                <a:solidFill>
+                  <a:schemeClr val="tx1"/>
+                </a:solidFill>
+                <a:latin typeface="+mn-lt"/>
+                <a:ea typeface="+mn-ea"/>
+                <a:cs typeface="+mn-cs"/>
+              </a:defRPr>
+            </a:lvl4pPr>
+            <a:lvl5pPr marL="1828800" algn="l" defTabSz="914400" rtl="0" eaLnBrk="1" latinLnBrk="0" hangingPunct="1">
+              <a:defRPr sz="1800" kern="1200">
+                <a:solidFill>
+                  <a:schemeClr val="tx1"/>
+                </a:solidFill>
+                <a:latin typeface="+mn-lt"/>
+                <a:ea typeface="+mn-ea"/>
+                <a:cs typeface="+mn-cs"/>
+              </a:defRPr>
+            </a:lvl5pPr>
+            <a:lvl6pPr marL="2286000" algn="l" defTabSz="914400" rtl="0" eaLnBrk="1" latinLnBrk="0" hangingPunct="1">
+              <a:defRPr sz="1800" kern="1200">
+                <a:solidFill>
+                  <a:schemeClr val="tx1"/>
+                </a:solidFill>
+                <a:latin typeface="+mn-lt"/>
+                <a:ea typeface="+mn-ea"/>
+                <a:cs typeface="+mn-cs"/>
+              </a:defRPr>
+            </a:lvl6pPr>
+            <a:lvl7pPr marL="2743200" algn="l" defTabSz="914400" rtl="0" eaLnBrk="1" latinLnBrk="0" hangingPunct="1">
+              <a:defRPr sz="1800" kern="1200">
+                <a:solidFill>
+                  <a:schemeClr val="tx1"/>
+                </a:solidFill>
+                <a:latin typeface="+mn-lt"/>
+                <a:ea typeface="+mn-ea"/>
+                <a:cs typeface="+mn-cs"/>
+              </a:defRPr>
+            </a:lvl7pPr>
+            <a:lvl8pPr marL="3200400" algn="l" defTabSz="914400" rtl="0" eaLnBrk="1" latinLnBrk="0" hangingPunct="1">
+              <a:defRPr sz="1800" kern="1200">
+                <a:solidFill>
+                  <a:schemeClr val="tx1"/>
+                </a:solidFill>
+                <a:latin typeface="+mn-lt"/>
+                <a:ea typeface="+mn-ea"/>
+                <a:cs typeface="+mn-cs"/>
+              </a:defRPr>
+            </a:lvl8pPr>
+            <a:lvl9pPr marL="3657600" algn="l" defTabSz="914400" rtl="0" eaLnBrk="1" latinLnBrk="0" hangingPunct="1">
+              <a:defRPr sz="1800" kern="1200">
+                <a:solidFill>
+                  <a:schemeClr val="tx1"/>
+                </a:solidFill>
+                <a:latin typeface="+mn-lt"/>
+                <a:ea typeface="+mn-ea"/>
+                <a:cs typeface="+mn-cs"/>
+              </a:defRPr>
+            </a:lvl9pPr>
+          </a:lstStyle>
+          <a:p>
+            <a:pPr algn="ctr"/>
+            <a:fld id="{D6F01323-A656-431B-B19E-EE6A8E2AF848}" type="slidenum">
+              <a:rPr lang="en-US" sz="1050">
+                <a:solidFill>
+                  <a:schemeClr val="tx1"/>
+                </a:solidFill>
+                <a:ea typeface="Inter Semi Bold" panose="020B0502030000000004" pitchFamily="34" charset="0"/>
+              </a:rPr>
+              <a:pPr algn="ctr"/>
+              <a:t>1</a:t>
+            </a:fld>
+            <a:endParaRPr lang="en-US" sz="1050" dirty="0">
+              <a:solidFill>
+                <a:schemeClr val="tx1"/>
+              </a:solidFill>
+              <a:ea typeface="Inter Semi Bold" panose="020B0502030000000004" pitchFamily="34" charset="0"/>
+            </a:endParaRPr>
           </a:p>
         </p:txBody>
       </p:sp>
     </p:spTree>
+    <p:extLst>
+      <p:ext uri="{BB962C8B-B14F-4D97-AF65-F5344CB8AC3E}">
+        <p14:creationId xmlns:p14="http://schemas.microsoft.com/office/powerpoint/2010/main" val="3907041518"/>
+      </p:ext>
+    </p:extLst>
   </p:cSld>
   <p:clrMapOvr>
     <a:masterClrMapping/>
   </p:clrMapOvr>
-  <p:transition>
-    <p:fade/>
-  </p:transition>
 </p:sld>
 </file>
 
@@ -23460,7 +28011,7 @@
         <p:spPr/>
         <p:txBody>
           <a:bodyPr>
-            <a:normAutofit fontScale="92500" lnSpcReduction="20000"/>
+            <a:normAutofit/>
           </a:bodyPr>
           <a:lstStyle/>
           <a:p>
@@ -23570,7 +28121,7 @@
         <p:spPr/>
         <p:txBody>
           <a:bodyPr>
-            <a:normAutofit fontScale="92500" lnSpcReduction="20000"/>
+            <a:normAutofit/>
           </a:bodyPr>
           <a:lstStyle/>
           <a:p>
@@ -23711,7 +28262,7 @@
         <p:spPr/>
         <p:txBody>
           <a:bodyPr>
-            <a:normAutofit fontScale="92500" lnSpcReduction="20000"/>
+            <a:normAutofit/>
           </a:bodyPr>
           <a:lstStyle/>
           <a:p>
@@ -23833,7 +28384,7 @@
         <p:spPr/>
         <p:txBody>
           <a:bodyPr>
-            <a:normAutofit fontScale="92500" lnSpcReduction="20000"/>
+            <a:normAutofit/>
           </a:bodyPr>
           <a:lstStyle/>
           <a:p>
@@ -23988,248 +28539,6 @@
         </p:txBody>
       </p:sp>
     </p:spTree>
-  </p:cSld>
-  <p:clrMapOvr>
-    <a:masterClrMapping/>
-  </p:clrMapOvr>
-  <p:transition>
-    <p:fade/>
-  </p:transition>
-</p:sld>
-</file>
-
-<file path=ppt/slides/slide14.xml><?xml version="1.0" encoding="utf-8"?>
-<p:sld xmlns:a="http://schemas.openxmlformats.org/drawingml/2006/main" xmlns:r="http://schemas.openxmlformats.org/officeDocument/2006/relationships" xmlns:p="http://schemas.openxmlformats.org/presentationml/2006/main">
-  <p:cSld>
-    <p:spTree>
-      <p:nvGrpSpPr>
-        <p:cNvPr id="1" name=""/>
-        <p:cNvGrpSpPr/>
-        <p:nvPr/>
-      </p:nvGrpSpPr>
-      <p:grpSpPr>
-        <a:xfrm>
-          <a:off x="0" y="0"/>
-          <a:ext cx="0" cy="0"/>
-          <a:chOff x="0" y="0"/>
-          <a:chExt cx="0" cy="0"/>
-        </a:xfrm>
-      </p:grpSpPr>
-      <p:sp>
-        <p:nvSpPr>
-          <p:cNvPr id="2" name="Titre 1"/>
-          <p:cNvSpPr>
-            <a:spLocks noGrp="1"/>
-          </p:cNvSpPr>
-          <p:nvPr>
-            <p:ph type="title"/>
-          </p:nvPr>
-        </p:nvSpPr>
-        <p:spPr/>
-        <p:txBody>
-          <a:bodyPr>
-            <a:normAutofit/>
-          </a:bodyPr>
-          <a:lstStyle/>
-          <a:p>
-            <a:r>
-              <a:rPr lang="en-GB" noProof="0" dirty="0" err="1"/>
-              <a:t>Komponentų</a:t>
-            </a:r>
-            <a:r>
-              <a:rPr lang="en-GB" noProof="0" dirty="0"/>
-              <a:t> </a:t>
-            </a:r>
-            <a:r>
-              <a:rPr lang="en-GB" noProof="0" dirty="0" err="1"/>
-              <a:t>palaikymas</a:t>
-            </a:r>
-            <a:endParaRPr lang="en-GB" noProof="0" dirty="0"/>
-          </a:p>
-        </p:txBody>
-      </p:sp>
-      <p:sp>
-        <p:nvSpPr>
-          <p:cNvPr id="4" name="TextBox 3"/>
-          <p:cNvSpPr txBox="1"/>
-          <p:nvPr/>
-        </p:nvSpPr>
-        <p:spPr>
-          <a:xfrm>
-            <a:off x="467544" y="4797152"/>
-            <a:ext cx="8096274" cy="1200329"/>
-          </a:xfrm>
-          <a:prstGeom prst="rect">
-            <a:avLst/>
-          </a:prstGeom>
-        </p:spPr>
-        <p:style>
-          <a:lnRef idx="2">
-            <a:schemeClr val="accent1"/>
-          </a:lnRef>
-          <a:fillRef idx="1">
-            <a:schemeClr val="lt1"/>
-          </a:fillRef>
-          <a:effectRef idx="0">
-            <a:schemeClr val="accent1"/>
-          </a:effectRef>
-          <a:fontRef idx="minor">
-            <a:schemeClr val="dk1"/>
-          </a:fontRef>
-        </p:style>
-        <p:txBody>
-          <a:bodyPr wrap="square" rtlCol="0">
-            <a:spAutoFit/>
-          </a:bodyPr>
-          <a:lstStyle/>
-          <a:p>
-            <a:pPr algn="just"/>
-            <a:r>
-              <a:rPr lang="lt-LT" dirty="0"/>
-              <a:t>Projektas „Aukštojo mokslo I ir II pakopų informatikos ir informatikos inžinerijos krypčių studijų programų atnaujinimas bei naujų sukūrimas ir įgyvendinimas (AMIPA)“, projekto kodas VP1–2.2–ŠMM–09–V–01–003, finansuojamas iš Europos socialinio fondo ir Lietuvos valstybės biudžeto lėšų.</a:t>
-            </a:r>
-            <a:endParaRPr lang="en-US" dirty="0"/>
-          </a:p>
-        </p:txBody>
-      </p:sp>
-      <p:pic>
-        <p:nvPicPr>
-          <p:cNvPr id="5" name="Picture 4"/>
-          <p:cNvPicPr/>
-          <p:nvPr/>
-        </p:nvPicPr>
-        <p:blipFill>
-          <a:blip r:embed="rId2">
-            <a:extLst>
-              <a:ext uri="{28A0092B-C50C-407E-A947-70E740481C1C}">
-                <a14:useLocalDpi xmlns:a14="http://schemas.microsoft.com/office/drawing/2010/main" val="0"/>
-              </a:ext>
-            </a:extLst>
-          </a:blip>
-          <a:srcRect/>
-          <a:stretch>
-            <a:fillRect/>
-          </a:stretch>
-        </p:blipFill>
-        <p:spPr bwMode="auto">
-          <a:xfrm>
-            <a:off x="3699706" y="225212"/>
-            <a:ext cx="1631950" cy="666750"/>
-          </a:xfrm>
-          <a:prstGeom prst="rect">
-            <a:avLst/>
-          </a:prstGeom>
-          <a:noFill/>
-          <a:ln>
-            <a:noFill/>
-          </a:ln>
-        </p:spPr>
-      </p:pic>
-      <p:pic>
-        <p:nvPicPr>
-          <p:cNvPr id="6" name="Picture 5"/>
-          <p:cNvPicPr/>
-          <p:nvPr/>
-        </p:nvPicPr>
-        <p:blipFill>
-          <a:blip r:embed="rId3" cstate="print">
-            <a:extLst>
-              <a:ext uri="{28A0092B-C50C-407E-A947-70E740481C1C}">
-                <a14:useLocalDpi xmlns:a14="http://schemas.microsoft.com/office/drawing/2010/main" val="0"/>
-              </a:ext>
-            </a:extLst>
-          </a:blip>
-          <a:srcRect/>
-          <a:stretch>
-            <a:fillRect/>
-          </a:stretch>
-        </p:blipFill>
-        <p:spPr bwMode="auto">
-          <a:xfrm>
-            <a:off x="5436096" y="226740"/>
-            <a:ext cx="1536700" cy="457200"/>
-          </a:xfrm>
-          <a:prstGeom prst="rect">
-            <a:avLst/>
-          </a:prstGeom>
-          <a:noFill/>
-          <a:ln>
-            <a:noFill/>
-          </a:ln>
-        </p:spPr>
-      </p:pic>
-      <p:pic>
-        <p:nvPicPr>
-          <p:cNvPr id="7" name="Picture 6"/>
-          <p:cNvPicPr/>
-          <p:nvPr/>
-        </p:nvPicPr>
-        <p:blipFill>
-          <a:blip r:embed="rId4" cstate="print">
-            <a:extLst>
-              <a:ext uri="{28A0092B-C50C-407E-A947-70E740481C1C}">
-                <a14:useLocalDpi xmlns:a14="http://schemas.microsoft.com/office/drawing/2010/main" val="0"/>
-              </a:ext>
-            </a:extLst>
-          </a:blip>
-          <a:srcRect/>
-          <a:stretch>
-            <a:fillRect/>
-          </a:stretch>
-        </p:blipFill>
-        <p:spPr bwMode="auto">
-          <a:xfrm>
-            <a:off x="7092280" y="226740"/>
-            <a:ext cx="844550" cy="628650"/>
-          </a:xfrm>
-          <a:prstGeom prst="rect">
-            <a:avLst/>
-          </a:prstGeom>
-          <a:noFill/>
-          <a:ln>
-            <a:noFill/>
-          </a:ln>
-        </p:spPr>
-      </p:pic>
-      <p:pic>
-        <p:nvPicPr>
-          <p:cNvPr id="8" name="Picture 7"/>
-          <p:cNvPicPr/>
-          <p:nvPr/>
-        </p:nvPicPr>
-        <p:blipFill>
-          <a:blip r:embed="rId5" cstate="print">
-            <a:extLst>
-              <a:ext uri="{28A0092B-C50C-407E-A947-70E740481C1C}">
-                <a14:useLocalDpi xmlns:a14="http://schemas.microsoft.com/office/drawing/2010/main" val="0"/>
-              </a:ext>
-            </a:extLst>
-          </a:blip>
-          <a:srcRect/>
-          <a:stretch>
-            <a:fillRect/>
-          </a:stretch>
-        </p:blipFill>
-        <p:spPr bwMode="auto">
-          <a:xfrm>
-            <a:off x="8100392" y="230683"/>
-            <a:ext cx="679450" cy="679450"/>
-          </a:xfrm>
-          <a:prstGeom prst="rect">
-            <a:avLst/>
-          </a:prstGeom>
-          <a:noFill/>
-          <a:ln>
-            <a:noFill/>
-          </a:ln>
-        </p:spPr>
-      </p:pic>
-    </p:spTree>
-    <p:extLst>
-      <p:ext uri="{BB962C8B-B14F-4D97-AF65-F5344CB8AC3E}">
-        <p14:creationId xmlns:p14="http://schemas.microsoft.com/office/powerpoint/2010/main" val="1804156689"/>
-      </p:ext>
-    </p:extLst>
   </p:cSld>
   <p:clrMapOvr>
     <a:masterClrMapping/>
@@ -24270,7 +28579,7 @@
         <p:spPr/>
         <p:txBody>
           <a:bodyPr>
-            <a:normAutofit fontScale="92500" lnSpcReduction="20000"/>
+            <a:normAutofit/>
           </a:bodyPr>
           <a:lstStyle/>
           <a:p>
@@ -24414,7 +28723,7 @@
         <p:spPr/>
         <p:txBody>
           <a:bodyPr>
-            <a:normAutofit fontScale="92500" lnSpcReduction="20000"/>
+            <a:normAutofit/>
           </a:bodyPr>
           <a:lstStyle/>
           <a:p>
@@ -24539,7 +28848,7 @@
         <p:spPr/>
         <p:txBody>
           <a:bodyPr>
-            <a:normAutofit fontScale="92500" lnSpcReduction="20000"/>
+            <a:normAutofit/>
           </a:bodyPr>
           <a:lstStyle/>
           <a:p>
@@ -24655,7 +28964,7 @@
         <p:spPr/>
         <p:txBody>
           <a:bodyPr>
-            <a:normAutofit fontScale="92500" lnSpcReduction="20000"/>
+            <a:normAutofit/>
           </a:bodyPr>
           <a:lstStyle/>
           <a:p>
@@ -24964,7 +29273,7 @@
         <p:spPr/>
         <p:txBody>
           <a:bodyPr>
-            <a:normAutofit fontScale="92500" lnSpcReduction="20000"/>
+            <a:normAutofit/>
           </a:bodyPr>
           <a:lstStyle/>
           <a:p>
@@ -25092,7 +29401,7 @@
         <p:spPr/>
         <p:txBody>
           <a:bodyPr>
-            <a:normAutofit fontScale="92500" lnSpcReduction="20000"/>
+            <a:normAutofit/>
           </a:bodyPr>
           <a:lstStyle/>
           <a:p>
@@ -25231,7 +29540,7 @@
         <p:spPr/>
         <p:txBody>
           <a:bodyPr>
-            <a:normAutofit fontScale="92500" lnSpcReduction="20000"/>
+            <a:normAutofit/>
           </a:bodyPr>
           <a:lstStyle/>
           <a:p>
@@ -25379,7 +29688,7 @@
         <p:spPr/>
         <p:txBody>
           <a:bodyPr>
-            <a:normAutofit fontScale="92500" lnSpcReduction="20000"/>
+            <a:normAutofit/>
           </a:bodyPr>
           <a:lstStyle/>
           <a:p>
@@ -25831,6 +30140,321 @@
         <a:sysClr val="window" lastClr="FFFFFF"/>
       </a:lt1>
       <a:dk2>
+        <a:srgbClr val="0E2841"/>
+      </a:dk2>
+      <a:lt2>
+        <a:srgbClr val="E8E8E8"/>
+      </a:lt2>
+      <a:accent1>
+        <a:srgbClr val="156082"/>
+      </a:accent1>
+      <a:accent2>
+        <a:srgbClr val="E97132"/>
+      </a:accent2>
+      <a:accent3>
+        <a:srgbClr val="196B24"/>
+      </a:accent3>
+      <a:accent4>
+        <a:srgbClr val="0F9ED5"/>
+      </a:accent4>
+      <a:accent5>
+        <a:srgbClr val="A02B93"/>
+      </a:accent5>
+      <a:accent6>
+        <a:srgbClr val="4EA72E"/>
+      </a:accent6>
+      <a:hlink>
+        <a:srgbClr val="467886"/>
+      </a:hlink>
+      <a:folHlink>
+        <a:srgbClr val="96607D"/>
+      </a:folHlink>
+    </a:clrScheme>
+    <a:fontScheme name="Office">
+      <a:majorFont>
+        <a:latin typeface="Aptos Display" panose="02110004020202020204"/>
+        <a:ea typeface=""/>
+        <a:cs typeface=""/>
+        <a:font script="Jpan" typeface="游ゴシック Light"/>
+        <a:font script="Hang" typeface="맑은 고딕"/>
+        <a:font script="Hans" typeface="等线 Light"/>
+        <a:font script="Hant" typeface="新細明體"/>
+        <a:font script="Arab" typeface="Times New Roman"/>
+        <a:font script="Hebr" typeface="Times New Roman"/>
+        <a:font script="Thai" typeface="Angsana New"/>
+        <a:font script="Ethi" typeface="Nyala"/>
+        <a:font script="Beng" typeface="Vrinda"/>
+        <a:font script="Gujr" typeface="Shruti"/>
+        <a:font script="Khmr" typeface="MoolBoran"/>
+        <a:font script="Knda" typeface="Tunga"/>
+        <a:font script="Guru" typeface="Raavi"/>
+        <a:font script="Cans" typeface="Euphemia"/>
+        <a:font script="Cher" typeface="Plantagenet Cherokee"/>
+        <a:font script="Yiii" typeface="Microsoft Yi Baiti"/>
+        <a:font script="Tibt" typeface="Microsoft Himalaya"/>
+        <a:font script="Thaa" typeface="MV Boli"/>
+        <a:font script="Deva" typeface="Mangal"/>
+        <a:font script="Telu" typeface="Gautami"/>
+        <a:font script="Taml" typeface="Latha"/>
+        <a:font script="Syrc" typeface="Estrangelo Edessa"/>
+        <a:font script="Orya" typeface="Kalinga"/>
+        <a:font script="Mlym" typeface="Kartika"/>
+        <a:font script="Laoo" typeface="DokChampa"/>
+        <a:font script="Sinh" typeface="Iskoola Pota"/>
+        <a:font script="Mong" typeface="Mongolian Baiti"/>
+        <a:font script="Viet" typeface="Times New Roman"/>
+        <a:font script="Uigh" typeface="Microsoft Uighur"/>
+        <a:font script="Geor" typeface="Sylfaen"/>
+        <a:font script="Armn" typeface="Arial"/>
+        <a:font script="Bugi" typeface="Leelawadee UI"/>
+        <a:font script="Bopo" typeface="Microsoft JhengHei"/>
+        <a:font script="Java" typeface="Javanese Text"/>
+        <a:font script="Lisu" typeface="Segoe UI"/>
+        <a:font script="Mymr" typeface="Myanmar Text"/>
+        <a:font script="Nkoo" typeface="Ebrima"/>
+        <a:font script="Olck" typeface="Nirmala UI"/>
+        <a:font script="Osma" typeface="Ebrima"/>
+        <a:font script="Phag" typeface="Phagspa"/>
+        <a:font script="Syrn" typeface="Estrangelo Edessa"/>
+        <a:font script="Syrj" typeface="Estrangelo Edessa"/>
+        <a:font script="Syre" typeface="Estrangelo Edessa"/>
+        <a:font script="Sora" typeface="Nirmala UI"/>
+        <a:font script="Tale" typeface="Microsoft Tai Le"/>
+        <a:font script="Talu" typeface="Microsoft New Tai Lue"/>
+        <a:font script="Tfng" typeface="Ebrima"/>
+      </a:majorFont>
+      <a:minorFont>
+        <a:latin typeface="Aptos" panose="02110004020202020204"/>
+        <a:ea typeface=""/>
+        <a:cs typeface=""/>
+        <a:font script="Jpan" typeface="游ゴシック"/>
+        <a:font script="Hang" typeface="맑은 고딕"/>
+        <a:font script="Hans" typeface="等线"/>
+        <a:font script="Hant" typeface="新細明體"/>
+        <a:font script="Arab" typeface="Arial"/>
+        <a:font script="Hebr" typeface="Arial"/>
+        <a:font script="Thai" typeface="Cordia New"/>
+        <a:font script="Ethi" typeface="Nyala"/>
+        <a:font script="Beng" typeface="Vrinda"/>
+        <a:font script="Gujr" typeface="Shruti"/>
+        <a:font script="Khmr" typeface="DaunPenh"/>
+        <a:font script="Knda" typeface="Tunga"/>
+        <a:font script="Guru" typeface="Raavi"/>
+        <a:font script="Cans" typeface="Euphemia"/>
+        <a:font script="Cher" typeface="Plantagenet Cherokee"/>
+        <a:font script="Yiii" typeface="Microsoft Yi Baiti"/>
+        <a:font script="Tibt" typeface="Microsoft Himalaya"/>
+        <a:font script="Thaa" typeface="MV Boli"/>
+        <a:font script="Deva" typeface="Mangal"/>
+        <a:font script="Telu" typeface="Gautami"/>
+        <a:font script="Taml" typeface="Latha"/>
+        <a:font script="Syrc" typeface="Estrangelo Edessa"/>
+        <a:font script="Orya" typeface="Kalinga"/>
+        <a:font script="Mlym" typeface="Kartika"/>
+        <a:font script="Laoo" typeface="DokChampa"/>
+        <a:font script="Sinh" typeface="Iskoola Pota"/>
+        <a:font script="Mong" typeface="Mongolian Baiti"/>
+        <a:font script="Viet" typeface="Arial"/>
+        <a:font script="Uigh" typeface="Microsoft Uighur"/>
+        <a:font script="Geor" typeface="Sylfaen"/>
+        <a:font script="Armn" typeface="Arial"/>
+        <a:font script="Bugi" typeface="Leelawadee UI"/>
+        <a:font script="Bopo" typeface="Microsoft JhengHei"/>
+        <a:font script="Java" typeface="Javanese Text"/>
+        <a:font script="Lisu" typeface="Segoe UI"/>
+        <a:font script="Mymr" typeface="Myanmar Text"/>
+        <a:font script="Nkoo" typeface="Ebrima"/>
+        <a:font script="Olck" typeface="Nirmala UI"/>
+        <a:font script="Osma" typeface="Ebrima"/>
+        <a:font script="Phag" typeface="Phagspa"/>
+        <a:font script="Syrn" typeface="Estrangelo Edessa"/>
+        <a:font script="Syrj" typeface="Estrangelo Edessa"/>
+        <a:font script="Syre" typeface="Estrangelo Edessa"/>
+        <a:font script="Sora" typeface="Nirmala UI"/>
+        <a:font script="Tale" typeface="Microsoft Tai Le"/>
+        <a:font script="Talu" typeface="Microsoft New Tai Lue"/>
+        <a:font script="Tfng" typeface="Ebrima"/>
+      </a:minorFont>
+    </a:fontScheme>
+    <a:fmtScheme name="Office">
+      <a:fillStyleLst>
+        <a:solidFill>
+          <a:schemeClr val="phClr"/>
+        </a:solidFill>
+        <a:gradFill rotWithShape="1">
+          <a:gsLst>
+            <a:gs pos="0">
+              <a:schemeClr val="phClr">
+                <a:lumMod val="110000"/>
+                <a:satMod val="105000"/>
+                <a:tint val="67000"/>
+              </a:schemeClr>
+            </a:gs>
+            <a:gs pos="50000">
+              <a:schemeClr val="phClr">
+                <a:lumMod val="105000"/>
+                <a:satMod val="103000"/>
+                <a:tint val="73000"/>
+              </a:schemeClr>
+            </a:gs>
+            <a:gs pos="100000">
+              <a:schemeClr val="phClr">
+                <a:lumMod val="105000"/>
+                <a:satMod val="109000"/>
+                <a:tint val="81000"/>
+              </a:schemeClr>
+            </a:gs>
+          </a:gsLst>
+          <a:lin ang="5400000" scaled="0"/>
+        </a:gradFill>
+        <a:gradFill rotWithShape="1">
+          <a:gsLst>
+            <a:gs pos="0">
+              <a:schemeClr val="phClr">
+                <a:satMod val="103000"/>
+                <a:lumMod val="102000"/>
+                <a:tint val="94000"/>
+              </a:schemeClr>
+            </a:gs>
+            <a:gs pos="50000">
+              <a:schemeClr val="phClr">
+                <a:satMod val="110000"/>
+                <a:lumMod val="100000"/>
+                <a:shade val="100000"/>
+              </a:schemeClr>
+            </a:gs>
+            <a:gs pos="100000">
+              <a:schemeClr val="phClr">
+                <a:lumMod val="99000"/>
+                <a:satMod val="120000"/>
+                <a:shade val="78000"/>
+              </a:schemeClr>
+            </a:gs>
+          </a:gsLst>
+          <a:lin ang="5400000" scaled="0"/>
+        </a:gradFill>
+      </a:fillStyleLst>
+      <a:lnStyleLst>
+        <a:ln w="12700" cap="flat" cmpd="sng" algn="ctr">
+          <a:solidFill>
+            <a:schemeClr val="phClr"/>
+          </a:solidFill>
+          <a:prstDash val="solid"/>
+          <a:miter lim="800000"/>
+        </a:ln>
+        <a:ln w="19050" cap="flat" cmpd="sng" algn="ctr">
+          <a:solidFill>
+            <a:schemeClr val="phClr"/>
+          </a:solidFill>
+          <a:prstDash val="solid"/>
+          <a:miter lim="800000"/>
+        </a:ln>
+        <a:ln w="25400" cap="flat" cmpd="sng" algn="ctr">
+          <a:solidFill>
+            <a:schemeClr val="phClr"/>
+          </a:solidFill>
+          <a:prstDash val="solid"/>
+          <a:miter lim="800000"/>
+        </a:ln>
+      </a:lnStyleLst>
+      <a:effectStyleLst>
+        <a:effectStyle>
+          <a:effectLst/>
+        </a:effectStyle>
+        <a:effectStyle>
+          <a:effectLst/>
+        </a:effectStyle>
+        <a:effectStyle>
+          <a:effectLst>
+            <a:outerShdw blurRad="57150" dist="19050" dir="5400000" algn="ctr" rotWithShape="0">
+              <a:srgbClr val="000000">
+                <a:alpha val="63000"/>
+              </a:srgbClr>
+            </a:outerShdw>
+          </a:effectLst>
+        </a:effectStyle>
+      </a:effectStyleLst>
+      <a:bgFillStyleLst>
+        <a:solidFill>
+          <a:schemeClr val="phClr"/>
+        </a:solidFill>
+        <a:solidFill>
+          <a:schemeClr val="phClr">
+            <a:tint val="95000"/>
+            <a:satMod val="170000"/>
+          </a:schemeClr>
+        </a:solidFill>
+        <a:gradFill rotWithShape="1">
+          <a:gsLst>
+            <a:gs pos="0">
+              <a:schemeClr val="phClr">
+                <a:tint val="93000"/>
+                <a:satMod val="150000"/>
+                <a:shade val="98000"/>
+                <a:lumMod val="102000"/>
+              </a:schemeClr>
+            </a:gs>
+            <a:gs pos="50000">
+              <a:schemeClr val="phClr">
+                <a:tint val="98000"/>
+                <a:satMod val="130000"/>
+                <a:shade val="90000"/>
+                <a:lumMod val="103000"/>
+              </a:schemeClr>
+            </a:gs>
+            <a:gs pos="100000">
+              <a:schemeClr val="phClr">
+                <a:shade val="63000"/>
+                <a:satMod val="120000"/>
+              </a:schemeClr>
+            </a:gs>
+          </a:gsLst>
+          <a:lin ang="5400000" scaled="0"/>
+        </a:gradFill>
+      </a:bgFillStyleLst>
+    </a:fmtScheme>
+  </a:themeElements>
+  <a:objectDefaults>
+    <a:lnDef>
+      <a:spPr/>
+      <a:bodyPr/>
+      <a:lstStyle/>
+      <a:style>
+        <a:lnRef idx="2">
+          <a:schemeClr val="accent1"/>
+        </a:lnRef>
+        <a:fillRef idx="0">
+          <a:schemeClr val="accent1"/>
+        </a:fillRef>
+        <a:effectRef idx="1">
+          <a:schemeClr val="accent1"/>
+        </a:effectRef>
+        <a:fontRef idx="minor">
+          <a:schemeClr val="tx1"/>
+        </a:fontRef>
+      </a:style>
+    </a:lnDef>
+  </a:objectDefaults>
+  <a:extraClrSchemeLst/>
+  <a:extLst>
+    <a:ext uri="{05A4C25C-085E-4340-85A3-A5531E510DB2}">
+      <thm15:themeFamily xmlns:thm15="http://schemas.microsoft.com/office/thememl/2012/main" name="Office Theme" id="{2E142A2C-CD16-42D6-873A-C26D2A0506FA}" vid="{1BDDFF52-6CD6-40A5-AB3C-68EB2F1E4D0A}"/>
+    </a:ext>
+  </a:extLst>
+</a:theme>
+</file>
+
+<file path=ppt/theme/theme3.xml><?xml version="1.0" encoding="utf-8"?>
+<a:theme xmlns:a="http://schemas.openxmlformats.org/drawingml/2006/main" name="Thème Office">
+  <a:themeElements>
+    <a:clrScheme name="Office">
+      <a:dk1>
+        <a:sysClr val="windowText" lastClr="000000"/>
+      </a:dk1>
+      <a:lt1>
+        <a:sysClr val="window" lastClr="FFFFFF"/>
+      </a:lt1>
+      <a:dk2>
         <a:srgbClr val="1F497D"/>
       </a:dk2>
       <a:lt2>
